--- a/objects/python_objects.pptx
+++ b/objects/python_objects.pptx
@@ -11,8 +11,12 @@
     <p:sldId id="260" r:id="rId5"/>
     <p:sldId id="263" r:id="rId6"/>
     <p:sldId id="266" r:id="rId7"/>
-    <p:sldId id="264" r:id="rId8"/>
-    <p:sldId id="265" r:id="rId9"/>
+    <p:sldId id="268" r:id="rId8"/>
+    <p:sldId id="264" r:id="rId9"/>
+    <p:sldId id="265" r:id="rId10"/>
+    <p:sldId id="269" r:id="rId11"/>
+    <p:sldId id="267" r:id="rId12"/>
+    <p:sldId id="270" r:id="rId13"/>
   </p:sldIdLst>
   <p:sldSz cx="12192000" cy="6858000"/>
   <p:notesSz cx="6858000" cy="9144000"/>
@@ -119,6 +123,18 @@
 </p:presentation>
 </file>
 
+<file path=ppt/commentAuthors.xml><?xml version="1.0" encoding="utf-8"?>
+<p:cmAuthorLst xmlns:a="http://schemas.openxmlformats.org/drawingml/2006/main" xmlns:r="http://schemas.openxmlformats.org/officeDocument/2006/relationships" xmlns:p="http://schemas.openxmlformats.org/presentationml/2006/main">
+  <p:cmAuthor id="1" name="Lukas Koning" initials="LK" lastIdx="1" clrIdx="0">
+    <p:extLst>
+      <p:ext uri="{19B8F6BF-5375-455C-9EA6-DF929625EA0E}">
+        <p15:presenceInfo xmlns:p15="http://schemas.microsoft.com/office/powerpoint/2012/main" userId="27d520ca6d017ce8" providerId="Windows Live"/>
+      </p:ext>
+    </p:extLst>
+  </p:cmAuthor>
+</p:cmAuthorLst>
+</file>
+
 <file path=ppt/slideLayouts/slideLayout1.xml><?xml version="1.0" encoding="utf-8"?>
 <p:sldLayout xmlns:a="http://schemas.openxmlformats.org/drawingml/2006/main" xmlns:r="http://schemas.openxmlformats.org/officeDocument/2006/relationships" xmlns:p="http://schemas.openxmlformats.org/presentationml/2006/main" type="title" preserve="1">
   <p:cSld name="Title Slide">
@@ -268,7 +284,7 @@
           <a:p>
             <a:fld id="{463A1772-2718-4A87-A3E8-52B3EC469552}" type="datetimeFigureOut">
               <a:rPr lang="en-NL" smtClean="0"/>
-              <a:t>04/02/2021</a:t>
+              <a:t>16/03/2021</a:t>
             </a:fld>
             <a:endParaRPr lang="en-NL"/>
           </a:p>
@@ -468,7 +484,7 @@
           <a:p>
             <a:fld id="{463A1772-2718-4A87-A3E8-52B3EC469552}" type="datetimeFigureOut">
               <a:rPr lang="en-NL" smtClean="0"/>
-              <a:t>04/02/2021</a:t>
+              <a:t>16/03/2021</a:t>
             </a:fld>
             <a:endParaRPr lang="en-NL"/>
           </a:p>
@@ -678,7 +694,7 @@
           <a:p>
             <a:fld id="{463A1772-2718-4A87-A3E8-52B3EC469552}" type="datetimeFigureOut">
               <a:rPr lang="en-NL" smtClean="0"/>
-              <a:t>04/02/2021</a:t>
+              <a:t>16/03/2021</a:t>
             </a:fld>
             <a:endParaRPr lang="en-NL"/>
           </a:p>
@@ -878,7 +894,7 @@
           <a:p>
             <a:fld id="{463A1772-2718-4A87-A3E8-52B3EC469552}" type="datetimeFigureOut">
               <a:rPr lang="en-NL" smtClean="0"/>
-              <a:t>04/02/2021</a:t>
+              <a:t>16/03/2021</a:t>
             </a:fld>
             <a:endParaRPr lang="en-NL"/>
           </a:p>
@@ -1154,7 +1170,7 @@
           <a:p>
             <a:fld id="{463A1772-2718-4A87-A3E8-52B3EC469552}" type="datetimeFigureOut">
               <a:rPr lang="en-NL" smtClean="0"/>
-              <a:t>04/02/2021</a:t>
+              <a:t>16/03/2021</a:t>
             </a:fld>
             <a:endParaRPr lang="en-NL"/>
           </a:p>
@@ -1422,7 +1438,7 @@
           <a:p>
             <a:fld id="{463A1772-2718-4A87-A3E8-52B3EC469552}" type="datetimeFigureOut">
               <a:rPr lang="en-NL" smtClean="0"/>
-              <a:t>04/02/2021</a:t>
+              <a:t>16/03/2021</a:t>
             </a:fld>
             <a:endParaRPr lang="en-NL"/>
           </a:p>
@@ -1837,7 +1853,7 @@
           <a:p>
             <a:fld id="{463A1772-2718-4A87-A3E8-52B3EC469552}" type="datetimeFigureOut">
               <a:rPr lang="en-NL" smtClean="0"/>
-              <a:t>04/02/2021</a:t>
+              <a:t>16/03/2021</a:t>
             </a:fld>
             <a:endParaRPr lang="en-NL"/>
           </a:p>
@@ -1979,7 +1995,7 @@
           <a:p>
             <a:fld id="{463A1772-2718-4A87-A3E8-52B3EC469552}" type="datetimeFigureOut">
               <a:rPr lang="en-NL" smtClean="0"/>
-              <a:t>04/02/2021</a:t>
+              <a:t>16/03/2021</a:t>
             </a:fld>
             <a:endParaRPr lang="en-NL"/>
           </a:p>
@@ -2092,7 +2108,7 @@
           <a:p>
             <a:fld id="{463A1772-2718-4A87-A3E8-52B3EC469552}" type="datetimeFigureOut">
               <a:rPr lang="en-NL" smtClean="0"/>
-              <a:t>04/02/2021</a:t>
+              <a:t>16/03/2021</a:t>
             </a:fld>
             <a:endParaRPr lang="en-NL"/>
           </a:p>
@@ -2405,7 +2421,7 @@
           <a:p>
             <a:fld id="{463A1772-2718-4A87-A3E8-52B3EC469552}" type="datetimeFigureOut">
               <a:rPr lang="en-NL" smtClean="0"/>
-              <a:t>04/02/2021</a:t>
+              <a:t>16/03/2021</a:t>
             </a:fld>
             <a:endParaRPr lang="en-NL"/>
           </a:p>
@@ -2694,7 +2710,7 @@
           <a:p>
             <a:fld id="{463A1772-2718-4A87-A3E8-52B3EC469552}" type="datetimeFigureOut">
               <a:rPr lang="en-NL" smtClean="0"/>
-              <a:t>04/02/2021</a:t>
+              <a:t>16/03/2021</a:t>
             </a:fld>
             <a:endParaRPr lang="en-NL"/>
           </a:p>
@@ -2937,7 +2953,7 @@
           <a:p>
             <a:fld id="{463A1772-2718-4A87-A3E8-52B3EC469552}" type="datetimeFigureOut">
               <a:rPr lang="en-NL" smtClean="0"/>
-              <a:t>04/02/2021</a:t>
+              <a:t>16/03/2021</a:t>
             </a:fld>
             <a:endParaRPr lang="en-NL"/>
           </a:p>
@@ -3376,17 +3392,16 @@
           <a:lstStyle/>
           <a:p>
             <a:r>
-              <a:rPr lang="en-US" dirty="0"/>
-              <a:t>Knowledge Sharing:</a:t>
+              <a:rPr lang="nl-NL"/>
+              <a:t>Kennissessie:</a:t>
             </a:r>
             <a:br>
-              <a:rPr lang="en-US" dirty="0"/>
+              <a:rPr lang="nl-NL"/>
             </a:br>
             <a:r>
-              <a:rPr lang="en-US" dirty="0"/>
-              <a:t>Python Objects</a:t>
-            </a:r>
-            <a:endParaRPr lang="en-NL" dirty="0"/>
+              <a:rPr lang="nl-NL"/>
+              <a:t>Objecten in Python</a:t>
+            </a:r>
           </a:p>
         </p:txBody>
       </p:sp>
@@ -3423,6 +3438,1154 @@
     <p:extLst>
       <p:ext uri="{BB962C8B-B14F-4D97-AF65-F5344CB8AC3E}">
         <p14:creationId xmlns:p14="http://schemas.microsoft.com/office/powerpoint/2010/main" val="1703365762"/>
+      </p:ext>
+    </p:extLst>
+  </p:cSld>
+  <p:clrMapOvr>
+    <a:masterClrMapping/>
+  </p:clrMapOvr>
+</p:sld>
+</file>
+
+<file path=ppt/slides/slide10.xml><?xml version="1.0" encoding="utf-8"?>
+<p:sld xmlns:a="http://schemas.openxmlformats.org/drawingml/2006/main" xmlns:r="http://schemas.openxmlformats.org/officeDocument/2006/relationships" xmlns:p="http://schemas.openxmlformats.org/presentationml/2006/main">
+  <p:cSld>
+    <p:spTree>
+      <p:nvGrpSpPr>
+        <p:cNvPr id="1" name=""/>
+        <p:cNvGrpSpPr/>
+        <p:nvPr/>
+      </p:nvGrpSpPr>
+      <p:grpSpPr>
+        <a:xfrm>
+          <a:off x="0" y="0"/>
+          <a:ext cx="0" cy="0"/>
+          <a:chOff x="0" y="0"/>
+          <a:chExt cx="0" cy="0"/>
+        </a:xfrm>
+      </p:grpSpPr>
+      <p:sp>
+        <p:nvSpPr>
+          <p:cNvPr id="2" name="Title 1">
+            <a:extLst>
+              <a:ext uri="{FF2B5EF4-FFF2-40B4-BE49-F238E27FC236}">
+                <a16:creationId xmlns:a16="http://schemas.microsoft.com/office/drawing/2014/main" id="{11B81A73-6CA2-4E72-8086-A17DAF604345}"/>
+              </a:ext>
+            </a:extLst>
+          </p:cNvPr>
+          <p:cNvSpPr>
+            <a:spLocks noGrp="1"/>
+          </p:cNvSpPr>
+          <p:nvPr>
+            <p:ph type="title"/>
+          </p:nvPr>
+        </p:nvSpPr>
+        <p:spPr/>
+        <p:txBody>
+          <a:bodyPr/>
+          <a:lstStyle/>
+          <a:p>
+            <a:endParaRPr lang="en-NL"/>
+          </a:p>
+        </p:txBody>
+      </p:sp>
+      <p:sp>
+        <p:nvSpPr>
+          <p:cNvPr id="3" name="Content Placeholder 2">
+            <a:extLst>
+              <a:ext uri="{FF2B5EF4-FFF2-40B4-BE49-F238E27FC236}">
+                <a16:creationId xmlns:a16="http://schemas.microsoft.com/office/drawing/2014/main" id="{15550610-2445-4076-83AE-2E3A0C4F9DF8}"/>
+              </a:ext>
+            </a:extLst>
+          </p:cNvPr>
+          <p:cNvSpPr>
+            <a:spLocks noGrp="1"/>
+          </p:cNvSpPr>
+          <p:nvPr>
+            <p:ph idx="1"/>
+          </p:nvPr>
+        </p:nvSpPr>
+        <p:spPr/>
+        <p:txBody>
+          <a:bodyPr/>
+          <a:lstStyle/>
+          <a:p>
+            <a:endParaRPr lang="en-NL"/>
+          </a:p>
+        </p:txBody>
+      </p:sp>
+    </p:spTree>
+    <p:extLst>
+      <p:ext uri="{BB962C8B-B14F-4D97-AF65-F5344CB8AC3E}">
+        <p14:creationId xmlns:p14="http://schemas.microsoft.com/office/powerpoint/2010/main" val="1786766054"/>
+      </p:ext>
+    </p:extLst>
+  </p:cSld>
+  <p:clrMapOvr>
+    <a:masterClrMapping/>
+  </p:clrMapOvr>
+</p:sld>
+</file>
+
+<file path=ppt/slides/slide11.xml><?xml version="1.0" encoding="utf-8"?>
+<p:sld xmlns:a="http://schemas.openxmlformats.org/drawingml/2006/main" xmlns:r="http://schemas.openxmlformats.org/officeDocument/2006/relationships" xmlns:p="http://schemas.openxmlformats.org/presentationml/2006/main">
+  <p:cSld>
+    <p:spTree>
+      <p:nvGrpSpPr>
+        <p:cNvPr id="1" name=""/>
+        <p:cNvGrpSpPr/>
+        <p:nvPr/>
+      </p:nvGrpSpPr>
+      <p:grpSpPr>
+        <a:xfrm>
+          <a:off x="0" y="0"/>
+          <a:ext cx="0" cy="0"/>
+          <a:chOff x="0" y="0"/>
+          <a:chExt cx="0" cy="0"/>
+        </a:xfrm>
+      </p:grpSpPr>
+      <p:sp>
+        <p:nvSpPr>
+          <p:cNvPr id="2" name="Title 1">
+            <a:extLst>
+              <a:ext uri="{FF2B5EF4-FFF2-40B4-BE49-F238E27FC236}">
+                <a16:creationId xmlns:a16="http://schemas.microsoft.com/office/drawing/2014/main" id="{D07690AC-E9C0-44D9-8EB9-6E70B6FBA573}"/>
+              </a:ext>
+            </a:extLst>
+          </p:cNvPr>
+          <p:cNvSpPr>
+            <a:spLocks noGrp="1"/>
+          </p:cNvSpPr>
+          <p:nvPr>
+            <p:ph type="title"/>
+          </p:nvPr>
+        </p:nvSpPr>
+        <p:spPr/>
+        <p:txBody>
+          <a:bodyPr>
+            <a:normAutofit/>
+          </a:bodyPr>
+          <a:lstStyle/>
+          <a:p>
+            <a:r>
+              <a:rPr lang="nl-NL" sz="3600" dirty="0"/>
+              <a:t>Objecten structuur</a:t>
+            </a:r>
+          </a:p>
+        </p:txBody>
+      </p:sp>
+      <p:sp>
+        <p:nvSpPr>
+          <p:cNvPr id="6" name="Rectangle 5">
+            <a:extLst>
+              <a:ext uri="{FF2B5EF4-FFF2-40B4-BE49-F238E27FC236}">
+                <a16:creationId xmlns:a16="http://schemas.microsoft.com/office/drawing/2014/main" id="{52F82DB0-A067-4E5E-BD2C-54BFFC9D8C11}"/>
+              </a:ext>
+            </a:extLst>
+          </p:cNvPr>
+          <p:cNvSpPr/>
+          <p:nvPr/>
+        </p:nvSpPr>
+        <p:spPr>
+          <a:xfrm>
+            <a:off x="6083101" y="2863740"/>
+            <a:ext cx="1413283" cy="743574"/>
+          </a:xfrm>
+          <a:prstGeom prst="rect">
+            <a:avLst/>
+          </a:prstGeom>
+        </p:spPr>
+        <p:style>
+          <a:lnRef idx="1">
+            <a:schemeClr val="accent5"/>
+          </a:lnRef>
+          <a:fillRef idx="2">
+            <a:schemeClr val="accent5"/>
+          </a:fillRef>
+          <a:effectRef idx="1">
+            <a:schemeClr val="accent5"/>
+          </a:effectRef>
+          <a:fontRef idx="minor">
+            <a:schemeClr val="dk1"/>
+          </a:fontRef>
+        </p:style>
+        <p:txBody>
+          <a:bodyPr rtlCol="0" anchor="ctr"/>
+          <a:lstStyle/>
+          <a:p>
+            <a:pPr algn="ctr"/>
+            <a:r>
+              <a:rPr lang="en-US" sz="1600" dirty="0"/>
+              <a:t>Model</a:t>
+            </a:r>
+            <a:endParaRPr lang="en-NL" sz="1600" dirty="0"/>
+          </a:p>
+        </p:txBody>
+      </p:sp>
+      <p:sp>
+        <p:nvSpPr>
+          <p:cNvPr id="12" name="Rectangle 11">
+            <a:extLst>
+              <a:ext uri="{FF2B5EF4-FFF2-40B4-BE49-F238E27FC236}">
+                <a16:creationId xmlns:a16="http://schemas.microsoft.com/office/drawing/2014/main" id="{19898477-4D1D-4761-BB66-C9968DA01BAC}"/>
+              </a:ext>
+            </a:extLst>
+          </p:cNvPr>
+          <p:cNvSpPr/>
+          <p:nvPr/>
+        </p:nvSpPr>
+        <p:spPr>
+          <a:xfrm>
+            <a:off x="1689891" y="2120167"/>
+            <a:ext cx="1413283" cy="743573"/>
+          </a:xfrm>
+          <a:prstGeom prst="rect">
+            <a:avLst/>
+          </a:prstGeom>
+        </p:spPr>
+        <p:style>
+          <a:lnRef idx="1">
+            <a:schemeClr val="accent6"/>
+          </a:lnRef>
+          <a:fillRef idx="2">
+            <a:schemeClr val="accent6"/>
+          </a:fillRef>
+          <a:effectRef idx="1">
+            <a:schemeClr val="accent6"/>
+          </a:effectRef>
+          <a:fontRef idx="minor">
+            <a:schemeClr val="dk1"/>
+          </a:fontRef>
+        </p:style>
+        <p:txBody>
+          <a:bodyPr rtlCol="0" anchor="ctr"/>
+          <a:lstStyle/>
+          <a:p>
+            <a:pPr algn="ctr"/>
+            <a:r>
+              <a:rPr lang="en-US" sz="1600" dirty="0" err="1"/>
+              <a:t>FileReader</a:t>
+            </a:r>
+            <a:endParaRPr lang="en-NL" sz="1600" dirty="0"/>
+          </a:p>
+        </p:txBody>
+      </p:sp>
+      <p:sp>
+        <p:nvSpPr>
+          <p:cNvPr id="14" name="Rectangle 13">
+            <a:extLst>
+              <a:ext uri="{FF2B5EF4-FFF2-40B4-BE49-F238E27FC236}">
+                <a16:creationId xmlns:a16="http://schemas.microsoft.com/office/drawing/2014/main" id="{A3A93348-ACC9-4F1A-9873-6AA619AECCDA}"/>
+              </a:ext>
+            </a:extLst>
+          </p:cNvPr>
+          <p:cNvSpPr/>
+          <p:nvPr/>
+        </p:nvSpPr>
+        <p:spPr>
+          <a:xfrm>
+            <a:off x="6083101" y="4949137"/>
+            <a:ext cx="1413283" cy="743573"/>
+          </a:xfrm>
+          <a:prstGeom prst="rect">
+            <a:avLst/>
+          </a:prstGeom>
+        </p:spPr>
+        <p:style>
+          <a:lnRef idx="1">
+            <a:schemeClr val="accent2"/>
+          </a:lnRef>
+          <a:fillRef idx="2">
+            <a:schemeClr val="accent2"/>
+          </a:fillRef>
+          <a:effectRef idx="1">
+            <a:schemeClr val="accent2"/>
+          </a:effectRef>
+          <a:fontRef idx="minor">
+            <a:schemeClr val="dk1"/>
+          </a:fontRef>
+        </p:style>
+        <p:txBody>
+          <a:bodyPr rtlCol="0" anchor="ctr"/>
+          <a:lstStyle/>
+          <a:p>
+            <a:pPr algn="ctr"/>
+            <a:r>
+              <a:rPr lang="en-US" sz="1600" dirty="0"/>
+              <a:t>Configuration</a:t>
+            </a:r>
+            <a:endParaRPr lang="en-NL" sz="1600" dirty="0"/>
+          </a:p>
+        </p:txBody>
+      </p:sp>
+      <p:sp>
+        <p:nvSpPr>
+          <p:cNvPr id="16" name="Rectangle 15">
+            <a:extLst>
+              <a:ext uri="{FF2B5EF4-FFF2-40B4-BE49-F238E27FC236}">
+                <a16:creationId xmlns:a16="http://schemas.microsoft.com/office/drawing/2014/main" id="{C5F37102-A663-4CD6-8080-83262F4E03DE}"/>
+              </a:ext>
+            </a:extLst>
+          </p:cNvPr>
+          <p:cNvSpPr/>
+          <p:nvPr/>
+        </p:nvSpPr>
+        <p:spPr>
+          <a:xfrm>
+            <a:off x="3886496" y="2863740"/>
+            <a:ext cx="1413283" cy="743573"/>
+          </a:xfrm>
+          <a:prstGeom prst="rect">
+            <a:avLst/>
+          </a:prstGeom>
+        </p:spPr>
+        <p:style>
+          <a:lnRef idx="1">
+            <a:schemeClr val="accent5"/>
+          </a:lnRef>
+          <a:fillRef idx="2">
+            <a:schemeClr val="accent5"/>
+          </a:fillRef>
+          <a:effectRef idx="1">
+            <a:schemeClr val="accent5"/>
+          </a:effectRef>
+          <a:fontRef idx="minor">
+            <a:schemeClr val="dk1"/>
+          </a:fontRef>
+        </p:style>
+        <p:txBody>
+          <a:bodyPr rtlCol="0" anchor="ctr"/>
+          <a:lstStyle/>
+          <a:p>
+            <a:pPr algn="ctr"/>
+            <a:r>
+              <a:rPr lang="en-US" sz="1600" dirty="0"/>
+              <a:t>Pipeline</a:t>
+            </a:r>
+            <a:endParaRPr lang="en-NL" sz="1600" dirty="0"/>
+          </a:p>
+        </p:txBody>
+      </p:sp>
+      <p:sp>
+        <p:nvSpPr>
+          <p:cNvPr id="19" name="Rectangle 18">
+            <a:extLst>
+              <a:ext uri="{FF2B5EF4-FFF2-40B4-BE49-F238E27FC236}">
+                <a16:creationId xmlns:a16="http://schemas.microsoft.com/office/drawing/2014/main" id="{A011FD24-3380-468B-B5F1-2B79A81FDAE9}"/>
+              </a:ext>
+            </a:extLst>
+          </p:cNvPr>
+          <p:cNvSpPr/>
+          <p:nvPr/>
+        </p:nvSpPr>
+        <p:spPr>
+          <a:xfrm>
+            <a:off x="1689891" y="3607313"/>
+            <a:ext cx="1413283" cy="743573"/>
+          </a:xfrm>
+          <a:prstGeom prst="rect">
+            <a:avLst/>
+          </a:prstGeom>
+        </p:spPr>
+        <p:style>
+          <a:lnRef idx="1">
+            <a:schemeClr val="accent6"/>
+          </a:lnRef>
+          <a:fillRef idx="2">
+            <a:schemeClr val="accent6"/>
+          </a:fillRef>
+          <a:effectRef idx="1">
+            <a:schemeClr val="accent6"/>
+          </a:effectRef>
+          <a:fontRef idx="minor">
+            <a:schemeClr val="dk1"/>
+          </a:fontRef>
+        </p:style>
+        <p:txBody>
+          <a:bodyPr rtlCol="0" anchor="ctr"/>
+          <a:lstStyle/>
+          <a:p>
+            <a:pPr algn="ctr"/>
+            <a:r>
+              <a:rPr lang="en-US" sz="1600" dirty="0" err="1"/>
+              <a:t>SQLReader</a:t>
+            </a:r>
+            <a:endParaRPr lang="en-NL" sz="1600" dirty="0"/>
+          </a:p>
+        </p:txBody>
+      </p:sp>
+      <p:sp>
+        <p:nvSpPr>
+          <p:cNvPr id="20" name="Rectangle 19">
+            <a:extLst>
+              <a:ext uri="{FF2B5EF4-FFF2-40B4-BE49-F238E27FC236}">
+                <a16:creationId xmlns:a16="http://schemas.microsoft.com/office/drawing/2014/main" id="{181053CD-E556-47E9-A200-5AC876454E48}"/>
+              </a:ext>
+            </a:extLst>
+          </p:cNvPr>
+          <p:cNvSpPr/>
+          <p:nvPr/>
+        </p:nvSpPr>
+        <p:spPr>
+          <a:xfrm>
+            <a:off x="8279706" y="2120166"/>
+            <a:ext cx="1413283" cy="743573"/>
+          </a:xfrm>
+          <a:prstGeom prst="rect">
+            <a:avLst/>
+          </a:prstGeom>
+        </p:spPr>
+        <p:style>
+          <a:lnRef idx="1">
+            <a:schemeClr val="accent6"/>
+          </a:lnRef>
+          <a:fillRef idx="2">
+            <a:schemeClr val="accent6"/>
+          </a:fillRef>
+          <a:effectRef idx="1">
+            <a:schemeClr val="accent6"/>
+          </a:effectRef>
+          <a:fontRef idx="minor">
+            <a:schemeClr val="dk1"/>
+          </a:fontRef>
+        </p:style>
+        <p:txBody>
+          <a:bodyPr rtlCol="0" anchor="ctr"/>
+          <a:lstStyle/>
+          <a:p>
+            <a:pPr algn="ctr"/>
+            <a:r>
+              <a:rPr lang="en-US" sz="1600" dirty="0" err="1"/>
+              <a:t>FileWriter</a:t>
+            </a:r>
+            <a:endParaRPr lang="en-NL" sz="1600" dirty="0"/>
+          </a:p>
+        </p:txBody>
+      </p:sp>
+      <p:sp>
+        <p:nvSpPr>
+          <p:cNvPr id="21" name="Rectangle 20">
+            <a:extLst>
+              <a:ext uri="{FF2B5EF4-FFF2-40B4-BE49-F238E27FC236}">
+                <a16:creationId xmlns:a16="http://schemas.microsoft.com/office/drawing/2014/main" id="{D9DB0A7B-CE69-438C-8207-4CEC426F158F}"/>
+              </a:ext>
+            </a:extLst>
+          </p:cNvPr>
+          <p:cNvSpPr/>
+          <p:nvPr/>
+        </p:nvSpPr>
+        <p:spPr>
+          <a:xfrm>
+            <a:off x="8279705" y="3607313"/>
+            <a:ext cx="1413283" cy="743573"/>
+          </a:xfrm>
+          <a:prstGeom prst="rect">
+            <a:avLst/>
+          </a:prstGeom>
+        </p:spPr>
+        <p:style>
+          <a:lnRef idx="1">
+            <a:schemeClr val="accent6"/>
+          </a:lnRef>
+          <a:fillRef idx="2">
+            <a:schemeClr val="accent6"/>
+          </a:fillRef>
+          <a:effectRef idx="1">
+            <a:schemeClr val="accent6"/>
+          </a:effectRef>
+          <a:fontRef idx="minor">
+            <a:schemeClr val="dk1"/>
+          </a:fontRef>
+        </p:style>
+        <p:txBody>
+          <a:bodyPr rtlCol="0" anchor="ctr"/>
+          <a:lstStyle/>
+          <a:p>
+            <a:pPr algn="ctr"/>
+            <a:r>
+              <a:rPr lang="en-US" sz="1600" dirty="0" err="1"/>
+              <a:t>SQLWriter</a:t>
+            </a:r>
+            <a:endParaRPr lang="en-NL" sz="1600" dirty="0"/>
+          </a:p>
+        </p:txBody>
+      </p:sp>
+      <p:cxnSp>
+        <p:nvCxnSpPr>
+          <p:cNvPr id="23" name="Connector: Elbow 22">
+            <a:extLst>
+              <a:ext uri="{FF2B5EF4-FFF2-40B4-BE49-F238E27FC236}">
+                <a16:creationId xmlns:a16="http://schemas.microsoft.com/office/drawing/2014/main" id="{AC430099-2371-41FF-A457-CB5011AA2DA7}"/>
+              </a:ext>
+            </a:extLst>
+          </p:cNvPr>
+          <p:cNvCxnSpPr>
+            <a:stCxn id="12" idx="3"/>
+            <a:endCxn id="16" idx="1"/>
+          </p:cNvCxnSpPr>
+          <p:nvPr/>
+        </p:nvCxnSpPr>
+        <p:spPr>
+          <a:xfrm>
+            <a:off x="3103174" y="2491954"/>
+            <a:ext cx="783322" cy="743573"/>
+          </a:xfrm>
+          <a:prstGeom prst="bentConnector3">
+            <a:avLst/>
+          </a:prstGeom>
+          <a:ln w="19050">
+            <a:tailEnd type="triangle"/>
+          </a:ln>
+        </p:spPr>
+        <p:style>
+          <a:lnRef idx="1">
+            <a:schemeClr val="dk1"/>
+          </a:lnRef>
+          <a:fillRef idx="0">
+            <a:schemeClr val="dk1"/>
+          </a:fillRef>
+          <a:effectRef idx="0">
+            <a:schemeClr val="dk1"/>
+          </a:effectRef>
+          <a:fontRef idx="minor">
+            <a:schemeClr val="tx1"/>
+          </a:fontRef>
+        </p:style>
+      </p:cxnSp>
+      <p:cxnSp>
+        <p:nvCxnSpPr>
+          <p:cNvPr id="25" name="Connector: Elbow 24">
+            <a:extLst>
+              <a:ext uri="{FF2B5EF4-FFF2-40B4-BE49-F238E27FC236}">
+                <a16:creationId xmlns:a16="http://schemas.microsoft.com/office/drawing/2014/main" id="{8D33CE6F-9A52-44CC-A41F-AEFFE1C74131}"/>
+              </a:ext>
+            </a:extLst>
+          </p:cNvPr>
+          <p:cNvCxnSpPr>
+            <a:stCxn id="19" idx="3"/>
+            <a:endCxn id="16" idx="1"/>
+          </p:cNvCxnSpPr>
+          <p:nvPr/>
+        </p:nvCxnSpPr>
+        <p:spPr>
+          <a:xfrm flipV="1">
+            <a:off x="3103174" y="3235527"/>
+            <a:ext cx="783322" cy="743573"/>
+          </a:xfrm>
+          <a:prstGeom prst="bentConnector3">
+            <a:avLst/>
+          </a:prstGeom>
+          <a:ln w="19050">
+            <a:tailEnd type="triangle"/>
+          </a:ln>
+        </p:spPr>
+        <p:style>
+          <a:lnRef idx="1">
+            <a:schemeClr val="dk1"/>
+          </a:lnRef>
+          <a:fillRef idx="0">
+            <a:schemeClr val="dk1"/>
+          </a:fillRef>
+          <a:effectRef idx="0">
+            <a:schemeClr val="dk1"/>
+          </a:effectRef>
+          <a:fontRef idx="minor">
+            <a:schemeClr val="tx1"/>
+          </a:fontRef>
+        </p:style>
+      </p:cxnSp>
+      <p:cxnSp>
+        <p:nvCxnSpPr>
+          <p:cNvPr id="31" name="Straight Arrow Connector 30">
+            <a:extLst>
+              <a:ext uri="{FF2B5EF4-FFF2-40B4-BE49-F238E27FC236}">
+                <a16:creationId xmlns:a16="http://schemas.microsoft.com/office/drawing/2014/main" id="{45FE31B0-C6F1-4822-AB10-D18FA2425136}"/>
+              </a:ext>
+            </a:extLst>
+          </p:cNvPr>
+          <p:cNvCxnSpPr>
+            <a:stCxn id="16" idx="3"/>
+            <a:endCxn id="6" idx="1"/>
+          </p:cNvCxnSpPr>
+          <p:nvPr/>
+        </p:nvCxnSpPr>
+        <p:spPr>
+          <a:xfrm>
+            <a:off x="5299779" y="3235527"/>
+            <a:ext cx="783322" cy="0"/>
+          </a:xfrm>
+          <a:prstGeom prst="straightConnector1">
+            <a:avLst/>
+          </a:prstGeom>
+          <a:ln w="19050">
+            <a:tailEnd type="triangle"/>
+          </a:ln>
+        </p:spPr>
+        <p:style>
+          <a:lnRef idx="1">
+            <a:schemeClr val="dk1"/>
+          </a:lnRef>
+          <a:fillRef idx="0">
+            <a:schemeClr val="dk1"/>
+          </a:fillRef>
+          <a:effectRef idx="0">
+            <a:schemeClr val="dk1"/>
+          </a:effectRef>
+          <a:fontRef idx="minor">
+            <a:schemeClr val="tx1"/>
+          </a:fontRef>
+        </p:style>
+      </p:cxnSp>
+      <p:cxnSp>
+        <p:nvCxnSpPr>
+          <p:cNvPr id="33" name="Connector: Elbow 32">
+            <a:extLst>
+              <a:ext uri="{FF2B5EF4-FFF2-40B4-BE49-F238E27FC236}">
+                <a16:creationId xmlns:a16="http://schemas.microsoft.com/office/drawing/2014/main" id="{36C17FA2-CA8F-4FD2-8821-2F8DD24A250C}"/>
+              </a:ext>
+            </a:extLst>
+          </p:cNvPr>
+          <p:cNvCxnSpPr>
+            <a:stCxn id="6" idx="3"/>
+            <a:endCxn id="20" idx="1"/>
+          </p:cNvCxnSpPr>
+          <p:nvPr/>
+        </p:nvCxnSpPr>
+        <p:spPr>
+          <a:xfrm flipV="1">
+            <a:off x="7496384" y="2491953"/>
+            <a:ext cx="783322" cy="743574"/>
+          </a:xfrm>
+          <a:prstGeom prst="bentConnector3">
+            <a:avLst/>
+          </a:prstGeom>
+          <a:ln w="19050">
+            <a:tailEnd type="triangle"/>
+          </a:ln>
+        </p:spPr>
+        <p:style>
+          <a:lnRef idx="1">
+            <a:schemeClr val="dk1"/>
+          </a:lnRef>
+          <a:fillRef idx="0">
+            <a:schemeClr val="dk1"/>
+          </a:fillRef>
+          <a:effectRef idx="0">
+            <a:schemeClr val="dk1"/>
+          </a:effectRef>
+          <a:fontRef idx="minor">
+            <a:schemeClr val="tx1"/>
+          </a:fontRef>
+        </p:style>
+      </p:cxnSp>
+      <p:cxnSp>
+        <p:nvCxnSpPr>
+          <p:cNvPr id="35" name="Connector: Elbow 34">
+            <a:extLst>
+              <a:ext uri="{FF2B5EF4-FFF2-40B4-BE49-F238E27FC236}">
+                <a16:creationId xmlns:a16="http://schemas.microsoft.com/office/drawing/2014/main" id="{B86CCFAF-07AE-4F30-8CA5-268D61E690CA}"/>
+              </a:ext>
+            </a:extLst>
+          </p:cNvPr>
+          <p:cNvCxnSpPr>
+            <a:stCxn id="6" idx="3"/>
+            <a:endCxn id="21" idx="1"/>
+          </p:cNvCxnSpPr>
+          <p:nvPr/>
+        </p:nvCxnSpPr>
+        <p:spPr>
+          <a:xfrm>
+            <a:off x="7496384" y="3235527"/>
+            <a:ext cx="783321" cy="743573"/>
+          </a:xfrm>
+          <a:prstGeom prst="bentConnector3">
+            <a:avLst/>
+          </a:prstGeom>
+          <a:ln w="19050">
+            <a:tailEnd type="triangle"/>
+          </a:ln>
+        </p:spPr>
+        <p:style>
+          <a:lnRef idx="1">
+            <a:schemeClr val="dk1"/>
+          </a:lnRef>
+          <a:fillRef idx="0">
+            <a:schemeClr val="dk1"/>
+          </a:fillRef>
+          <a:effectRef idx="0">
+            <a:schemeClr val="dk1"/>
+          </a:effectRef>
+          <a:fontRef idx="minor">
+            <a:schemeClr val="tx1"/>
+          </a:fontRef>
+        </p:style>
+      </p:cxnSp>
+      <p:cxnSp>
+        <p:nvCxnSpPr>
+          <p:cNvPr id="4" name="Straight Arrow Connector 3">
+            <a:extLst>
+              <a:ext uri="{FF2B5EF4-FFF2-40B4-BE49-F238E27FC236}">
+                <a16:creationId xmlns:a16="http://schemas.microsoft.com/office/drawing/2014/main" id="{3F4DE82D-3710-4A2D-AE4D-37EDD3141562}"/>
+              </a:ext>
+            </a:extLst>
+          </p:cNvPr>
+          <p:cNvCxnSpPr>
+            <a:stCxn id="14" idx="0"/>
+            <a:endCxn id="6" idx="2"/>
+          </p:cNvCxnSpPr>
+          <p:nvPr/>
+        </p:nvCxnSpPr>
+        <p:spPr>
+          <a:xfrm flipV="1">
+            <a:off x="6789743" y="3607314"/>
+            <a:ext cx="0" cy="1341823"/>
+          </a:xfrm>
+          <a:prstGeom prst="straightConnector1">
+            <a:avLst/>
+          </a:prstGeom>
+          <a:ln w="19050">
+            <a:tailEnd type="triangle"/>
+          </a:ln>
+        </p:spPr>
+        <p:style>
+          <a:lnRef idx="2">
+            <a:schemeClr val="dk1"/>
+          </a:lnRef>
+          <a:fillRef idx="0">
+            <a:schemeClr val="dk1"/>
+          </a:fillRef>
+          <a:effectRef idx="1">
+            <a:schemeClr val="dk1"/>
+          </a:effectRef>
+          <a:fontRef idx="minor">
+            <a:schemeClr val="tx1"/>
+          </a:fontRef>
+        </p:style>
+      </p:cxnSp>
+    </p:spTree>
+    <p:extLst>
+      <p:ext uri="{BB962C8B-B14F-4D97-AF65-F5344CB8AC3E}">
+        <p14:creationId xmlns:p14="http://schemas.microsoft.com/office/powerpoint/2010/main" val="2330040890"/>
+      </p:ext>
+    </p:extLst>
+  </p:cSld>
+  <p:clrMapOvr>
+    <a:masterClrMapping/>
+  </p:clrMapOvr>
+</p:sld>
+</file>
+
+<file path=ppt/slides/slide12.xml><?xml version="1.0" encoding="utf-8"?>
+<p:sld xmlns:a="http://schemas.openxmlformats.org/drawingml/2006/main" xmlns:r="http://schemas.openxmlformats.org/officeDocument/2006/relationships" xmlns:p="http://schemas.openxmlformats.org/presentationml/2006/main">
+  <p:cSld>
+    <p:spTree>
+      <p:nvGrpSpPr>
+        <p:cNvPr id="1" name=""/>
+        <p:cNvGrpSpPr/>
+        <p:nvPr/>
+      </p:nvGrpSpPr>
+      <p:grpSpPr>
+        <a:xfrm>
+          <a:off x="0" y="0"/>
+          <a:ext cx="0" cy="0"/>
+          <a:chOff x="0" y="0"/>
+          <a:chExt cx="0" cy="0"/>
+        </a:xfrm>
+      </p:grpSpPr>
+      <p:sp>
+        <p:nvSpPr>
+          <p:cNvPr id="2" name="Title 1">
+            <a:extLst>
+              <a:ext uri="{FF2B5EF4-FFF2-40B4-BE49-F238E27FC236}">
+                <a16:creationId xmlns:a16="http://schemas.microsoft.com/office/drawing/2014/main" id="{D07690AC-E9C0-44D9-8EB9-6E70B6FBA573}"/>
+              </a:ext>
+            </a:extLst>
+          </p:cNvPr>
+          <p:cNvSpPr>
+            <a:spLocks noGrp="1"/>
+          </p:cNvSpPr>
+          <p:nvPr>
+            <p:ph type="title"/>
+          </p:nvPr>
+        </p:nvSpPr>
+        <p:spPr/>
+        <p:txBody>
+          <a:bodyPr>
+            <a:normAutofit/>
+          </a:bodyPr>
+          <a:lstStyle/>
+          <a:p>
+            <a:r>
+              <a:rPr lang="nl-NL" sz="3600" dirty="0"/>
+              <a:t>Objecten structuur</a:t>
+            </a:r>
+          </a:p>
+        </p:txBody>
+      </p:sp>
+      <p:sp>
+        <p:nvSpPr>
+          <p:cNvPr id="6" name="Rectangle 5">
+            <a:extLst>
+              <a:ext uri="{FF2B5EF4-FFF2-40B4-BE49-F238E27FC236}">
+                <a16:creationId xmlns:a16="http://schemas.microsoft.com/office/drawing/2014/main" id="{52F82DB0-A067-4E5E-BD2C-54BFFC9D8C11}"/>
+              </a:ext>
+            </a:extLst>
+          </p:cNvPr>
+          <p:cNvSpPr/>
+          <p:nvPr/>
+        </p:nvSpPr>
+        <p:spPr>
+          <a:xfrm>
+            <a:off x="6562531" y="2845518"/>
+            <a:ext cx="1413283" cy="743574"/>
+          </a:xfrm>
+          <a:prstGeom prst="rect">
+            <a:avLst/>
+          </a:prstGeom>
+        </p:spPr>
+        <p:style>
+          <a:lnRef idx="1">
+            <a:schemeClr val="accent5"/>
+          </a:lnRef>
+          <a:fillRef idx="2">
+            <a:schemeClr val="accent5"/>
+          </a:fillRef>
+          <a:effectRef idx="1">
+            <a:schemeClr val="accent5"/>
+          </a:effectRef>
+          <a:fontRef idx="minor">
+            <a:schemeClr val="dk1"/>
+          </a:fontRef>
+        </p:style>
+        <p:txBody>
+          <a:bodyPr rtlCol="0" anchor="ctr"/>
+          <a:lstStyle/>
+          <a:p>
+            <a:pPr algn="ctr"/>
+            <a:r>
+              <a:rPr lang="en-US" sz="1600" dirty="0"/>
+              <a:t>Model</a:t>
+            </a:r>
+            <a:endParaRPr lang="en-NL" sz="1600" dirty="0"/>
+          </a:p>
+        </p:txBody>
+      </p:sp>
+      <p:sp>
+        <p:nvSpPr>
+          <p:cNvPr id="14" name="Rectangle 13">
+            <a:extLst>
+              <a:ext uri="{FF2B5EF4-FFF2-40B4-BE49-F238E27FC236}">
+                <a16:creationId xmlns:a16="http://schemas.microsoft.com/office/drawing/2014/main" id="{A3A93348-ACC9-4F1A-9873-6AA619AECCDA}"/>
+              </a:ext>
+            </a:extLst>
+          </p:cNvPr>
+          <p:cNvSpPr/>
+          <p:nvPr/>
+        </p:nvSpPr>
+        <p:spPr>
+          <a:xfrm>
+            <a:off x="8830627" y="2845516"/>
+            <a:ext cx="1413283" cy="743573"/>
+          </a:xfrm>
+          <a:prstGeom prst="rect">
+            <a:avLst/>
+          </a:prstGeom>
+        </p:spPr>
+        <p:style>
+          <a:lnRef idx="1">
+            <a:schemeClr val="accent2"/>
+          </a:lnRef>
+          <a:fillRef idx="2">
+            <a:schemeClr val="accent2"/>
+          </a:fillRef>
+          <a:effectRef idx="1">
+            <a:schemeClr val="accent2"/>
+          </a:effectRef>
+          <a:fontRef idx="minor">
+            <a:schemeClr val="dk1"/>
+          </a:fontRef>
+        </p:style>
+        <p:txBody>
+          <a:bodyPr rtlCol="0" anchor="ctr"/>
+          <a:lstStyle/>
+          <a:p>
+            <a:pPr algn="ctr"/>
+            <a:r>
+              <a:rPr lang="en-US" sz="1600" dirty="0"/>
+              <a:t>Configuration</a:t>
+            </a:r>
+            <a:endParaRPr lang="en-NL" sz="1600" dirty="0"/>
+          </a:p>
+        </p:txBody>
+      </p:sp>
+      <p:sp>
+        <p:nvSpPr>
+          <p:cNvPr id="16" name="Rectangle 15">
+            <a:extLst>
+              <a:ext uri="{FF2B5EF4-FFF2-40B4-BE49-F238E27FC236}">
+                <a16:creationId xmlns:a16="http://schemas.microsoft.com/office/drawing/2014/main" id="{C5F37102-A663-4CD6-8080-83262F4E03DE}"/>
+              </a:ext>
+            </a:extLst>
+          </p:cNvPr>
+          <p:cNvSpPr/>
+          <p:nvPr/>
+        </p:nvSpPr>
+        <p:spPr>
+          <a:xfrm>
+            <a:off x="4525181" y="4154323"/>
+            <a:ext cx="1413283" cy="743573"/>
+          </a:xfrm>
+          <a:prstGeom prst="rect">
+            <a:avLst/>
+          </a:prstGeom>
+        </p:spPr>
+        <p:style>
+          <a:lnRef idx="1">
+            <a:schemeClr val="accent5"/>
+          </a:lnRef>
+          <a:fillRef idx="2">
+            <a:schemeClr val="accent5"/>
+          </a:fillRef>
+          <a:effectRef idx="1">
+            <a:schemeClr val="accent5"/>
+          </a:effectRef>
+          <a:fontRef idx="minor">
+            <a:schemeClr val="dk1"/>
+          </a:fontRef>
+        </p:style>
+        <p:txBody>
+          <a:bodyPr rtlCol="0" anchor="ctr"/>
+          <a:lstStyle/>
+          <a:p>
+            <a:pPr algn="ctr"/>
+            <a:r>
+              <a:rPr lang="en-US" sz="1600" dirty="0"/>
+              <a:t>Pipeline</a:t>
+            </a:r>
+            <a:endParaRPr lang="en-NL" sz="1600" dirty="0"/>
+          </a:p>
+        </p:txBody>
+      </p:sp>
+      <p:sp>
+        <p:nvSpPr>
+          <p:cNvPr id="19" name="Rectangle 18">
+            <a:extLst>
+              <a:ext uri="{FF2B5EF4-FFF2-40B4-BE49-F238E27FC236}">
+                <a16:creationId xmlns:a16="http://schemas.microsoft.com/office/drawing/2014/main" id="{A011FD24-3380-468B-B5F1-2B79A81FDAE9}"/>
+              </a:ext>
+            </a:extLst>
+          </p:cNvPr>
+          <p:cNvSpPr/>
+          <p:nvPr/>
+        </p:nvSpPr>
+        <p:spPr>
+          <a:xfrm>
+            <a:off x="2248597" y="2845515"/>
+            <a:ext cx="1413283" cy="743573"/>
+          </a:xfrm>
+          <a:prstGeom prst="rect">
+            <a:avLst/>
+          </a:prstGeom>
+        </p:spPr>
+        <p:style>
+          <a:lnRef idx="1">
+            <a:schemeClr val="accent6"/>
+          </a:lnRef>
+          <a:fillRef idx="2">
+            <a:schemeClr val="accent6"/>
+          </a:fillRef>
+          <a:effectRef idx="1">
+            <a:schemeClr val="accent6"/>
+          </a:effectRef>
+          <a:fontRef idx="minor">
+            <a:schemeClr val="dk1"/>
+          </a:fontRef>
+        </p:style>
+        <p:txBody>
+          <a:bodyPr rtlCol="0" anchor="ctr"/>
+          <a:lstStyle/>
+          <a:p>
+            <a:pPr algn="ctr"/>
+            <a:r>
+              <a:rPr lang="en-US" sz="1600" dirty="0" err="1"/>
+              <a:t>DataBase</a:t>
+            </a:r>
+            <a:endParaRPr lang="en-NL" sz="1600" dirty="0"/>
+          </a:p>
+        </p:txBody>
+      </p:sp>
+      <p:cxnSp>
+        <p:nvCxnSpPr>
+          <p:cNvPr id="26" name="Straight Arrow Connector 25">
+            <a:extLst>
+              <a:ext uri="{FF2B5EF4-FFF2-40B4-BE49-F238E27FC236}">
+                <a16:creationId xmlns:a16="http://schemas.microsoft.com/office/drawing/2014/main" id="{B563A965-AFDE-4EEE-9801-B034703BF130}"/>
+              </a:ext>
+            </a:extLst>
+          </p:cNvPr>
+          <p:cNvCxnSpPr>
+            <a:stCxn id="6" idx="1"/>
+            <a:endCxn id="19" idx="3"/>
+          </p:cNvCxnSpPr>
+          <p:nvPr/>
+        </p:nvCxnSpPr>
+        <p:spPr>
+          <a:xfrm flipH="1" flipV="1">
+            <a:off x="3661880" y="3217302"/>
+            <a:ext cx="2900651" cy="3"/>
+          </a:xfrm>
+          <a:prstGeom prst="straightConnector1">
+            <a:avLst/>
+          </a:prstGeom>
+          <a:ln w="19050">
+            <a:tailEnd type="triangle"/>
+          </a:ln>
+        </p:spPr>
+        <p:style>
+          <a:lnRef idx="2">
+            <a:schemeClr val="dk1"/>
+          </a:lnRef>
+          <a:fillRef idx="0">
+            <a:schemeClr val="dk1"/>
+          </a:fillRef>
+          <a:effectRef idx="1">
+            <a:schemeClr val="dk1"/>
+          </a:effectRef>
+          <a:fontRef idx="minor">
+            <a:schemeClr val="tx1"/>
+          </a:fontRef>
+        </p:style>
+      </p:cxnSp>
+      <p:cxnSp>
+        <p:nvCxnSpPr>
+          <p:cNvPr id="32" name="Connector: Elbow 31">
+            <a:extLst>
+              <a:ext uri="{FF2B5EF4-FFF2-40B4-BE49-F238E27FC236}">
+                <a16:creationId xmlns:a16="http://schemas.microsoft.com/office/drawing/2014/main" id="{444A4BC0-A34A-40B8-AFC2-D2AB5F719AA8}"/>
+              </a:ext>
+            </a:extLst>
+          </p:cNvPr>
+          <p:cNvCxnSpPr>
+            <a:stCxn id="19" idx="2"/>
+            <a:endCxn id="16" idx="1"/>
+          </p:cNvCxnSpPr>
+          <p:nvPr/>
+        </p:nvCxnSpPr>
+        <p:spPr>
+          <a:xfrm rot="16200000" flipH="1">
+            <a:off x="3271699" y="3272628"/>
+            <a:ext cx="937022" cy="1569942"/>
+          </a:xfrm>
+          <a:prstGeom prst="bentConnector2">
+            <a:avLst/>
+          </a:prstGeom>
+          <a:ln w="19050">
+            <a:tailEnd type="triangle"/>
+          </a:ln>
+        </p:spPr>
+        <p:style>
+          <a:lnRef idx="2">
+            <a:schemeClr val="dk1"/>
+          </a:lnRef>
+          <a:fillRef idx="0">
+            <a:schemeClr val="dk1"/>
+          </a:fillRef>
+          <a:effectRef idx="1">
+            <a:schemeClr val="dk1"/>
+          </a:effectRef>
+          <a:fontRef idx="minor">
+            <a:schemeClr val="tx1"/>
+          </a:fontRef>
+        </p:style>
+      </p:cxnSp>
+      <p:cxnSp>
+        <p:nvCxnSpPr>
+          <p:cNvPr id="36" name="Connector: Elbow 35">
+            <a:extLst>
+              <a:ext uri="{FF2B5EF4-FFF2-40B4-BE49-F238E27FC236}">
+                <a16:creationId xmlns:a16="http://schemas.microsoft.com/office/drawing/2014/main" id="{67F24C0B-EC36-478A-AB20-28EC41692013}"/>
+              </a:ext>
+            </a:extLst>
+          </p:cNvPr>
+          <p:cNvCxnSpPr>
+            <a:stCxn id="16" idx="3"/>
+            <a:endCxn id="6" idx="2"/>
+          </p:cNvCxnSpPr>
+          <p:nvPr/>
+        </p:nvCxnSpPr>
+        <p:spPr>
+          <a:xfrm flipV="1">
+            <a:off x="5938464" y="3589092"/>
+            <a:ext cx="1330709" cy="937018"/>
+          </a:xfrm>
+          <a:prstGeom prst="bentConnector2">
+            <a:avLst/>
+          </a:prstGeom>
+          <a:ln w="19050">
+            <a:tailEnd type="triangle"/>
+          </a:ln>
+        </p:spPr>
+        <p:style>
+          <a:lnRef idx="2">
+            <a:schemeClr val="dk1"/>
+          </a:lnRef>
+          <a:fillRef idx="0">
+            <a:schemeClr val="dk1"/>
+          </a:fillRef>
+          <a:effectRef idx="1">
+            <a:schemeClr val="dk1"/>
+          </a:effectRef>
+          <a:fontRef idx="minor">
+            <a:schemeClr val="tx1"/>
+          </a:fontRef>
+        </p:style>
+      </p:cxnSp>
+      <p:cxnSp>
+        <p:nvCxnSpPr>
+          <p:cNvPr id="38" name="Straight Arrow Connector 37">
+            <a:extLst>
+              <a:ext uri="{FF2B5EF4-FFF2-40B4-BE49-F238E27FC236}">
+                <a16:creationId xmlns:a16="http://schemas.microsoft.com/office/drawing/2014/main" id="{C84340FC-EC08-47B3-BE4D-729DF1533114}"/>
+              </a:ext>
+            </a:extLst>
+          </p:cNvPr>
+          <p:cNvCxnSpPr>
+            <a:stCxn id="14" idx="1"/>
+            <a:endCxn id="6" idx="3"/>
+          </p:cNvCxnSpPr>
+          <p:nvPr/>
+        </p:nvCxnSpPr>
+        <p:spPr>
+          <a:xfrm flipH="1">
+            <a:off x="7975814" y="3217303"/>
+            <a:ext cx="854813" cy="2"/>
+          </a:xfrm>
+          <a:prstGeom prst="straightConnector1">
+            <a:avLst/>
+          </a:prstGeom>
+          <a:ln w="19050">
+            <a:tailEnd type="triangle"/>
+          </a:ln>
+        </p:spPr>
+        <p:style>
+          <a:lnRef idx="2">
+            <a:schemeClr val="dk1"/>
+          </a:lnRef>
+          <a:fillRef idx="0">
+            <a:schemeClr val="dk1"/>
+          </a:fillRef>
+          <a:effectRef idx="1">
+            <a:schemeClr val="dk1"/>
+          </a:effectRef>
+          <a:fontRef idx="minor">
+            <a:schemeClr val="tx1"/>
+          </a:fontRef>
+        </p:style>
+      </p:cxnSp>
+    </p:spTree>
+    <p:extLst>
+      <p:ext uri="{BB962C8B-B14F-4D97-AF65-F5344CB8AC3E}">
+        <p14:creationId xmlns:p14="http://schemas.microsoft.com/office/powerpoint/2010/main" val="568948188"/>
       </p:ext>
     </p:extLst>
   </p:cSld>
@@ -3471,8 +4634,8 @@
           <a:lstStyle/>
           <a:p>
             <a:r>
-              <a:rPr lang="en-US" dirty="0"/>
-              <a:t>Topics</a:t>
+              <a:rPr lang="en-US" dirty="0" err="1"/>
+              <a:t>Onderwerpen</a:t>
             </a:r>
             <a:endParaRPr lang="en-NL" dirty="0"/>
           </a:p>
@@ -3683,10 +4846,14 @@
           <a:lstStyle/>
           <a:p>
             <a:r>
-              <a:rPr lang="en-US" dirty="0"/>
-              <a:t>Behavior vs State</a:t>
-            </a:r>
-            <a:endParaRPr lang="en-NL" dirty="0"/>
+              <a:rPr lang="nl-NL" dirty="0"/>
+              <a:t>State versus </a:t>
+            </a:r>
+            <a:r>
+              <a:rPr lang="nl-NL" dirty="0" err="1"/>
+              <a:t>behavior</a:t>
+            </a:r>
+            <a:endParaRPr lang="nl-NL" dirty="0"/>
           </a:p>
         </p:txBody>
       </p:sp>
@@ -3708,7 +4875,7 @@
         </p:nvSpPr>
         <p:spPr>
           <a:xfrm>
-            <a:off x="6823048" y="1695189"/>
+            <a:off x="877503" y="1674419"/>
             <a:ext cx="4530754" cy="4818456"/>
           </a:xfrm>
         </p:spPr>
@@ -3725,7 +4892,7 @@
               <a:buNone/>
             </a:pPr>
             <a:r>
-              <a:rPr lang="en-US" sz="2000" b="1" dirty="0"/>
+              <a:rPr lang="nl-NL" sz="2000" b="1" dirty="0"/>
               <a:t>State</a:t>
             </a:r>
           </a:p>
@@ -3736,7 +4903,7 @@
               </a:spcBef>
               <a:buNone/>
             </a:pPr>
-            <a:endParaRPr lang="en-US" sz="2000" dirty="0"/>
+            <a:endParaRPr lang="nl-NL" sz="2000" dirty="0"/>
           </a:p>
           <a:p>
             <a:pPr marL="0" indent="0">
@@ -3745,7 +4912,10 @@
               </a:spcBef>
               <a:buNone/>
             </a:pPr>
-            <a:endParaRPr lang="en-US" sz="2000" dirty="0"/>
+            <a:r>
+              <a:rPr lang="nl-NL" sz="2000" dirty="0"/>
+              <a:t>Opslaan van status / conditie / setting:</a:t>
+            </a:r>
           </a:p>
           <a:p>
             <a:pPr marL="0" indent="0">
@@ -3754,10 +4924,7 @@
               </a:spcBef>
               <a:buNone/>
             </a:pPr>
-            <a:r>
-              <a:rPr lang="en-US" sz="2000" dirty="0"/>
-              <a:t>Stores value(s) / data:</a:t>
-            </a:r>
+            <a:endParaRPr lang="nl-NL" sz="2000" dirty="0"/>
           </a:p>
           <a:p>
             <a:pPr>
@@ -3768,8 +4935,8 @@
               <a:buChar char="-"/>
             </a:pPr>
             <a:r>
-              <a:rPr lang="en-US" sz="2000" dirty="0"/>
-              <a:t>Variables</a:t>
+              <a:rPr lang="nl-NL" sz="2000" dirty="0"/>
+              <a:t>Constanten</a:t>
             </a:r>
           </a:p>
           <a:p>
@@ -3781,8 +4948,21 @@
               <a:buChar char="-"/>
             </a:pPr>
             <a:r>
-              <a:rPr lang="en-US" sz="2000" dirty="0"/>
-              <a:t>Constants</a:t>
+              <a:rPr lang="nl-NL" sz="2000" dirty="0"/>
+              <a:t>Variabelen</a:t>
+            </a:r>
+          </a:p>
+          <a:p>
+            <a:pPr>
+              <a:spcBef>
+                <a:spcPts val="0"/>
+              </a:spcBef>
+              <a:buFontTx/>
+              <a:buChar char="-"/>
+            </a:pPr>
+            <a:r>
+              <a:rPr lang="nl-NL" sz="2000" dirty="0"/>
+              <a:t>Getallen</a:t>
             </a:r>
           </a:p>
           <a:p>
@@ -3792,7 +4972,7 @@
               </a:spcBef>
               <a:buNone/>
             </a:pPr>
-            <a:endParaRPr lang="en-US" sz="2000" dirty="0"/>
+            <a:endParaRPr lang="nl-NL" sz="2000" dirty="0"/>
           </a:p>
           <a:p>
             <a:pPr marL="0" indent="0">
@@ -3801,7 +4981,7 @@
               </a:spcBef>
               <a:buNone/>
             </a:pPr>
-            <a:endParaRPr lang="en-US" sz="2000" dirty="0"/>
+            <a:endParaRPr lang="nl-NL" sz="2000" dirty="0"/>
           </a:p>
           <a:p>
             <a:pPr marL="0" indent="0">
@@ -3810,8 +4990,48 @@
               </a:spcBef>
               <a:buNone/>
             </a:pPr>
-            <a:r>
-              <a:rPr lang="en-US" sz="2000" dirty="0">
+            <a:endParaRPr lang="nl-NL" sz="2000" dirty="0"/>
+          </a:p>
+          <a:p>
+            <a:pPr marL="0" indent="0">
+              <a:spcBef>
+                <a:spcPts val="0"/>
+              </a:spcBef>
+              <a:buNone/>
+            </a:pPr>
+            <a:r>
+              <a:rPr lang="nl-NL" sz="2000" dirty="0" err="1">
+                <a:latin typeface="Courier New" panose="02070309020205020404" pitchFamily="49" charset="0"/>
+                <a:cs typeface="Courier New" panose="02070309020205020404" pitchFamily="49" charset="0"/>
+              </a:rPr>
+              <a:t>math.pi</a:t>
+            </a:r>
+            <a:endParaRPr lang="nl-NL" sz="2000" dirty="0">
+              <a:latin typeface="Courier New" panose="02070309020205020404" pitchFamily="49" charset="0"/>
+              <a:cs typeface="Courier New" panose="02070309020205020404" pitchFamily="49" charset="0"/>
+            </a:endParaRPr>
+          </a:p>
+          <a:p>
+            <a:pPr marL="0" indent="0">
+              <a:spcBef>
+                <a:spcPts val="0"/>
+              </a:spcBef>
+              <a:buNone/>
+            </a:pPr>
+            <a:endParaRPr lang="nl-NL" sz="2000" dirty="0">
+              <a:latin typeface="Courier New" panose="02070309020205020404" pitchFamily="49" charset="0"/>
+              <a:cs typeface="Courier New" panose="02070309020205020404" pitchFamily="49" charset="0"/>
+            </a:endParaRPr>
+          </a:p>
+          <a:p>
+            <a:pPr marL="0" indent="0">
+              <a:spcBef>
+                <a:spcPts val="0"/>
+              </a:spcBef>
+              <a:buNone/>
+            </a:pPr>
+            <a:r>
+              <a:rPr lang="nl-NL" sz="2000" dirty="0">
                 <a:latin typeface="Courier New" panose="02070309020205020404" pitchFamily="49" charset="0"/>
                 <a:cs typeface="Courier New" panose="02070309020205020404" pitchFamily="49" charset="0"/>
               </a:rPr>
@@ -3825,7 +5045,7 @@
               </a:spcBef>
               <a:buNone/>
             </a:pPr>
-            <a:endParaRPr lang="en-US" sz="2000" dirty="0">
+            <a:endParaRPr lang="nl-NL" sz="2000" dirty="0">
               <a:latin typeface="Courier New" panose="02070309020205020404" pitchFamily="49" charset="0"/>
               <a:cs typeface="Courier New" panose="02070309020205020404" pitchFamily="49" charset="0"/>
             </a:endParaRPr>
@@ -3838,11 +5058,11 @@
               <a:buNone/>
             </a:pPr>
             <a:r>
-              <a:rPr lang="en-US" sz="2000" dirty="0">
+              <a:rPr lang="nl-NL" sz="2000" dirty="0">
                 <a:latin typeface="Courier New" panose="02070309020205020404" pitchFamily="49" charset="0"/>
                 <a:cs typeface="Courier New" panose="02070309020205020404" pitchFamily="49" charset="0"/>
               </a:rPr>
-              <a:t>PI = 3.14</a:t>
+              <a:t>[1, 2, 3, 4]</a:t>
             </a:r>
           </a:p>
           <a:p>
@@ -3852,34 +5072,7 @@
               </a:spcBef>
               <a:buNone/>
             </a:pPr>
-            <a:endParaRPr lang="en-US" sz="2000" dirty="0">
-              <a:latin typeface="Courier New" panose="02070309020205020404" pitchFamily="49" charset="0"/>
-              <a:cs typeface="Courier New" panose="02070309020205020404" pitchFamily="49" charset="0"/>
-            </a:endParaRPr>
-          </a:p>
-          <a:p>
-            <a:pPr marL="0" indent="0">
-              <a:spcBef>
-                <a:spcPts val="0"/>
-              </a:spcBef>
-              <a:buNone/>
-            </a:pPr>
-            <a:r>
-              <a:rPr lang="en-US" sz="2000" dirty="0">
-                <a:latin typeface="Courier New" panose="02070309020205020404" pitchFamily="49" charset="0"/>
-                <a:cs typeface="Courier New" panose="02070309020205020404" pitchFamily="49" charset="0"/>
-              </a:rPr>
-              <a:t>data = [1, 2, 3, 4]</a:t>
-            </a:r>
-          </a:p>
-          <a:p>
-            <a:pPr marL="0" indent="0">
-              <a:spcBef>
-                <a:spcPts val="0"/>
-              </a:spcBef>
-              <a:buNone/>
-            </a:pPr>
-            <a:endParaRPr lang="en-US" sz="2000" dirty="0">
+            <a:endParaRPr lang="nl-NL" sz="2000" dirty="0">
               <a:latin typeface="Courier New" panose="02070309020205020404" pitchFamily="49" charset="0"/>
               <a:cs typeface="Courier New" panose="02070309020205020404" pitchFamily="49" charset="0"/>
             </a:endParaRPr>
@@ -3902,7 +5095,7 @@
         </p:nvSpPr>
         <p:spPr>
           <a:xfrm>
-            <a:off x="838200" y="1690688"/>
+            <a:off x="6497855" y="1674419"/>
             <a:ext cx="4530754" cy="4818456"/>
           </a:xfrm>
           <a:prstGeom prst="rect">
@@ -4086,9 +5279,10 @@
               <a:buNone/>
             </a:pPr>
             <a:r>
-              <a:rPr lang="en-US" sz="2000" b="1" dirty="0"/>
+              <a:rPr lang="nl-NL" sz="2000" b="1" dirty="0" err="1"/>
               <a:t>Behavior</a:t>
             </a:r>
+            <a:endParaRPr lang="nl-NL" sz="2000" b="1" dirty="0"/>
           </a:p>
           <a:p>
             <a:pPr marL="0" indent="0">
@@ -4098,7 +5292,7 @@
               <a:buFont typeface="Arial" panose="020B0604020202020204" pitchFamily="34" charset="0"/>
               <a:buNone/>
             </a:pPr>
-            <a:endParaRPr lang="en-US" sz="2000" dirty="0"/>
+            <a:endParaRPr lang="nl-NL" sz="2000" dirty="0"/>
           </a:p>
           <a:p>
             <a:pPr marL="0" indent="0">
@@ -4108,7 +5302,10 @@
               <a:buFont typeface="Arial" panose="020B0604020202020204" pitchFamily="34" charset="0"/>
               <a:buNone/>
             </a:pPr>
-            <a:endParaRPr lang="en-US" sz="2000" dirty="0"/>
+            <a:r>
+              <a:rPr lang="nl-NL" sz="2000" dirty="0"/>
+              <a:t>Uitvoeren van een actie:</a:t>
+            </a:r>
           </a:p>
           <a:p>
             <a:pPr marL="0" indent="0">
@@ -4118,10 +5315,7 @@
               <a:buFont typeface="Arial" panose="020B0604020202020204" pitchFamily="34" charset="0"/>
               <a:buNone/>
             </a:pPr>
-            <a:r>
-              <a:rPr lang="en-US" sz="2000" dirty="0"/>
-              <a:t>Performs some kind of action:</a:t>
-            </a:r>
+            <a:endParaRPr lang="nl-NL" sz="2000" dirty="0"/>
           </a:p>
           <a:p>
             <a:pPr>
@@ -4132,8 +5326,8 @@
               <a:buChar char="-"/>
             </a:pPr>
             <a:r>
-              <a:rPr lang="en-US" sz="2000" dirty="0"/>
-              <a:t>Functions</a:t>
+              <a:rPr lang="nl-NL" sz="2000" dirty="0"/>
+              <a:t>Functies</a:t>
             </a:r>
           </a:p>
           <a:p>
@@ -4145,8 +5339,8 @@
               <a:buChar char="-"/>
             </a:pPr>
             <a:r>
-              <a:rPr lang="en-US" sz="2000" dirty="0"/>
-              <a:t>Methods</a:t>
+              <a:rPr lang="nl-NL" sz="2000" dirty="0"/>
+              <a:t>Methodes van objecten</a:t>
             </a:r>
           </a:p>
           <a:p>
@@ -4157,7 +5351,7 @@
               <a:buFont typeface="Arial" panose="020B0604020202020204" pitchFamily="34" charset="0"/>
               <a:buNone/>
             </a:pPr>
-            <a:endParaRPr lang="en-US" sz="2000" dirty="0"/>
+            <a:endParaRPr lang="nl-NL" sz="2000" dirty="0"/>
           </a:p>
           <a:p>
             <a:pPr marL="0" indent="0">
@@ -4167,7 +5361,7 @@
               <a:buFont typeface="Arial" panose="020B0604020202020204" pitchFamily="34" charset="0"/>
               <a:buNone/>
             </a:pPr>
-            <a:endParaRPr lang="en-US" sz="2000" dirty="0"/>
+            <a:endParaRPr lang="nl-NL" sz="2000" dirty="0"/>
           </a:p>
           <a:p>
             <a:pPr marL="0" indent="0">
@@ -4177,27 +5371,7 @@
               <a:buFont typeface="Arial" panose="020B0604020202020204" pitchFamily="34" charset="0"/>
               <a:buNone/>
             </a:pPr>
-            <a:r>
-              <a:rPr lang="en-US" sz="2000" dirty="0">
-                <a:latin typeface="Courier New" panose="02070309020205020404" pitchFamily="49" charset="0"/>
-                <a:cs typeface="Courier New" panose="02070309020205020404" pitchFamily="49" charset="0"/>
-              </a:rPr>
-              <a:t>def </a:t>
-            </a:r>
-            <a:r>
-              <a:rPr lang="en-US" sz="2000" dirty="0" err="1">
-                <a:latin typeface="Courier New" panose="02070309020205020404" pitchFamily="49" charset="0"/>
-                <a:cs typeface="Courier New" panose="02070309020205020404" pitchFamily="49" charset="0"/>
-              </a:rPr>
-              <a:t>cumulative_sum</a:t>
-            </a:r>
-            <a:r>
-              <a:rPr lang="en-US" sz="2000" dirty="0">
-                <a:latin typeface="Courier New" panose="02070309020205020404" pitchFamily="49" charset="0"/>
-                <a:cs typeface="Courier New" panose="02070309020205020404" pitchFamily="49" charset="0"/>
-              </a:rPr>
-              <a:t>(list_):</a:t>
-            </a:r>
+            <a:endParaRPr lang="nl-NL" sz="2000" dirty="0"/>
           </a:p>
           <a:p>
             <a:pPr marL="0" indent="0">
@@ -4207,27 +5381,7 @@
               <a:buFont typeface="Arial" panose="020B0604020202020204" pitchFamily="34" charset="0"/>
               <a:buNone/>
             </a:pPr>
-            <a:r>
-              <a:rPr lang="en-US" sz="2000" dirty="0">
-                <a:latin typeface="Courier New" panose="02070309020205020404" pitchFamily="49" charset="0"/>
-                <a:cs typeface="Courier New" panose="02070309020205020404" pitchFamily="49" charset="0"/>
-              </a:rPr>
-              <a:t>  </a:t>
-            </a:r>
-            <a:r>
-              <a:rPr lang="en-US" sz="2000" dirty="0" err="1">
-                <a:latin typeface="Courier New" panose="02070309020205020404" pitchFamily="49" charset="0"/>
-                <a:cs typeface="Courier New" panose="02070309020205020404" pitchFamily="49" charset="0"/>
-              </a:rPr>
-              <a:t>csum</a:t>
-            </a:r>
-            <a:r>
-              <a:rPr lang="en-US" sz="2000" dirty="0">
-                <a:latin typeface="Courier New" panose="02070309020205020404" pitchFamily="49" charset="0"/>
-                <a:cs typeface="Courier New" panose="02070309020205020404" pitchFamily="49" charset="0"/>
-              </a:rPr>
-              <a:t> = 0</a:t>
-            </a:r>
+            <a:endParaRPr lang="nl-NL" sz="2000" dirty="0"/>
           </a:p>
           <a:p>
             <a:pPr marL="0" indent="0">
@@ -4238,11 +5392,11 @@
               <a:buNone/>
             </a:pPr>
             <a:r>
-              <a:rPr lang="en-US" sz="2000" dirty="0">
+              <a:rPr lang="nl-NL" sz="2000" dirty="0">
                 <a:latin typeface="Courier New" panose="02070309020205020404" pitchFamily="49" charset="0"/>
                 <a:cs typeface="Courier New" panose="02070309020205020404" pitchFamily="49" charset="0"/>
               </a:rPr>
-              <a:t>  cumulative = []</a:t>
+              <a:t>print(…)</a:t>
             </a:r>
           </a:p>
           <a:p>
@@ -4253,13 +5407,10 @@
               <a:buFont typeface="Arial" panose="020B0604020202020204" pitchFamily="34" charset="0"/>
               <a:buNone/>
             </a:pPr>
-            <a:r>
-              <a:rPr lang="en-US" sz="2000" dirty="0">
-                <a:latin typeface="Courier New" panose="02070309020205020404" pitchFamily="49" charset="0"/>
-                <a:cs typeface="Courier New" panose="02070309020205020404" pitchFamily="49" charset="0"/>
-              </a:rPr>
-              <a:t>  for value in list_:</a:t>
-            </a:r>
+            <a:endParaRPr lang="nl-NL" sz="2000" dirty="0">
+              <a:latin typeface="Courier New" panose="02070309020205020404" pitchFamily="49" charset="0"/>
+              <a:cs typeface="Courier New" panose="02070309020205020404" pitchFamily="49" charset="0"/>
+            </a:endParaRPr>
           </a:p>
           <a:p>
             <a:pPr marL="0" indent="0">
@@ -4270,90 +5421,19 @@
               <a:buNone/>
             </a:pPr>
             <a:r>
-              <a:rPr lang="en-US" sz="2000" dirty="0">
+              <a:rPr lang="nl-NL" sz="2000" dirty="0" err="1">
                 <a:latin typeface="Courier New" panose="02070309020205020404" pitchFamily="49" charset="0"/>
                 <a:cs typeface="Courier New" panose="02070309020205020404" pitchFamily="49" charset="0"/>
               </a:rPr>
-              <a:t>    </a:t>
-            </a:r>
-            <a:r>
-              <a:rPr lang="en-US" sz="2000" dirty="0" err="1">
+              <a:t>df.sort_values</a:t>
+            </a:r>
+            <a:r>
+              <a:rPr lang="nl-NL" sz="2000" dirty="0">
                 <a:latin typeface="Courier New" panose="02070309020205020404" pitchFamily="49" charset="0"/>
                 <a:cs typeface="Courier New" panose="02070309020205020404" pitchFamily="49" charset="0"/>
               </a:rPr>
-              <a:t>csum</a:t>
-            </a:r>
-            <a:r>
-              <a:rPr lang="en-US" sz="2000" dirty="0">
-                <a:latin typeface="Courier New" panose="02070309020205020404" pitchFamily="49" charset="0"/>
-                <a:cs typeface="Courier New" panose="02070309020205020404" pitchFamily="49" charset="0"/>
-              </a:rPr>
-              <a:t> += value</a:t>
-            </a:r>
-          </a:p>
-          <a:p>
-            <a:pPr marL="0" indent="0">
-              <a:spcBef>
-                <a:spcPts val="0"/>
-              </a:spcBef>
-              <a:buFont typeface="Arial" panose="020B0604020202020204" pitchFamily="34" charset="0"/>
-              <a:buNone/>
-            </a:pPr>
-            <a:r>
-              <a:rPr lang="en-US" sz="2000" dirty="0">
-                <a:latin typeface="Courier New" panose="02070309020205020404" pitchFamily="49" charset="0"/>
-                <a:cs typeface="Courier New" panose="02070309020205020404" pitchFamily="49" charset="0"/>
-              </a:rPr>
-              <a:t>    </a:t>
-            </a:r>
-            <a:r>
-              <a:rPr lang="en-US" sz="2000" dirty="0" err="1">
-                <a:latin typeface="Courier New" panose="02070309020205020404" pitchFamily="49" charset="0"/>
-                <a:cs typeface="Courier New" panose="02070309020205020404" pitchFamily="49" charset="0"/>
-              </a:rPr>
-              <a:t>cumulative.append</a:t>
-            </a:r>
-            <a:r>
-              <a:rPr lang="en-US" sz="2000" dirty="0">
-                <a:latin typeface="Courier New" panose="02070309020205020404" pitchFamily="49" charset="0"/>
-                <a:cs typeface="Courier New" panose="02070309020205020404" pitchFamily="49" charset="0"/>
-              </a:rPr>
-              <a:t>(</a:t>
-            </a:r>
-            <a:r>
-              <a:rPr lang="en-US" sz="2000" dirty="0" err="1">
-                <a:latin typeface="Courier New" panose="02070309020205020404" pitchFamily="49" charset="0"/>
-                <a:cs typeface="Courier New" panose="02070309020205020404" pitchFamily="49" charset="0"/>
-              </a:rPr>
-              <a:t>csum</a:t>
-            </a:r>
-            <a:r>
-              <a:rPr lang="en-US" sz="2000" dirty="0">
-                <a:latin typeface="Courier New" panose="02070309020205020404" pitchFamily="49" charset="0"/>
-                <a:cs typeface="Courier New" panose="02070309020205020404" pitchFamily="49" charset="0"/>
-              </a:rPr>
-              <a:t>)</a:t>
-            </a:r>
-          </a:p>
-          <a:p>
-            <a:pPr marL="0" indent="0">
-              <a:spcBef>
-                <a:spcPts val="0"/>
-              </a:spcBef>
-              <a:buFont typeface="Arial" panose="020B0604020202020204" pitchFamily="34" charset="0"/>
-              <a:buNone/>
-            </a:pPr>
-            <a:r>
-              <a:rPr lang="en-US" sz="2000" dirty="0">
-                <a:latin typeface="Courier New" panose="02070309020205020404" pitchFamily="49" charset="0"/>
-                <a:cs typeface="Courier New" panose="02070309020205020404" pitchFamily="49" charset="0"/>
-              </a:rPr>
-              <a:t>  return cumulative</a:t>
-            </a:r>
-            <a:endParaRPr lang="en-NL" sz="2000" dirty="0">
-              <a:latin typeface="Courier New" panose="02070309020205020404" pitchFamily="49" charset="0"/>
-              <a:cs typeface="Courier New" panose="02070309020205020404" pitchFamily="49" charset="0"/>
-            </a:endParaRPr>
+              <a:t>(…)</a:t>
+            </a:r>
           </a:p>
         </p:txBody>
       </p:sp>
@@ -4411,8 +5491,12 @@
           <a:lstStyle/>
           <a:p>
             <a:r>
-              <a:rPr lang="nl-NL" sz="3600"/>
-              <a:t>Namespaces op orde</a:t>
+              <a:rPr lang="nl-NL" sz="3600" dirty="0" err="1"/>
+              <a:t>Namespaces</a:t>
+            </a:r>
+            <a:r>
+              <a:rPr lang="nl-NL" sz="3600" dirty="0"/>
+              <a:t> op orde</a:t>
             </a:r>
           </a:p>
         </p:txBody>
@@ -4591,7 +5675,7 @@
         </p:spPr>
         <p:txBody>
           <a:bodyPr>
-            <a:normAutofit fontScale="92500" lnSpcReduction="10000"/>
+            <a:noAutofit/>
           </a:bodyPr>
           <a:lstStyle/>
           <a:p>
@@ -4599,15 +5683,15 @@
               <a:buNone/>
             </a:pPr>
             <a:r>
-              <a:rPr lang="nl-NL" sz="2400" dirty="0"/>
-              <a:t>Bevat alle “dingen” die je aanmaakt:</a:t>
+              <a:rPr lang="nl-NL" sz="2000" dirty="0"/>
+              <a:t>Bevat alles wat je aanmaakt of importeert:</a:t>
             </a:r>
           </a:p>
           <a:p>
             <a:pPr marL="0" indent="0">
               <a:buNone/>
             </a:pPr>
-            <a:endParaRPr lang="nl-NL" sz="2400" dirty="0"/>
+            <a:endParaRPr lang="nl-NL" sz="2000" dirty="0"/>
           </a:p>
           <a:p>
             <a:pPr>
@@ -4615,16 +5699,16 @@
               <a:buChar char="-"/>
             </a:pPr>
             <a:r>
-              <a:rPr lang="nl-NL" sz="2400" dirty="0"/>
-              <a:t>variabelen		via </a:t>
-            </a:r>
-            <a:r>
-              <a:rPr lang="nl-NL" sz="2400" dirty="0">
+              <a:rPr lang="nl-NL" sz="2000" dirty="0"/>
+              <a:t>variabelen		 </a:t>
+            </a:r>
+            <a:r>
+              <a:rPr lang="nl-NL" sz="2000" dirty="0">
                 <a:highlight>
                   <a:srgbClr val="C0C0C0"/>
                 </a:highlight>
               </a:rPr>
-              <a:t>=</a:t>
+              <a:t>x = 1</a:t>
             </a:r>
           </a:p>
           <a:p>
@@ -4633,11 +5717,11 @@
               <a:buChar char="-"/>
             </a:pPr>
             <a:r>
-              <a:rPr lang="nl-NL" sz="2400" dirty="0"/>
-              <a:t>functies		via </a:t>
-            </a:r>
-            <a:r>
-              <a:rPr lang="nl-NL" sz="2400" dirty="0" err="1">
+              <a:rPr lang="nl-NL" sz="2000" dirty="0"/>
+              <a:t>functies		</a:t>
+            </a:r>
+            <a:r>
+              <a:rPr lang="nl-NL" sz="2000" dirty="0" err="1">
                 <a:highlight>
                   <a:srgbClr val="C0C0C0"/>
                 </a:highlight>
@@ -4646,7 +5730,27 @@
               </a:rPr>
               <a:t>def</a:t>
             </a:r>
-            <a:endParaRPr lang="nl-NL" sz="2400" dirty="0">
+            <a:r>
+              <a:rPr lang="nl-NL" sz="2000" dirty="0">
+                <a:highlight>
+                  <a:srgbClr val="C0C0C0"/>
+                </a:highlight>
+                <a:latin typeface="Courier New" panose="02070309020205020404" pitchFamily="49" charset="0"/>
+                <a:cs typeface="Courier New" panose="02070309020205020404" pitchFamily="49" charset="0"/>
+              </a:rPr>
+              <a:t> </a:t>
+            </a:r>
+            <a:r>
+              <a:rPr lang="nl-NL" sz="2000" dirty="0" err="1">
+                <a:highlight>
+                  <a:srgbClr val="C0C0C0"/>
+                </a:highlight>
+                <a:latin typeface="Courier New" panose="02070309020205020404" pitchFamily="49" charset="0"/>
+                <a:cs typeface="Courier New" panose="02070309020205020404" pitchFamily="49" charset="0"/>
+              </a:rPr>
+              <a:t>function</a:t>
+            </a:r>
+            <a:endParaRPr lang="nl-NL" sz="2000" dirty="0">
               <a:highlight>
                 <a:srgbClr val="C0C0C0"/>
               </a:highlight>
@@ -4660,18 +5764,18 @@
               <a:buChar char="-"/>
             </a:pPr>
             <a:r>
-              <a:rPr lang="nl-NL" sz="2400" dirty="0"/>
-              <a:t>classes		via </a:t>
-            </a:r>
-            <a:r>
-              <a:rPr lang="nl-NL" sz="2400" dirty="0">
+              <a:rPr lang="nl-NL" sz="2000" dirty="0"/>
+              <a:t>classes		</a:t>
+            </a:r>
+            <a:r>
+              <a:rPr lang="nl-NL" sz="2000" dirty="0">
                 <a:highlight>
                   <a:srgbClr val="C0C0C0"/>
                 </a:highlight>
                 <a:latin typeface="Courier New" panose="02070309020205020404" pitchFamily="49" charset="0"/>
                 <a:cs typeface="Courier New" panose="02070309020205020404" pitchFamily="49" charset="0"/>
               </a:rPr>
-              <a:t>class</a:t>
+              <a:t>class Person</a:t>
             </a:r>
           </a:p>
           <a:p>
@@ -4680,56 +5784,47 @@
               <a:buChar char="-"/>
             </a:pPr>
             <a:r>
-              <a:rPr lang="nl-NL" sz="2400" dirty="0"/>
-              <a:t>objecten		via </a:t>
-            </a:r>
-            <a:r>
-              <a:rPr lang="nl-NL" sz="2400" dirty="0">
+              <a:rPr lang="nl-NL" sz="2000" dirty="0"/>
+              <a:t>objecten		</a:t>
+            </a:r>
+            <a:r>
+              <a:rPr lang="nl-NL" sz="2000" dirty="0">
                 <a:highlight>
                   <a:srgbClr val="C0C0C0"/>
                 </a:highlight>
                 <a:latin typeface="Courier New" panose="02070309020205020404" pitchFamily="49" charset="0"/>
                 <a:cs typeface="Courier New" panose="02070309020205020404" pitchFamily="49" charset="0"/>
               </a:rPr>
-              <a:t>&lt;class&gt;()</a:t>
+              <a:t>Person("Henk")</a:t>
             </a:r>
           </a:p>
           <a:p>
             <a:pPr marL="0" indent="0">
               <a:buNone/>
             </a:pPr>
-            <a:endParaRPr lang="nl-NL" sz="2400" dirty="0"/>
+            <a:endParaRPr lang="nl-NL" sz="2000" dirty="0"/>
           </a:p>
           <a:p>
             <a:pPr marL="0" indent="0">
               <a:buNone/>
             </a:pPr>
-            <a:r>
-              <a:rPr lang="nl-NL" sz="2400" dirty="0"/>
-              <a:t>… en dingen die je importeert.</a:t>
-            </a:r>
+            <a:endParaRPr lang="nl-NL" sz="2000" dirty="0"/>
           </a:p>
           <a:p>
             <a:pPr marL="0" indent="0">
               <a:buNone/>
             </a:pPr>
-            <a:endParaRPr lang="nl-NL" sz="2400" dirty="0"/>
-          </a:p>
-          <a:p>
-            <a:pPr marL="0" indent="0">
-              <a:buNone/>
-            </a:pPr>
-            <a:r>
-              <a:rPr lang="nl-NL" sz="2400" dirty="0"/>
-              <a:t>Overzichtelijke </a:t>
-            </a:r>
-            <a:r>
-              <a:rPr lang="nl-NL" sz="2400" dirty="0" err="1"/>
+            <a:r>
+              <a:rPr lang="nl-NL" sz="2000" b="1" dirty="0"/>
+              <a:t>Opgeruimde </a:t>
+            </a:r>
+            <a:r>
+              <a:rPr lang="nl-NL" sz="2000" b="1" dirty="0" err="1"/>
               <a:t>namespace</a:t>
             </a:r>
             <a:r>
-              <a:rPr lang="nl-NL" sz="2400" dirty="0"/>
-              <a:t> verminderd kans op fouten!</a:t>
+              <a:rPr lang="nl-NL" sz="2000" b="1" dirty="0"/>
+              <a:t> verkleind de kans op fouten!</a:t>
             </a:r>
           </a:p>
         </p:txBody>
@@ -5023,12 +6118,12 @@
         <p:spPr>
           <a:xfrm>
             <a:off x="838200" y="1825625"/>
-            <a:ext cx="6091106" cy="592081"/>
+            <a:ext cx="6091106" cy="864675"/>
           </a:xfrm>
         </p:spPr>
         <p:txBody>
           <a:bodyPr>
-            <a:normAutofit/>
+            <a:noAutofit/>
           </a:bodyPr>
           <a:lstStyle/>
           <a:p>
@@ -5036,53 +6131,32 @@
               <a:buNone/>
             </a:pPr>
             <a:r>
-              <a:rPr lang="nl-NL" sz="2400" dirty="0"/>
-              <a:t>Schema toont de hiërarchie voor:</a:t>
+              <a:rPr lang="nl-NL" sz="2000" dirty="0"/>
+              <a:t>Functies maken een eigen (tijdelijke) </a:t>
+            </a:r>
+            <a:r>
+              <a:rPr lang="nl-NL" sz="2000" dirty="0" err="1"/>
+              <a:t>namespace</a:t>
+            </a:r>
+            <a:r>
+              <a:rPr lang="nl-NL" sz="2000" dirty="0"/>
+              <a:t>:</a:t>
             </a:r>
           </a:p>
           <a:p>
             <a:pPr marL="0" indent="0">
               <a:buNone/>
             </a:pPr>
-            <a:endParaRPr lang="nl-NL" sz="2400" dirty="0"/>
-          </a:p>
-        </p:txBody>
-      </p:sp>
-      <p:pic>
-        <p:nvPicPr>
-          <p:cNvPr id="13" name="Picture 12">
-            <a:extLst>
-              <a:ext uri="{FF2B5EF4-FFF2-40B4-BE49-F238E27FC236}">
-                <a16:creationId xmlns:a16="http://schemas.microsoft.com/office/drawing/2014/main" id="{A2A8DAF8-B7C2-44D3-ADB4-E06068ABC8AE}"/>
-              </a:ext>
-            </a:extLst>
-          </p:cNvPr>
-          <p:cNvPicPr>
-            <a:picLocks noChangeAspect="1"/>
-          </p:cNvPicPr>
-          <p:nvPr/>
-        </p:nvPicPr>
-        <p:blipFill>
-          <a:blip r:embed="rId2"/>
-          <a:stretch>
-            <a:fillRect/>
-          </a:stretch>
-        </p:blipFill>
-        <p:spPr>
-          <a:xfrm>
-            <a:off x="838200" y="2684477"/>
-            <a:ext cx="5709015" cy="2836778"/>
-          </a:xfrm>
-          <a:prstGeom prst="rect">
-            <a:avLst/>
-          </a:prstGeom>
-          <a:ln>
-            <a:solidFill>
-              <a:schemeClr val="tx1"/>
-            </a:solidFill>
-          </a:ln>
-        </p:spPr>
-      </p:pic>
+            <a:endParaRPr lang="nl-NL" sz="2000" dirty="0"/>
+          </a:p>
+          <a:p>
+            <a:pPr marL="0" indent="0">
+              <a:buNone/>
+            </a:pPr>
+            <a:endParaRPr lang="nl-NL" sz="2000" dirty="0"/>
+          </a:p>
+        </p:txBody>
+      </p:sp>
       <p:grpSp>
         <p:nvGrpSpPr>
           <p:cNvPr id="3" name="Group 2">
@@ -5097,10 +6171,10 @@
         </p:nvGrpSpPr>
         <p:grpSpPr>
           <a:xfrm>
-            <a:off x="7373923" y="2684477"/>
-            <a:ext cx="3171039" cy="2202737"/>
+            <a:off x="6096000" y="2809605"/>
+            <a:ext cx="3171039" cy="1781645"/>
             <a:chOff x="7373923" y="2684477"/>
-            <a:chExt cx="3171039" cy="2202737"/>
+            <a:chExt cx="3171039" cy="1781645"/>
           </a:xfrm>
         </p:grpSpPr>
         <p:sp>
@@ -5118,7 +6192,7 @@
           <p:spPr>
             <a:xfrm>
               <a:off x="7373923" y="2684477"/>
-              <a:ext cx="3171039" cy="2202737"/>
+              <a:ext cx="3171039" cy="1781645"/>
             </a:xfrm>
             <a:prstGeom prst="rect">
               <a:avLst/>
@@ -5165,8 +6239,77 @@
           </p:nvSpPr>
           <p:spPr>
             <a:xfrm>
-              <a:off x="7705286" y="3120705"/>
+              <a:off x="7695661" y="3721765"/>
               <a:ext cx="2508309" cy="419450"/>
+            </a:xfrm>
+            <a:prstGeom prst="rect">
+              <a:avLst/>
+            </a:prstGeom>
+          </p:spPr>
+          <p:style>
+            <a:lnRef idx="1">
+              <a:schemeClr val="accent4"/>
+            </a:lnRef>
+            <a:fillRef idx="2">
+              <a:schemeClr val="accent4"/>
+            </a:fillRef>
+            <a:effectRef idx="1">
+              <a:schemeClr val="accent4"/>
+            </a:effectRef>
+            <a:fontRef idx="minor">
+              <a:schemeClr val="dk1"/>
+            </a:fontRef>
+          </p:style>
+          <p:txBody>
+            <a:bodyPr rtlCol="0" anchor="ctr"/>
+            <a:lstStyle/>
+            <a:p>
+              <a:pPr algn="ctr"/>
+              <a:r>
+                <a:rPr lang="en-US" dirty="0" err="1"/>
+                <a:t>functie</a:t>
+              </a:r>
+              <a:endParaRPr lang="en-NL" dirty="0"/>
+            </a:p>
+          </p:txBody>
+        </p:sp>
+      </p:grpSp>
+      <p:grpSp>
+        <p:nvGrpSpPr>
+          <p:cNvPr id="4" name="Group 3">
+            <a:extLst>
+              <a:ext uri="{FF2B5EF4-FFF2-40B4-BE49-F238E27FC236}">
+                <a16:creationId xmlns:a16="http://schemas.microsoft.com/office/drawing/2014/main" id="{57F43E21-D4A1-41B7-969A-C23D86F2726C}"/>
+              </a:ext>
+            </a:extLst>
+          </p:cNvPr>
+          <p:cNvGrpSpPr/>
+          <p:nvPr/>
+        </p:nvGrpSpPr>
+        <p:grpSpPr>
+          <a:xfrm>
+            <a:off x="7708377" y="4804619"/>
+            <a:ext cx="3171039" cy="1149519"/>
+            <a:chOff x="8526509" y="4803945"/>
+            <a:chExt cx="3171039" cy="1149519"/>
+          </a:xfrm>
+        </p:grpSpPr>
+        <p:sp>
+          <p:nvSpPr>
+            <p:cNvPr id="17" name="Rectangle 16">
+              <a:extLst>
+                <a:ext uri="{FF2B5EF4-FFF2-40B4-BE49-F238E27FC236}">
+                  <a16:creationId xmlns:a16="http://schemas.microsoft.com/office/drawing/2014/main" id="{5E35D6EC-0C2B-4A09-9512-B6952CC7C51F}"/>
+                </a:ext>
+              </a:extLst>
+            </p:cNvPr>
+            <p:cNvSpPr/>
+            <p:nvPr/>
+          </p:nvSpPr>
+          <p:spPr>
+            <a:xfrm>
+              <a:off x="8526509" y="4803945"/>
+              <a:ext cx="3171039" cy="1149519"/>
             </a:xfrm>
             <a:prstGeom prst="rect">
               <a:avLst/>
@@ -5187,138 +6330,14 @@
             </a:fontRef>
           </p:style>
           <p:txBody>
-            <a:bodyPr rtlCol="0" anchor="ctr"/>
-            <a:lstStyle/>
-            <a:p>
-              <a:pPr algn="ctr"/>
-              <a:r>
-                <a:rPr lang="en-US" dirty="0" err="1"/>
-                <a:t>count_category</a:t>
-              </a:r>
-              <a:endParaRPr lang="en-NL" dirty="0"/>
-            </a:p>
-          </p:txBody>
-        </p:sp>
-        <p:sp>
-          <p:nvSpPr>
-            <p:cNvPr id="18" name="Arrow: Down 17">
-              <a:extLst>
-                <a:ext uri="{FF2B5EF4-FFF2-40B4-BE49-F238E27FC236}">
-                  <a16:creationId xmlns:a16="http://schemas.microsoft.com/office/drawing/2014/main" id="{51D579EE-71FA-4CAC-A118-1F4EF9E3D3DC}"/>
-                </a:ext>
-              </a:extLst>
-            </p:cNvPr>
-            <p:cNvSpPr/>
-            <p:nvPr/>
-          </p:nvSpPr>
-          <p:spPr>
-            <a:xfrm>
-              <a:off x="8787467" y="3540155"/>
-              <a:ext cx="343948" cy="419450"/>
-            </a:xfrm>
-            <a:prstGeom prst="downArrow">
-              <a:avLst/>
-            </a:prstGeom>
-          </p:spPr>
-          <p:style>
-            <a:lnRef idx="1">
-              <a:schemeClr val="accent6"/>
-            </a:lnRef>
-            <a:fillRef idx="2">
-              <a:schemeClr val="accent6"/>
-            </a:fillRef>
-            <a:effectRef idx="1">
-              <a:schemeClr val="accent6"/>
-            </a:effectRef>
-            <a:fontRef idx="minor">
-              <a:schemeClr val="dk1"/>
-            </a:fontRef>
-          </p:style>
-          <p:txBody>
-            <a:bodyPr rtlCol="0" anchor="ctr"/>
-            <a:lstStyle/>
-            <a:p>
-              <a:pPr algn="ctr"/>
-              <a:endParaRPr lang="en-NL" dirty="0"/>
-            </a:p>
-          </p:txBody>
-        </p:sp>
-      </p:grpSp>
-      <p:grpSp>
-        <p:nvGrpSpPr>
-          <p:cNvPr id="4" name="Group 3">
-            <a:extLst>
-              <a:ext uri="{FF2B5EF4-FFF2-40B4-BE49-F238E27FC236}">
-                <a16:creationId xmlns:a16="http://schemas.microsoft.com/office/drawing/2014/main" id="{57F43E21-D4A1-41B7-969A-C23D86F2726C}"/>
-              </a:ext>
-            </a:extLst>
-          </p:cNvPr>
-          <p:cNvGrpSpPr/>
-          <p:nvPr/>
-        </p:nvGrpSpPr>
-        <p:grpSpPr>
-          <a:xfrm>
-            <a:off x="7778342" y="3959605"/>
-            <a:ext cx="3171039" cy="1744910"/>
-            <a:chOff x="7775739" y="3959605"/>
-            <a:chExt cx="3171039" cy="1744910"/>
-          </a:xfrm>
-        </p:grpSpPr>
-        <p:sp>
-          <p:nvSpPr>
-            <p:cNvPr id="17" name="Rectangle 16">
-              <a:extLst>
-                <a:ext uri="{FF2B5EF4-FFF2-40B4-BE49-F238E27FC236}">
-                  <a16:creationId xmlns:a16="http://schemas.microsoft.com/office/drawing/2014/main" id="{5E35D6EC-0C2B-4A09-9512-B6952CC7C51F}"/>
-                </a:ext>
-              </a:extLst>
-            </p:cNvPr>
-            <p:cNvSpPr/>
-            <p:nvPr/>
-          </p:nvSpPr>
-          <p:spPr>
-            <a:xfrm>
-              <a:off x="7775739" y="3959605"/>
-              <a:ext cx="3171039" cy="1744910"/>
-            </a:xfrm>
-            <a:prstGeom prst="rect">
-              <a:avLst/>
-            </a:prstGeom>
-            <a:effectLst>
-              <a:outerShdw blurRad="50800" dist="101600" dir="13200000" algn="r" rotWithShape="0">
-                <a:prstClr val="black">
-                  <a:alpha val="50000"/>
-                </a:prstClr>
-              </a:outerShdw>
-            </a:effectLst>
-          </p:spPr>
-          <p:style>
-            <a:lnRef idx="1">
-              <a:schemeClr val="accent4"/>
-            </a:lnRef>
-            <a:fillRef idx="2">
-              <a:schemeClr val="accent4"/>
-            </a:fillRef>
-            <a:effectRef idx="1">
-              <a:schemeClr val="accent4"/>
-            </a:effectRef>
-            <a:fontRef idx="minor">
-              <a:schemeClr val="dk1"/>
-            </a:fontRef>
-          </p:style>
-          <p:txBody>
             <a:bodyPr rtlCol="0" anchor="t"/>
             <a:lstStyle/>
             <a:p>
               <a:pPr algn="ctr"/>
               <a:r>
                 <a:rPr lang="en-US" dirty="0" err="1"/>
-                <a:t>count_category</a:t>
+                <a:t>functie</a:t>
               </a:r>
-              <a:endParaRPr lang="en-US" dirty="0"/>
-            </a:p>
-            <a:p>
-              <a:pPr algn="ctr"/>
               <a:endParaRPr lang="en-NL" dirty="0"/>
             </a:p>
           </p:txBody>
@@ -5337,7 +6356,7 @@
           </p:nvSpPr>
           <p:spPr>
             <a:xfrm>
-              <a:off x="8040976" y="4379055"/>
+              <a:off x="8762870" y="5256951"/>
               <a:ext cx="2640564" cy="419450"/>
             </a:xfrm>
             <a:prstGeom prst="rect">
@@ -5346,185 +6365,13 @@
           </p:spPr>
           <p:style>
             <a:lnRef idx="1">
-              <a:schemeClr val="accent6"/>
+              <a:schemeClr val="accent4"/>
             </a:lnRef>
             <a:fillRef idx="2">
-              <a:schemeClr val="accent6"/>
+              <a:schemeClr val="accent4"/>
             </a:fillRef>
             <a:effectRef idx="1">
-              <a:schemeClr val="accent6"/>
-            </a:effectRef>
-            <a:fontRef idx="minor">
-              <a:schemeClr val="dk1"/>
-            </a:fontRef>
-          </p:style>
-          <p:txBody>
-            <a:bodyPr rtlCol="0" anchor="ctr"/>
-            <a:lstStyle/>
-            <a:p>
-              <a:pPr algn="ctr"/>
-              <a:r>
-                <a:rPr lang="en-US" dirty="0" err="1"/>
-                <a:t>clean_name</a:t>
-              </a:r>
-              <a:endParaRPr lang="en-NL" dirty="0"/>
-            </a:p>
-          </p:txBody>
-        </p:sp>
-        <p:sp>
-          <p:nvSpPr>
-            <p:cNvPr id="24" name="Arrow: Down 23">
-              <a:extLst>
-                <a:ext uri="{FF2B5EF4-FFF2-40B4-BE49-F238E27FC236}">
-                  <a16:creationId xmlns:a16="http://schemas.microsoft.com/office/drawing/2014/main" id="{5240481F-F345-44D3-8C8C-248BF4F2A8FD}"/>
-                </a:ext>
-              </a:extLst>
-            </p:cNvPr>
-            <p:cNvSpPr/>
-            <p:nvPr/>
-          </p:nvSpPr>
-          <p:spPr>
-            <a:xfrm>
-              <a:off x="9189284" y="4798505"/>
-              <a:ext cx="343948" cy="419450"/>
-            </a:xfrm>
-            <a:prstGeom prst="downArrow">
-              <a:avLst/>
-            </a:prstGeom>
-          </p:spPr>
-          <p:style>
-            <a:lnRef idx="1">
-              <a:schemeClr val="accent6"/>
-            </a:lnRef>
-            <a:fillRef idx="2">
-              <a:schemeClr val="accent6"/>
-            </a:fillRef>
-            <a:effectRef idx="1">
-              <a:schemeClr val="accent6"/>
-            </a:effectRef>
-            <a:fontRef idx="minor">
-              <a:schemeClr val="dk1"/>
-            </a:fontRef>
-          </p:style>
-          <p:txBody>
-            <a:bodyPr rtlCol="0" anchor="ctr"/>
-            <a:lstStyle/>
-            <a:p>
-              <a:pPr algn="ctr"/>
-              <a:endParaRPr lang="en-NL" dirty="0"/>
-            </a:p>
-          </p:txBody>
-        </p:sp>
-      </p:grpSp>
-      <p:grpSp>
-        <p:nvGrpSpPr>
-          <p:cNvPr id="5" name="Group 4">
-            <a:extLst>
-              <a:ext uri="{FF2B5EF4-FFF2-40B4-BE49-F238E27FC236}">
-                <a16:creationId xmlns:a16="http://schemas.microsoft.com/office/drawing/2014/main" id="{04E8A046-AA75-4B6E-8955-1DAF0E48698F}"/>
-              </a:ext>
-            </a:extLst>
-          </p:cNvPr>
-          <p:cNvGrpSpPr/>
-          <p:nvPr/>
-        </p:nvGrpSpPr>
-        <p:grpSpPr>
-          <a:xfrm>
-            <a:off x="8182761" y="5217955"/>
-            <a:ext cx="3171039" cy="1082177"/>
-            <a:chOff x="8182761" y="5217955"/>
-            <a:chExt cx="3171039" cy="1082177"/>
-          </a:xfrm>
-        </p:grpSpPr>
-        <p:sp>
-          <p:nvSpPr>
-            <p:cNvPr id="22" name="Rectangle 21">
-              <a:extLst>
-                <a:ext uri="{FF2B5EF4-FFF2-40B4-BE49-F238E27FC236}">
-                  <a16:creationId xmlns:a16="http://schemas.microsoft.com/office/drawing/2014/main" id="{9B3ABC3B-BC2B-4FB1-BB4D-59E7990C618D}"/>
-                </a:ext>
-              </a:extLst>
-            </p:cNvPr>
-            <p:cNvSpPr/>
-            <p:nvPr/>
-          </p:nvSpPr>
-          <p:spPr>
-            <a:xfrm>
-              <a:off x="8182761" y="5217955"/>
-              <a:ext cx="3171039" cy="1082177"/>
-            </a:xfrm>
-            <a:prstGeom prst="rect">
-              <a:avLst/>
-            </a:prstGeom>
-            <a:effectLst>
-              <a:outerShdw blurRad="50800" dist="101600" dir="13200000" algn="l" rotWithShape="0">
-                <a:prstClr val="black">
-                  <a:alpha val="50000"/>
-                </a:prstClr>
-              </a:outerShdw>
-            </a:effectLst>
-          </p:spPr>
-          <p:style>
-            <a:lnRef idx="1">
-              <a:schemeClr val="accent2"/>
-            </a:lnRef>
-            <a:fillRef idx="2">
-              <a:schemeClr val="accent2"/>
-            </a:fillRef>
-            <a:effectRef idx="1">
-              <a:schemeClr val="accent2"/>
-            </a:effectRef>
-            <a:fontRef idx="minor">
-              <a:schemeClr val="dk1"/>
-            </a:fontRef>
-          </p:style>
-          <p:txBody>
-            <a:bodyPr rtlCol="0" anchor="t"/>
-            <a:lstStyle/>
-            <a:p>
-              <a:pPr algn="ctr"/>
-              <a:r>
-                <a:rPr lang="en-US" dirty="0" err="1"/>
-                <a:t>clean_name</a:t>
-              </a:r>
-              <a:endParaRPr lang="en-US" dirty="0"/>
-            </a:p>
-            <a:p>
-              <a:pPr algn="ctr"/>
-              <a:endParaRPr lang="en-NL" dirty="0"/>
-            </a:p>
-          </p:txBody>
-        </p:sp>
-        <p:sp>
-          <p:nvSpPr>
-            <p:cNvPr id="23" name="Rectangle 22">
-              <a:extLst>
-                <a:ext uri="{FF2B5EF4-FFF2-40B4-BE49-F238E27FC236}">
-                  <a16:creationId xmlns:a16="http://schemas.microsoft.com/office/drawing/2014/main" id="{99AD5A30-9AA2-45E4-BFEB-E75511E5C66A}"/>
-                </a:ext>
-              </a:extLst>
-            </p:cNvPr>
-            <p:cNvSpPr/>
-            <p:nvPr/>
-          </p:nvSpPr>
-          <p:spPr>
-            <a:xfrm>
-              <a:off x="8531120" y="5704515"/>
-              <a:ext cx="2474321" cy="419450"/>
-            </a:xfrm>
-            <a:prstGeom prst="rect">
-              <a:avLst/>
-            </a:prstGeom>
-          </p:spPr>
-          <p:style>
-            <a:lnRef idx="1">
-              <a:schemeClr val="accent6"/>
-            </a:lnRef>
-            <a:fillRef idx="2">
-              <a:schemeClr val="accent6"/>
-            </a:fillRef>
-            <a:effectRef idx="1">
-              <a:schemeClr val="accent6"/>
+              <a:schemeClr val="accent4"/>
             </a:effectRef>
             <a:fontRef idx="minor">
               <a:schemeClr val="dk1"/>
@@ -5537,13 +6384,276 @@
               <a:pPr algn="ctr"/>
               <a:r>
                 <a:rPr lang="en-US" dirty="0"/>
-                <a:t>name</a:t>
+                <a:t>y = 2</a:t>
               </a:r>
               <a:endParaRPr lang="en-NL" dirty="0"/>
             </a:p>
           </p:txBody>
         </p:sp>
       </p:grpSp>
+      <p:sp>
+        <p:nvSpPr>
+          <p:cNvPr id="20" name="Rectangle 19">
+            <a:extLst>
+              <a:ext uri="{FF2B5EF4-FFF2-40B4-BE49-F238E27FC236}">
+                <a16:creationId xmlns:a16="http://schemas.microsoft.com/office/drawing/2014/main" id="{96CC0A78-0C4F-4F4E-8AC4-ED14CD55F68B}"/>
+              </a:ext>
+            </a:extLst>
+          </p:cNvPr>
+          <p:cNvSpPr/>
+          <p:nvPr/>
+        </p:nvSpPr>
+        <p:spPr>
+          <a:xfrm>
+            <a:off x="6427364" y="3344403"/>
+            <a:ext cx="2508309" cy="419450"/>
+          </a:xfrm>
+          <a:prstGeom prst="rect">
+            <a:avLst/>
+          </a:prstGeom>
+        </p:spPr>
+        <p:style>
+          <a:lnRef idx="1">
+            <a:schemeClr val="accent4"/>
+          </a:lnRef>
+          <a:fillRef idx="2">
+            <a:schemeClr val="accent4"/>
+          </a:fillRef>
+          <a:effectRef idx="1">
+            <a:schemeClr val="accent4"/>
+          </a:effectRef>
+          <a:fontRef idx="minor">
+            <a:schemeClr val="dk1"/>
+          </a:fontRef>
+        </p:style>
+        <p:txBody>
+          <a:bodyPr rtlCol="0" anchor="ctr"/>
+          <a:lstStyle/>
+          <a:p>
+            <a:pPr algn="ctr"/>
+            <a:r>
+              <a:rPr lang="en-US" dirty="0"/>
+              <a:t>x = 1</a:t>
+            </a:r>
+            <a:endParaRPr lang="en-NL" dirty="0"/>
+          </a:p>
+        </p:txBody>
+      </p:sp>
+      <p:sp>
+        <p:nvSpPr>
+          <p:cNvPr id="7" name="Arrow: Bent 6">
+            <a:extLst>
+              <a:ext uri="{FF2B5EF4-FFF2-40B4-BE49-F238E27FC236}">
+                <a16:creationId xmlns:a16="http://schemas.microsoft.com/office/drawing/2014/main" id="{8BA7D8EE-410C-466F-A10B-1C7C037C9FC9}"/>
+              </a:ext>
+            </a:extLst>
+          </p:cNvPr>
+          <p:cNvSpPr/>
+          <p:nvPr/>
+        </p:nvSpPr>
+        <p:spPr>
+          <a:xfrm rot="5400000">
+            <a:off x="8836613" y="4072480"/>
+            <a:ext cx="737135" cy="539015"/>
+          </a:xfrm>
+          <a:prstGeom prst="bentArrow">
+            <a:avLst/>
+          </a:prstGeom>
+        </p:spPr>
+        <p:style>
+          <a:lnRef idx="1">
+            <a:schemeClr val="accent4"/>
+          </a:lnRef>
+          <a:fillRef idx="2">
+            <a:schemeClr val="accent4"/>
+          </a:fillRef>
+          <a:effectRef idx="1">
+            <a:schemeClr val="accent4"/>
+          </a:effectRef>
+          <a:fontRef idx="minor">
+            <a:schemeClr val="dk1"/>
+          </a:fontRef>
+        </p:style>
+        <p:txBody>
+          <a:bodyPr rtlCol="0" anchor="ctr"/>
+          <a:lstStyle/>
+          <a:p>
+            <a:pPr algn="ctr"/>
+            <a:endParaRPr lang="en-NL">
+              <a:solidFill>
+                <a:schemeClr val="tx1"/>
+              </a:solidFill>
+            </a:endParaRPr>
+          </a:p>
+        </p:txBody>
+      </p:sp>
+      <p:sp>
+        <p:nvSpPr>
+          <p:cNvPr id="8" name="Rectangle 7">
+            <a:extLst>
+              <a:ext uri="{FF2B5EF4-FFF2-40B4-BE49-F238E27FC236}">
+                <a16:creationId xmlns:a16="http://schemas.microsoft.com/office/drawing/2014/main" id="{5C44BE4A-EB55-4EBE-9D9E-578EF60A0A83}"/>
+              </a:ext>
+            </a:extLst>
+          </p:cNvPr>
+          <p:cNvSpPr/>
+          <p:nvPr/>
+        </p:nvSpPr>
+        <p:spPr>
+          <a:xfrm>
+            <a:off x="879152" y="2809605"/>
+            <a:ext cx="4312118" cy="3144533"/>
+          </a:xfrm>
+          <a:prstGeom prst="rect">
+            <a:avLst/>
+          </a:prstGeom>
+        </p:spPr>
+        <p:style>
+          <a:lnRef idx="1">
+            <a:schemeClr val="accent3"/>
+          </a:lnRef>
+          <a:fillRef idx="2">
+            <a:schemeClr val="accent3"/>
+          </a:fillRef>
+          <a:effectRef idx="1">
+            <a:schemeClr val="accent3"/>
+          </a:effectRef>
+          <a:fontRef idx="minor">
+            <a:schemeClr val="dk1"/>
+          </a:fontRef>
+        </p:style>
+        <p:txBody>
+          <a:bodyPr lIns="640080" rtlCol="0" anchor="ctr"/>
+          <a:lstStyle/>
+          <a:p>
+            <a:pPr marL="0" indent="0">
+              <a:buNone/>
+            </a:pPr>
+            <a:r>
+              <a:rPr lang="nl-NL" sz="1800" dirty="0">
+                <a:latin typeface="Courier New" panose="02070309020205020404" pitchFamily="49" charset="0"/>
+                <a:cs typeface="Courier New" panose="02070309020205020404" pitchFamily="49" charset="0"/>
+              </a:rPr>
+              <a:t>x = 1</a:t>
+            </a:r>
+          </a:p>
+          <a:p>
+            <a:pPr marL="0" indent="0">
+              <a:buNone/>
+            </a:pPr>
+            <a:endParaRPr lang="nl-NL" sz="1800" dirty="0">
+              <a:latin typeface="Courier New" panose="02070309020205020404" pitchFamily="49" charset="0"/>
+              <a:cs typeface="Courier New" panose="02070309020205020404" pitchFamily="49" charset="0"/>
+            </a:endParaRPr>
+          </a:p>
+          <a:p>
+            <a:pPr marL="0" indent="0">
+              <a:buNone/>
+            </a:pPr>
+            <a:endParaRPr lang="nl-NL" sz="1800" b="1" dirty="0">
+              <a:latin typeface="Courier New" panose="02070309020205020404" pitchFamily="49" charset="0"/>
+              <a:cs typeface="Courier New" panose="02070309020205020404" pitchFamily="49" charset="0"/>
+            </a:endParaRPr>
+          </a:p>
+          <a:p>
+            <a:pPr marL="0" indent="0">
+              <a:buNone/>
+            </a:pPr>
+            <a:r>
+              <a:rPr lang="nl-NL" sz="1800" b="1" dirty="0" err="1">
+                <a:latin typeface="Courier New" panose="02070309020205020404" pitchFamily="49" charset="0"/>
+                <a:cs typeface="Courier New" panose="02070309020205020404" pitchFamily="49" charset="0"/>
+              </a:rPr>
+              <a:t>def</a:t>
+            </a:r>
+            <a:r>
+              <a:rPr lang="nl-NL" sz="1800" b="1" dirty="0">
+                <a:latin typeface="Courier New" panose="02070309020205020404" pitchFamily="49" charset="0"/>
+                <a:cs typeface="Courier New" panose="02070309020205020404" pitchFamily="49" charset="0"/>
+              </a:rPr>
+              <a:t> functie():</a:t>
+            </a:r>
+          </a:p>
+          <a:p>
+            <a:pPr marL="0" indent="0">
+              <a:buNone/>
+            </a:pPr>
+            <a:r>
+              <a:rPr lang="nl-NL" sz="1800" dirty="0">
+                <a:latin typeface="Courier New" panose="02070309020205020404" pitchFamily="49" charset="0"/>
+                <a:cs typeface="Courier New" panose="02070309020205020404" pitchFamily="49" charset="0"/>
+              </a:rPr>
+              <a:t>    y = 2</a:t>
+            </a:r>
+          </a:p>
+          <a:p>
+            <a:pPr marL="0" indent="0">
+              <a:buNone/>
+            </a:pPr>
+            <a:endParaRPr lang="nl-NL" dirty="0">
+              <a:latin typeface="Courier New" panose="02070309020205020404" pitchFamily="49" charset="0"/>
+              <a:cs typeface="Courier New" panose="02070309020205020404" pitchFamily="49" charset="0"/>
+            </a:endParaRPr>
+          </a:p>
+          <a:p>
+            <a:pPr marL="0" indent="0">
+              <a:buNone/>
+            </a:pPr>
+            <a:endParaRPr lang="nl-NL" sz="1800" dirty="0">
+              <a:latin typeface="Courier New" panose="02070309020205020404" pitchFamily="49" charset="0"/>
+              <a:cs typeface="Courier New" panose="02070309020205020404" pitchFamily="49" charset="0"/>
+            </a:endParaRPr>
+          </a:p>
+          <a:p>
+            <a:pPr marL="0" indent="0">
+              <a:buNone/>
+            </a:pPr>
+            <a:r>
+              <a:rPr lang="nl-NL" sz="1800" dirty="0">
+                <a:latin typeface="Courier New" panose="02070309020205020404" pitchFamily="49" charset="0"/>
+                <a:cs typeface="Courier New" panose="02070309020205020404" pitchFamily="49" charset="0"/>
+              </a:rPr>
+              <a:t>functie()</a:t>
+            </a:r>
+          </a:p>
+        </p:txBody>
+      </p:sp>
+      <p:sp>
+        <p:nvSpPr>
+          <p:cNvPr id="5" name="TextBox 4">
+            <a:extLst>
+              <a:ext uri="{FF2B5EF4-FFF2-40B4-BE49-F238E27FC236}">
+                <a16:creationId xmlns:a16="http://schemas.microsoft.com/office/drawing/2014/main" id="{D904A944-27C3-4371-BBDB-3DB2CA8A0857}"/>
+              </a:ext>
+            </a:extLst>
+          </p:cNvPr>
+          <p:cNvSpPr txBox="1"/>
+          <p:nvPr/>
+        </p:nvSpPr>
+        <p:spPr>
+          <a:xfrm>
+            <a:off x="9395670" y="4081677"/>
+            <a:ext cx="1018227" cy="369332"/>
+          </a:xfrm>
+          <a:prstGeom prst="rect">
+            <a:avLst/>
+          </a:prstGeom>
+          <a:noFill/>
+        </p:spPr>
+        <p:txBody>
+          <a:bodyPr wrap="none" rtlCol="0">
+            <a:spAutoFit/>
+          </a:bodyPr>
+          <a:lstStyle/>
+          <a:p>
+            <a:r>
+              <a:rPr lang="en-US"/>
+              <a:t>functie()</a:t>
+            </a:r>
+            <a:endParaRPr lang="en-NL" dirty="0"/>
+          </a:p>
+        </p:txBody>
+      </p:sp>
     </p:spTree>
     <p:extLst>
       <p:ext uri="{BB962C8B-B14F-4D97-AF65-F5344CB8AC3E}">
@@ -5588,8 +6698,8 @@
         </p:nvSpPr>
         <p:spPr>
           <a:xfrm>
-            <a:off x="6947968" y="1821945"/>
-            <a:ext cx="3171039" cy="2202737"/>
+            <a:off x="6819550" y="1173053"/>
+            <a:ext cx="3171039" cy="1744912"/>
           </a:xfrm>
           <a:prstGeom prst="rect">
             <a:avLst/>
@@ -5615,18 +6725,18 @@
           <a:p>
             <a:pPr algn="ctr"/>
             <a:r>
-              <a:rPr lang="en-US" dirty="0"/>
+              <a:rPr lang="en-US" b="1" dirty="0"/>
               <a:t>__</a:t>
             </a:r>
             <a:r>
-              <a:rPr lang="en-US" dirty="0" err="1"/>
+              <a:rPr lang="en-US" b="1" dirty="0" err="1"/>
               <a:t>builtins</a:t>
             </a:r>
             <a:r>
-              <a:rPr lang="en-US" dirty="0"/>
+              <a:rPr lang="en-US" b="1" dirty="0"/>
               <a:t>__</a:t>
             </a:r>
-            <a:endParaRPr lang="en-NL" dirty="0"/>
+            <a:endParaRPr lang="en-NL" b="1" dirty="0"/>
           </a:p>
         </p:txBody>
       </p:sp>
@@ -5696,58 +6806,66 @@
               <a:buNone/>
             </a:pPr>
             <a:r>
-              <a:rPr lang="nl-NL" sz="2400" dirty="0"/>
-              <a:t>Zoekvolgorde is:</a:t>
+              <a:rPr lang="nl-NL" sz="2000" dirty="0"/>
+              <a:t>Zoekvolgorde binnen </a:t>
+            </a:r>
+            <a:r>
+              <a:rPr lang="nl-NL" sz="2000" dirty="0" err="1"/>
+              <a:t>read_file</a:t>
+            </a:r>
+            <a:r>
+              <a:rPr lang="nl-NL" sz="2000" dirty="0"/>
+              <a:t> functie:</a:t>
             </a:r>
           </a:p>
           <a:p>
             <a:pPr marL="0" indent="0">
               <a:buNone/>
             </a:pPr>
-            <a:endParaRPr lang="nl-NL" sz="2400" dirty="0"/>
+            <a:endParaRPr lang="nl-NL" sz="2000" dirty="0"/>
           </a:p>
           <a:p>
             <a:pPr marL="457200" indent="-457200">
               <a:buAutoNum type="arabicPeriod"/>
             </a:pPr>
             <a:r>
-              <a:rPr lang="nl-NL" sz="2400" dirty="0"/>
-              <a:t>Lokaal		functie </a:t>
-            </a:r>
-            <a:r>
-              <a:rPr lang="nl-NL" sz="2400" dirty="0" err="1"/>
-              <a:t>clean_name</a:t>
-            </a:r>
-            <a:endParaRPr lang="nl-NL" sz="2400" dirty="0"/>
+              <a:rPr lang="nl-NL" sz="2000" dirty="0"/>
+              <a:t>Lokaal		</a:t>
+            </a:r>
+            <a:r>
+              <a:rPr lang="nl-NL" sz="2000" dirty="0" err="1"/>
+              <a:t>read_file</a:t>
+            </a:r>
+            <a:endParaRPr lang="nl-NL" sz="2000" dirty="0"/>
           </a:p>
           <a:p>
             <a:pPr marL="457200" indent="-457200">
               <a:buAutoNum type="arabicPeriod"/>
             </a:pPr>
             <a:r>
-              <a:rPr lang="nl-NL" sz="2400" dirty="0"/>
-              <a:t>Omvattend 	functie </a:t>
-            </a:r>
-            <a:r>
-              <a:rPr lang="nl-NL" sz="2400" dirty="0" err="1"/>
-              <a:t>count_category</a:t>
-            </a:r>
-            <a:endParaRPr lang="nl-NL" sz="2400" dirty="0"/>
+              <a:rPr lang="nl-NL" sz="2000" dirty="0"/>
+              <a:t>Omvattend 		</a:t>
+            </a:r>
+            <a:r>
+              <a:rPr lang="nl-NL" sz="2000" dirty="0" err="1"/>
+              <a:t>read_folder</a:t>
+            </a:r>
+            <a:endParaRPr lang="nl-NL" sz="2000" dirty="0"/>
           </a:p>
           <a:p>
             <a:pPr marL="457200" indent="-457200">
               <a:buAutoNum type="arabicPeriod"/>
             </a:pPr>
             <a:r>
-              <a:rPr lang="nl-NL" sz="2400" dirty="0"/>
-              <a:t>Globaal		module __</a:t>
-            </a:r>
-            <a:r>
-              <a:rPr lang="nl-NL" sz="2400" dirty="0" err="1"/>
+              <a:rPr lang="nl-NL" sz="2000" dirty="0"/>
+              <a:t>Globaal		__</a:t>
+            </a:r>
+            <a:r>
+              <a:rPr lang="nl-NL" sz="2000" dirty="0" err="1"/>
               <a:t>main</a:t>
             </a:r>
             <a:r>
-              <a:rPr lang="nl-NL" sz="2400" dirty="0"/>
+              <a:rPr lang="nl-NL" sz="2000" dirty="0"/>
               <a:t>__</a:t>
             </a:r>
           </a:p>
@@ -5756,513 +6874,44 @@
               <a:buAutoNum type="arabicPeriod"/>
             </a:pPr>
             <a:r>
-              <a:rPr lang="nl-NL" sz="2400" dirty="0"/>
+              <a:rPr lang="nl-NL" sz="2000" dirty="0"/>
+              <a:t>Built-ins		__</a:t>
+            </a:r>
+            <a:r>
+              <a:rPr lang="nl-NL" sz="2000" dirty="0" err="1"/>
+              <a:t>builtins</a:t>
+            </a:r>
+            <a:r>
+              <a:rPr lang="nl-NL" sz="2000" dirty="0"/>
               <a:t>__</a:t>
             </a:r>
-            <a:r>
-              <a:rPr lang="nl-NL" sz="2400" dirty="0" err="1"/>
-              <a:t>builtins</a:t>
-            </a:r>
-            <a:r>
-              <a:rPr lang="nl-NL" sz="2400" dirty="0"/>
-              <a:t>__	module __</a:t>
-            </a:r>
-            <a:r>
-              <a:rPr lang="nl-NL" sz="2400" dirty="0" err="1"/>
-              <a:t>builtins</a:t>
-            </a:r>
-            <a:r>
-              <a:rPr lang="nl-NL" sz="2400" dirty="0"/>
-              <a:t>__</a:t>
-            </a:r>
+          </a:p>
+          <a:p>
+            <a:pPr marL="0" indent="0">
+              <a:buNone/>
+            </a:pPr>
+            <a:endParaRPr lang="nl-NL" sz="2000" dirty="0"/>
           </a:p>
           <a:p>
             <a:pPr marL="457200" indent="-457200">
               <a:buAutoNum type="arabicPeriod"/>
             </a:pPr>
-            <a:endParaRPr lang="nl-NL" sz="2400" dirty="0"/>
-          </a:p>
-          <a:p>
-            <a:pPr marL="457200" indent="-457200">
-              <a:buAutoNum type="arabicPeriod"/>
-            </a:pPr>
-            <a:endParaRPr lang="nl-NL" sz="2400" dirty="0"/>
+            <a:endParaRPr lang="nl-NL" sz="2000" dirty="0"/>
           </a:p>
           <a:p>
             <a:pPr marL="0" indent="0">
               <a:buNone/>
             </a:pPr>
-            <a:endParaRPr lang="nl-NL" sz="2400" dirty="0"/>
-          </a:p>
-        </p:txBody>
-      </p:sp>
-      <p:grpSp>
-        <p:nvGrpSpPr>
-          <p:cNvPr id="25" name="Group 24">
-            <a:extLst>
-              <a:ext uri="{FF2B5EF4-FFF2-40B4-BE49-F238E27FC236}">
-                <a16:creationId xmlns:a16="http://schemas.microsoft.com/office/drawing/2014/main" id="{BCDDCEBE-DEFF-4DB6-9E9D-8777B5ADE4D9}"/>
-              </a:ext>
-            </a:extLst>
-          </p:cNvPr>
-          <p:cNvGrpSpPr/>
-          <p:nvPr/>
-        </p:nvGrpSpPr>
-        <p:grpSpPr>
-          <a:xfrm>
-            <a:off x="7373923" y="2684477"/>
-            <a:ext cx="3171039" cy="2202737"/>
-            <a:chOff x="7373923" y="2684477"/>
-            <a:chExt cx="3171039" cy="2202737"/>
-          </a:xfrm>
-        </p:grpSpPr>
-        <p:sp>
-          <p:nvSpPr>
-            <p:cNvPr id="26" name="Rectangle 25">
-              <a:extLst>
-                <a:ext uri="{FF2B5EF4-FFF2-40B4-BE49-F238E27FC236}">
-                  <a16:creationId xmlns:a16="http://schemas.microsoft.com/office/drawing/2014/main" id="{4B48B8F9-E16F-4476-B8D1-AA5CD5AE247F}"/>
-                </a:ext>
-              </a:extLst>
-            </p:cNvPr>
-            <p:cNvSpPr/>
-            <p:nvPr/>
-          </p:nvSpPr>
-          <p:spPr>
-            <a:xfrm>
-              <a:off x="7373923" y="2684477"/>
-              <a:ext cx="3171039" cy="2202737"/>
-            </a:xfrm>
-            <a:prstGeom prst="rect">
-              <a:avLst/>
-            </a:prstGeom>
-          </p:spPr>
-          <p:style>
-            <a:lnRef idx="1">
-              <a:schemeClr val="accent5"/>
-            </a:lnRef>
-            <a:fillRef idx="2">
-              <a:schemeClr val="accent5"/>
-            </a:fillRef>
-            <a:effectRef idx="1">
-              <a:schemeClr val="accent5"/>
-            </a:effectRef>
-            <a:fontRef idx="minor">
-              <a:schemeClr val="dk1"/>
-            </a:fontRef>
-          </p:style>
-          <p:txBody>
-            <a:bodyPr rtlCol="0" anchor="t"/>
-            <a:lstStyle/>
-            <a:p>
-              <a:pPr algn="ctr"/>
-              <a:r>
-                <a:rPr lang="en-US" dirty="0"/>
-                <a:t>__main__</a:t>
-              </a:r>
-              <a:endParaRPr lang="en-NL" dirty="0"/>
-            </a:p>
-          </p:txBody>
-        </p:sp>
-        <p:sp>
-          <p:nvSpPr>
-            <p:cNvPr id="27" name="Rectangle 26">
-              <a:extLst>
-                <a:ext uri="{FF2B5EF4-FFF2-40B4-BE49-F238E27FC236}">
-                  <a16:creationId xmlns:a16="http://schemas.microsoft.com/office/drawing/2014/main" id="{E89CCED3-9E74-4C77-8633-BCE6D4AA4F19}"/>
-                </a:ext>
-              </a:extLst>
-            </p:cNvPr>
-            <p:cNvSpPr/>
-            <p:nvPr/>
-          </p:nvSpPr>
-          <p:spPr>
-            <a:xfrm>
-              <a:off x="7705286" y="3120705"/>
-              <a:ext cx="2508309" cy="419450"/>
-            </a:xfrm>
-            <a:prstGeom prst="rect">
-              <a:avLst/>
-            </a:prstGeom>
-          </p:spPr>
-          <p:style>
-            <a:lnRef idx="1">
-              <a:schemeClr val="accent6"/>
-            </a:lnRef>
-            <a:fillRef idx="2">
-              <a:schemeClr val="accent6"/>
-            </a:fillRef>
-            <a:effectRef idx="1">
-              <a:schemeClr val="accent6"/>
-            </a:effectRef>
-            <a:fontRef idx="minor">
-              <a:schemeClr val="dk1"/>
-            </a:fontRef>
-          </p:style>
-          <p:txBody>
-            <a:bodyPr rtlCol="0" anchor="ctr"/>
-            <a:lstStyle/>
-            <a:p>
-              <a:pPr algn="ctr"/>
-              <a:r>
-                <a:rPr lang="en-US" dirty="0" err="1"/>
-                <a:t>count_category</a:t>
-              </a:r>
-              <a:endParaRPr lang="en-NL" dirty="0"/>
-            </a:p>
-          </p:txBody>
-        </p:sp>
-        <p:sp>
-          <p:nvSpPr>
-            <p:cNvPr id="28" name="Arrow: Down 27">
-              <a:extLst>
-                <a:ext uri="{FF2B5EF4-FFF2-40B4-BE49-F238E27FC236}">
-                  <a16:creationId xmlns:a16="http://schemas.microsoft.com/office/drawing/2014/main" id="{3DD88EE3-15FC-4289-B311-82CDA1E937FA}"/>
-                </a:ext>
-              </a:extLst>
-            </p:cNvPr>
-            <p:cNvSpPr/>
-            <p:nvPr/>
-          </p:nvSpPr>
-          <p:spPr>
-            <a:xfrm>
-              <a:off x="8787467" y="3540155"/>
-              <a:ext cx="343948" cy="419450"/>
-            </a:xfrm>
-            <a:prstGeom prst="downArrow">
-              <a:avLst/>
-            </a:prstGeom>
-          </p:spPr>
-          <p:style>
-            <a:lnRef idx="1">
-              <a:schemeClr val="accent6"/>
-            </a:lnRef>
-            <a:fillRef idx="2">
-              <a:schemeClr val="accent6"/>
-            </a:fillRef>
-            <a:effectRef idx="1">
-              <a:schemeClr val="accent6"/>
-            </a:effectRef>
-            <a:fontRef idx="minor">
-              <a:schemeClr val="dk1"/>
-            </a:fontRef>
-          </p:style>
-          <p:txBody>
-            <a:bodyPr rtlCol="0" anchor="ctr"/>
-            <a:lstStyle/>
-            <a:p>
-              <a:pPr algn="ctr"/>
-              <a:endParaRPr lang="en-NL" dirty="0"/>
-            </a:p>
-          </p:txBody>
-        </p:sp>
-      </p:grpSp>
-      <p:grpSp>
-        <p:nvGrpSpPr>
-          <p:cNvPr id="29" name="Group 28">
-            <a:extLst>
-              <a:ext uri="{FF2B5EF4-FFF2-40B4-BE49-F238E27FC236}">
-                <a16:creationId xmlns:a16="http://schemas.microsoft.com/office/drawing/2014/main" id="{F4A19D76-69F1-4FBE-BDD8-79007C3782C3}"/>
-              </a:ext>
-            </a:extLst>
-          </p:cNvPr>
-          <p:cNvGrpSpPr/>
-          <p:nvPr/>
-        </p:nvGrpSpPr>
-        <p:grpSpPr>
-          <a:xfrm>
-            <a:off x="7778342" y="3959605"/>
-            <a:ext cx="3171039" cy="1744910"/>
-            <a:chOff x="7775739" y="3959605"/>
-            <a:chExt cx="3171039" cy="1744910"/>
-          </a:xfrm>
-        </p:grpSpPr>
-        <p:sp>
-          <p:nvSpPr>
-            <p:cNvPr id="30" name="Rectangle 29">
-              <a:extLst>
-                <a:ext uri="{FF2B5EF4-FFF2-40B4-BE49-F238E27FC236}">
-                  <a16:creationId xmlns:a16="http://schemas.microsoft.com/office/drawing/2014/main" id="{1F5AB7A4-6B53-4477-9789-9998CE52180E}"/>
-                </a:ext>
-              </a:extLst>
-            </p:cNvPr>
-            <p:cNvSpPr/>
-            <p:nvPr/>
-          </p:nvSpPr>
-          <p:spPr>
-            <a:xfrm>
-              <a:off x="7775739" y="3959605"/>
-              <a:ext cx="3171039" cy="1744910"/>
-            </a:xfrm>
-            <a:prstGeom prst="rect">
-              <a:avLst/>
-            </a:prstGeom>
-            <a:effectLst>
-              <a:outerShdw blurRad="50800" dist="101600" dir="13200000" algn="r" rotWithShape="0">
-                <a:prstClr val="black">
-                  <a:alpha val="50000"/>
-                </a:prstClr>
-              </a:outerShdw>
-            </a:effectLst>
-          </p:spPr>
-          <p:style>
-            <a:lnRef idx="1">
-              <a:schemeClr val="accent4"/>
-            </a:lnRef>
-            <a:fillRef idx="2">
-              <a:schemeClr val="accent4"/>
-            </a:fillRef>
-            <a:effectRef idx="1">
-              <a:schemeClr val="accent4"/>
-            </a:effectRef>
-            <a:fontRef idx="minor">
-              <a:schemeClr val="dk1"/>
-            </a:fontRef>
-          </p:style>
-          <p:txBody>
-            <a:bodyPr rtlCol="0" anchor="t"/>
-            <a:lstStyle/>
-            <a:p>
-              <a:pPr algn="ctr"/>
-              <a:r>
-                <a:rPr lang="en-US" dirty="0" err="1"/>
-                <a:t>count_category</a:t>
-              </a:r>
-              <a:endParaRPr lang="en-US" dirty="0"/>
-            </a:p>
-            <a:p>
-              <a:pPr algn="ctr"/>
-              <a:endParaRPr lang="en-NL" dirty="0"/>
-            </a:p>
-          </p:txBody>
-        </p:sp>
-        <p:sp>
-          <p:nvSpPr>
-            <p:cNvPr id="31" name="Rectangle 30">
-              <a:extLst>
-                <a:ext uri="{FF2B5EF4-FFF2-40B4-BE49-F238E27FC236}">
-                  <a16:creationId xmlns:a16="http://schemas.microsoft.com/office/drawing/2014/main" id="{06AAEA41-3389-48D2-BE5B-EDB09434091B}"/>
-                </a:ext>
-              </a:extLst>
-            </p:cNvPr>
-            <p:cNvSpPr/>
-            <p:nvPr/>
-          </p:nvSpPr>
-          <p:spPr>
-            <a:xfrm>
-              <a:off x="8040976" y="4379055"/>
-              <a:ext cx="2640564" cy="419450"/>
-            </a:xfrm>
-            <a:prstGeom prst="rect">
-              <a:avLst/>
-            </a:prstGeom>
-          </p:spPr>
-          <p:style>
-            <a:lnRef idx="1">
-              <a:schemeClr val="accent6"/>
-            </a:lnRef>
-            <a:fillRef idx="2">
-              <a:schemeClr val="accent6"/>
-            </a:fillRef>
-            <a:effectRef idx="1">
-              <a:schemeClr val="accent6"/>
-            </a:effectRef>
-            <a:fontRef idx="minor">
-              <a:schemeClr val="dk1"/>
-            </a:fontRef>
-          </p:style>
-          <p:txBody>
-            <a:bodyPr rtlCol="0" anchor="ctr"/>
-            <a:lstStyle/>
-            <a:p>
-              <a:pPr algn="ctr"/>
-              <a:r>
-                <a:rPr lang="en-US" dirty="0" err="1"/>
-                <a:t>clean_name</a:t>
-              </a:r>
-              <a:endParaRPr lang="en-NL" dirty="0"/>
-            </a:p>
-          </p:txBody>
-        </p:sp>
-        <p:sp>
-          <p:nvSpPr>
-            <p:cNvPr id="32" name="Arrow: Down 31">
-              <a:extLst>
-                <a:ext uri="{FF2B5EF4-FFF2-40B4-BE49-F238E27FC236}">
-                  <a16:creationId xmlns:a16="http://schemas.microsoft.com/office/drawing/2014/main" id="{7CEFDAC9-4E35-4B9C-BB6E-DCEA335379DC}"/>
-                </a:ext>
-              </a:extLst>
-            </p:cNvPr>
-            <p:cNvSpPr/>
-            <p:nvPr/>
-          </p:nvSpPr>
-          <p:spPr>
-            <a:xfrm>
-              <a:off x="9189284" y="4798505"/>
-              <a:ext cx="343948" cy="419450"/>
-            </a:xfrm>
-            <a:prstGeom prst="downArrow">
-              <a:avLst/>
-            </a:prstGeom>
-          </p:spPr>
-          <p:style>
-            <a:lnRef idx="1">
-              <a:schemeClr val="accent6"/>
-            </a:lnRef>
-            <a:fillRef idx="2">
-              <a:schemeClr val="accent6"/>
-            </a:fillRef>
-            <a:effectRef idx="1">
-              <a:schemeClr val="accent6"/>
-            </a:effectRef>
-            <a:fontRef idx="minor">
-              <a:schemeClr val="dk1"/>
-            </a:fontRef>
-          </p:style>
-          <p:txBody>
-            <a:bodyPr rtlCol="0" anchor="ctr"/>
-            <a:lstStyle/>
-            <a:p>
-              <a:pPr algn="ctr"/>
-              <a:endParaRPr lang="en-NL" dirty="0"/>
-            </a:p>
-          </p:txBody>
-        </p:sp>
-      </p:grpSp>
-      <p:grpSp>
-        <p:nvGrpSpPr>
-          <p:cNvPr id="33" name="Group 32">
-            <a:extLst>
-              <a:ext uri="{FF2B5EF4-FFF2-40B4-BE49-F238E27FC236}">
-                <a16:creationId xmlns:a16="http://schemas.microsoft.com/office/drawing/2014/main" id="{3F68CB89-2821-48A8-81BF-8F498A211817}"/>
-              </a:ext>
-            </a:extLst>
-          </p:cNvPr>
-          <p:cNvGrpSpPr/>
-          <p:nvPr/>
-        </p:nvGrpSpPr>
-        <p:grpSpPr>
-          <a:xfrm>
-            <a:off x="8182761" y="5217955"/>
-            <a:ext cx="3171039" cy="1082177"/>
-            <a:chOff x="8182761" y="5217955"/>
-            <a:chExt cx="3171039" cy="1082177"/>
-          </a:xfrm>
-        </p:grpSpPr>
-        <p:sp>
-          <p:nvSpPr>
-            <p:cNvPr id="34" name="Rectangle 33">
-              <a:extLst>
-                <a:ext uri="{FF2B5EF4-FFF2-40B4-BE49-F238E27FC236}">
-                  <a16:creationId xmlns:a16="http://schemas.microsoft.com/office/drawing/2014/main" id="{B3F9FA0D-6FF9-4543-A300-54181A0240D0}"/>
-                </a:ext>
-              </a:extLst>
-            </p:cNvPr>
-            <p:cNvSpPr/>
-            <p:nvPr/>
-          </p:nvSpPr>
-          <p:spPr>
-            <a:xfrm>
-              <a:off x="8182761" y="5217955"/>
-              <a:ext cx="3171039" cy="1082177"/>
-            </a:xfrm>
-            <a:prstGeom prst="rect">
-              <a:avLst/>
-            </a:prstGeom>
-            <a:effectLst>
-              <a:outerShdw blurRad="50800" dist="101600" dir="13200000" algn="l" rotWithShape="0">
-                <a:prstClr val="black">
-                  <a:alpha val="50000"/>
-                </a:prstClr>
-              </a:outerShdw>
-            </a:effectLst>
-          </p:spPr>
-          <p:style>
-            <a:lnRef idx="1">
-              <a:schemeClr val="accent2"/>
-            </a:lnRef>
-            <a:fillRef idx="2">
-              <a:schemeClr val="accent2"/>
-            </a:fillRef>
-            <a:effectRef idx="1">
-              <a:schemeClr val="accent2"/>
-            </a:effectRef>
-            <a:fontRef idx="minor">
-              <a:schemeClr val="dk1"/>
-            </a:fontRef>
-          </p:style>
-          <p:txBody>
-            <a:bodyPr rtlCol="0" anchor="t"/>
-            <a:lstStyle/>
-            <a:p>
-              <a:pPr algn="ctr"/>
-              <a:r>
-                <a:rPr lang="en-US" dirty="0" err="1"/>
-                <a:t>clean_name</a:t>
-              </a:r>
-              <a:endParaRPr lang="en-US" dirty="0"/>
-            </a:p>
-            <a:p>
-              <a:pPr algn="ctr"/>
-              <a:endParaRPr lang="en-NL" dirty="0"/>
-            </a:p>
-          </p:txBody>
-        </p:sp>
-        <p:sp>
-          <p:nvSpPr>
-            <p:cNvPr id="35" name="Rectangle 34">
-              <a:extLst>
-                <a:ext uri="{FF2B5EF4-FFF2-40B4-BE49-F238E27FC236}">
-                  <a16:creationId xmlns:a16="http://schemas.microsoft.com/office/drawing/2014/main" id="{10BDE6E0-9909-4ABA-87A4-936F8F3002CD}"/>
-                </a:ext>
-              </a:extLst>
-            </p:cNvPr>
-            <p:cNvSpPr/>
-            <p:nvPr/>
-          </p:nvSpPr>
-          <p:spPr>
-            <a:xfrm>
-              <a:off x="8531120" y="5704515"/>
-              <a:ext cx="2474321" cy="419450"/>
-            </a:xfrm>
-            <a:prstGeom prst="rect">
-              <a:avLst/>
-            </a:prstGeom>
-          </p:spPr>
-          <p:style>
-            <a:lnRef idx="1">
-              <a:schemeClr val="accent6"/>
-            </a:lnRef>
-            <a:fillRef idx="2">
-              <a:schemeClr val="accent6"/>
-            </a:fillRef>
-            <a:effectRef idx="1">
-              <a:schemeClr val="accent6"/>
-            </a:effectRef>
-            <a:fontRef idx="minor">
-              <a:schemeClr val="dk1"/>
-            </a:fontRef>
-          </p:style>
-          <p:txBody>
-            <a:bodyPr rtlCol="0" anchor="ctr"/>
-            <a:lstStyle/>
-            <a:p>
-              <a:pPr algn="ctr"/>
-              <a:r>
-                <a:rPr lang="en-US" dirty="0"/>
-                <a:t>name</a:t>
-              </a:r>
-              <a:endParaRPr lang="en-NL" dirty="0"/>
-            </a:p>
-          </p:txBody>
-        </p:sp>
-      </p:grpSp>
-      <p:sp>
-        <p:nvSpPr>
-          <p:cNvPr id="41" name="Arrow: Bent 40">
-            <a:extLst>
-              <a:ext uri="{FF2B5EF4-FFF2-40B4-BE49-F238E27FC236}">
-                <a16:creationId xmlns:a16="http://schemas.microsoft.com/office/drawing/2014/main" id="{7D51B65E-E54E-4777-B549-5E6D72EACBFC}"/>
+            <a:endParaRPr lang="nl-NL" sz="2000" dirty="0"/>
+          </a:p>
+        </p:txBody>
+      </p:sp>
+      <p:sp>
+        <p:nvSpPr>
+          <p:cNvPr id="26" name="Rectangle 25">
+            <a:extLst>
+              <a:ext uri="{FF2B5EF4-FFF2-40B4-BE49-F238E27FC236}">
+                <a16:creationId xmlns:a16="http://schemas.microsoft.com/office/drawing/2014/main" id="{4B48B8F9-E16F-4476-B8D1-AA5CD5AE247F}"/>
               </a:ext>
             </a:extLst>
           </p:cNvPr>
@@ -6270,47 +6919,70 @@
           <p:nvPr/>
         </p:nvSpPr>
         <p:spPr>
-          <a:xfrm flipH="1">
-            <a:off x="10993500" y="4577423"/>
-            <a:ext cx="364221" cy="564098"/>
+          <a:xfrm>
+            <a:off x="7183771" y="2161866"/>
+            <a:ext cx="3171039" cy="1744911"/>
           </a:xfrm>
-          <a:prstGeom prst="bentArrow">
+          <a:prstGeom prst="rect">
             <a:avLst/>
           </a:prstGeom>
+          <a:effectLst>
+            <a:outerShdw blurRad="50800" dist="63500" dir="13200000" algn="br" rotWithShape="0">
+              <a:prstClr val="black">
+                <a:alpha val="50000"/>
+              </a:prstClr>
+            </a:outerShdw>
+          </a:effectLst>
         </p:spPr>
         <p:style>
           <a:lnRef idx="1">
-            <a:schemeClr val="accent2"/>
+            <a:schemeClr val="accent5"/>
           </a:lnRef>
           <a:fillRef idx="2">
-            <a:schemeClr val="accent2"/>
+            <a:schemeClr val="accent5"/>
           </a:fillRef>
           <a:effectRef idx="1">
-            <a:schemeClr val="accent2"/>
+            <a:schemeClr val="accent5"/>
           </a:effectRef>
           <a:fontRef idx="minor">
             <a:schemeClr val="dk1"/>
           </a:fontRef>
         </p:style>
         <p:txBody>
-          <a:bodyPr rtlCol="0" anchor="ctr"/>
+          <a:bodyPr rtlCol="0" anchor="t"/>
           <a:lstStyle/>
           <a:p>
             <a:pPr algn="ctr"/>
-            <a:endParaRPr lang="en-NL">
-              <a:solidFill>
-                <a:schemeClr val="tx1"/>
-              </a:solidFill>
+            <a:r>
+              <a:rPr lang="en-US" b="1" dirty="0"/>
+              <a:t>__main__</a:t>
+            </a:r>
+          </a:p>
+          <a:p>
+            <a:pPr algn="ctr"/>
+            <a:endParaRPr lang="en-US" dirty="0"/>
+          </a:p>
+          <a:p>
+            <a:r>
+              <a:rPr lang="en-US" sz="1600" dirty="0">
+                <a:latin typeface="Courier New" panose="02070309020205020404" pitchFamily="49" charset="0"/>
+                <a:cs typeface="Courier New" panose="02070309020205020404" pitchFamily="49" charset="0"/>
+              </a:rPr>
+              <a:t>  folder = "..."</a:t>
+            </a:r>
+            <a:endParaRPr lang="en-NL" sz="1600" dirty="0">
+              <a:latin typeface="Courier New" panose="02070309020205020404" pitchFamily="49" charset="0"/>
+              <a:cs typeface="Courier New" panose="02070309020205020404" pitchFamily="49" charset="0"/>
             </a:endParaRPr>
           </a:p>
         </p:txBody>
       </p:sp>
       <p:sp>
         <p:nvSpPr>
-          <p:cNvPr id="42" name="Arrow: Bent 41">
-            <a:extLst>
-              <a:ext uri="{FF2B5EF4-FFF2-40B4-BE49-F238E27FC236}">
-                <a16:creationId xmlns:a16="http://schemas.microsoft.com/office/drawing/2014/main" id="{BA5A6067-F74B-4FB9-9AF6-70B4FA0F2783}"/>
+          <p:cNvPr id="30" name="Rectangle 29">
+            <a:extLst>
+              <a:ext uri="{FF2B5EF4-FFF2-40B4-BE49-F238E27FC236}">
+                <a16:creationId xmlns:a16="http://schemas.microsoft.com/office/drawing/2014/main" id="{1F5AB7A4-6B53-4477-9789-9998CE52180E}"/>
               </a:ext>
             </a:extLst>
           </p:cNvPr>
@@ -6318,8 +6990,120 @@
           <p:nvPr/>
         </p:nvSpPr>
         <p:spPr>
+          <a:xfrm>
+            <a:off x="7557445" y="3272788"/>
+            <a:ext cx="3171039" cy="1744910"/>
+          </a:xfrm>
+          <a:prstGeom prst="rect">
+            <a:avLst/>
+          </a:prstGeom>
+          <a:effectLst>
+            <a:outerShdw blurRad="50800" dist="63500" dir="13200000" algn="r" rotWithShape="0">
+              <a:prstClr val="black">
+                <a:alpha val="50000"/>
+              </a:prstClr>
+            </a:outerShdw>
+          </a:effectLst>
+        </p:spPr>
+        <p:style>
+          <a:lnRef idx="1">
+            <a:schemeClr val="accent4"/>
+          </a:lnRef>
+          <a:fillRef idx="2">
+            <a:schemeClr val="accent4"/>
+          </a:fillRef>
+          <a:effectRef idx="1">
+            <a:schemeClr val="accent4"/>
+          </a:effectRef>
+          <a:fontRef idx="minor">
+            <a:schemeClr val="dk1"/>
+          </a:fontRef>
+        </p:style>
+        <p:txBody>
+          <a:bodyPr rtlCol="0" anchor="t"/>
+          <a:lstStyle/>
+          <a:p>
+            <a:pPr algn="ctr"/>
+            <a:r>
+              <a:rPr lang="en-US" b="1" dirty="0" err="1"/>
+              <a:t>read_folder</a:t>
+            </a:r>
+            <a:r>
+              <a:rPr lang="en-US" b="1" dirty="0"/>
+              <a:t>()</a:t>
+            </a:r>
+          </a:p>
+          <a:p>
+            <a:pPr algn="ctr"/>
+            <a:endParaRPr lang="en-US" dirty="0"/>
+          </a:p>
+          <a:p>
+            <a:r>
+              <a:rPr lang="en-US" sz="1600" dirty="0">
+                <a:latin typeface="Courier New" panose="02070309020205020404" pitchFamily="49" charset="0"/>
+                <a:cs typeface="Courier New" panose="02070309020205020404" pitchFamily="49" charset="0"/>
+              </a:rPr>
+              <a:t>  for </a:t>
+            </a:r>
+            <a:r>
+              <a:rPr lang="en-US" sz="1600" dirty="0" err="1">
+                <a:latin typeface="Courier New" panose="02070309020205020404" pitchFamily="49" charset="0"/>
+                <a:cs typeface="Courier New" panose="02070309020205020404" pitchFamily="49" charset="0"/>
+              </a:rPr>
+              <a:t>fname</a:t>
+            </a:r>
+            <a:r>
+              <a:rPr lang="en-US" sz="1600" dirty="0">
+                <a:latin typeface="Courier New" panose="02070309020205020404" pitchFamily="49" charset="0"/>
+                <a:cs typeface="Courier New" panose="02070309020205020404" pitchFamily="49" charset="0"/>
+              </a:rPr>
+              <a:t> in folder:</a:t>
+            </a:r>
+          </a:p>
+          <a:p>
+            <a:r>
+              <a:rPr lang="en-US" sz="1600" dirty="0">
+                <a:latin typeface="Courier New" panose="02070309020205020404" pitchFamily="49" charset="0"/>
+                <a:cs typeface="Courier New" panose="02070309020205020404" pitchFamily="49" charset="0"/>
+              </a:rPr>
+              <a:t>    </a:t>
+            </a:r>
+            <a:r>
+              <a:rPr lang="en-US" sz="1600" dirty="0" err="1">
+                <a:latin typeface="Courier New" panose="02070309020205020404" pitchFamily="49" charset="0"/>
+                <a:cs typeface="Courier New" panose="02070309020205020404" pitchFamily="49" charset="0"/>
+              </a:rPr>
+              <a:t>read_file</a:t>
+            </a:r>
+            <a:r>
+              <a:rPr lang="en-US" sz="1600" dirty="0">
+                <a:latin typeface="Courier New" panose="02070309020205020404" pitchFamily="49" charset="0"/>
+                <a:cs typeface="Courier New" panose="02070309020205020404" pitchFamily="49" charset="0"/>
+              </a:rPr>
+              <a:t>()</a:t>
+            </a:r>
+            <a:endParaRPr lang="en-NL" sz="1600" dirty="0">
+              <a:latin typeface="Courier New" panose="02070309020205020404" pitchFamily="49" charset="0"/>
+              <a:cs typeface="Courier New" panose="02070309020205020404" pitchFamily="49" charset="0"/>
+            </a:endParaRPr>
+          </a:p>
+        </p:txBody>
+      </p:sp>
+      <p:sp>
+        <p:nvSpPr>
+          <p:cNvPr id="42" name="Arrow: Bent 41">
+            <a:extLst>
+              <a:ext uri="{FF2B5EF4-FFF2-40B4-BE49-F238E27FC236}">
+                <a16:creationId xmlns:a16="http://schemas.microsoft.com/office/drawing/2014/main" id="{BA5A6067-F74B-4FB9-9AF6-70B4FA0F2783}"/>
+              </a:ext>
+            </a:extLst>
+          </p:cNvPr>
+          <p:cNvSpPr/>
+          <p:nvPr/>
+        </p:nvSpPr>
+        <p:spPr>
           <a:xfrm flipH="1">
-            <a:off x="10585160" y="3323183"/>
+            <a:off x="10364263" y="2708690"/>
             <a:ext cx="364221" cy="564098"/>
           </a:xfrm>
           <a:prstGeom prst="bentArrow">
@@ -6367,7 +7151,7 @@
         </p:nvSpPr>
         <p:spPr>
           <a:xfrm flipH="1">
-            <a:off x="10161912" y="2079384"/>
+            <a:off x="9990589" y="1597768"/>
             <a:ext cx="364221" cy="564098"/>
           </a:xfrm>
           <a:prstGeom prst="bentArrow">
@@ -6376,13 +7160,179 @@
         </p:spPr>
         <p:style>
           <a:lnRef idx="1">
-            <a:schemeClr val="accent3"/>
+            <a:schemeClr val="accent5"/>
           </a:lnRef>
           <a:fillRef idx="2">
-            <a:schemeClr val="accent3"/>
+            <a:schemeClr val="accent5"/>
           </a:fillRef>
           <a:effectRef idx="1">
-            <a:schemeClr val="accent3"/>
+            <a:schemeClr val="accent5"/>
+          </a:effectRef>
+          <a:fontRef idx="minor">
+            <a:schemeClr val="dk1"/>
+          </a:fontRef>
+        </p:style>
+        <p:txBody>
+          <a:bodyPr rtlCol="0" anchor="ctr"/>
+          <a:lstStyle/>
+          <a:p>
+            <a:pPr algn="ctr"/>
+            <a:endParaRPr lang="en-NL">
+              <a:solidFill>
+                <a:schemeClr val="tx1"/>
+              </a:solidFill>
+            </a:endParaRPr>
+          </a:p>
+        </p:txBody>
+      </p:sp>
+      <p:sp>
+        <p:nvSpPr>
+          <p:cNvPr id="20" name="Rectangle 19">
+            <a:extLst>
+              <a:ext uri="{FF2B5EF4-FFF2-40B4-BE49-F238E27FC236}">
+                <a16:creationId xmlns:a16="http://schemas.microsoft.com/office/drawing/2014/main" id="{46E01E21-A0A2-4984-9EBE-2956926BB3B5}"/>
+              </a:ext>
+            </a:extLst>
+          </p:cNvPr>
+          <p:cNvSpPr/>
+          <p:nvPr/>
+        </p:nvSpPr>
+        <p:spPr>
+          <a:xfrm>
+            <a:off x="7921666" y="4709341"/>
+            <a:ext cx="3171039" cy="1744909"/>
+          </a:xfrm>
+          <a:prstGeom prst="rect">
+            <a:avLst/>
+          </a:prstGeom>
+          <a:effectLst>
+            <a:outerShdw blurRad="50800" dist="63500" dir="13200000" algn="br" rotWithShape="0">
+              <a:prstClr val="black">
+                <a:alpha val="50000"/>
+              </a:prstClr>
+            </a:outerShdw>
+          </a:effectLst>
+        </p:spPr>
+        <p:style>
+          <a:lnRef idx="1">
+            <a:schemeClr val="accent6"/>
+          </a:lnRef>
+          <a:fillRef idx="2">
+            <a:schemeClr val="accent6"/>
+          </a:fillRef>
+          <a:effectRef idx="1">
+            <a:schemeClr val="accent6"/>
+          </a:effectRef>
+          <a:fontRef idx="minor">
+            <a:schemeClr val="dk1"/>
+          </a:fontRef>
+        </p:style>
+        <p:txBody>
+          <a:bodyPr rtlCol="0" anchor="t"/>
+          <a:lstStyle/>
+          <a:p>
+            <a:pPr algn="ctr"/>
+            <a:r>
+              <a:rPr lang="en-US" b="1" dirty="0" err="1"/>
+              <a:t>read_file</a:t>
+            </a:r>
+            <a:r>
+              <a:rPr lang="en-US" b="1" dirty="0"/>
+              <a:t>()</a:t>
+            </a:r>
+          </a:p>
+          <a:p>
+            <a:pPr algn="ctr"/>
+            <a:endParaRPr lang="en-US" dirty="0"/>
+          </a:p>
+          <a:p>
+            <a:r>
+              <a:rPr lang="en-US" sz="1600" dirty="0">
+                <a:latin typeface="Courier New" panose="02070309020205020404" pitchFamily="49" charset="0"/>
+                <a:cs typeface="Courier New" panose="02070309020205020404" pitchFamily="49" charset="0"/>
+              </a:rPr>
+              <a:t>  </a:t>
+            </a:r>
+            <a:r>
+              <a:rPr lang="en-US" sz="1600" dirty="0" err="1">
+                <a:latin typeface="Courier New" panose="02070309020205020404" pitchFamily="49" charset="0"/>
+                <a:cs typeface="Courier New" panose="02070309020205020404" pitchFamily="49" charset="0"/>
+              </a:rPr>
+              <a:t>pd.read_csv</a:t>
+            </a:r>
+            <a:r>
+              <a:rPr lang="en-US" sz="1600" dirty="0">
+                <a:latin typeface="Courier New" panose="02070309020205020404" pitchFamily="49" charset="0"/>
+                <a:cs typeface="Courier New" panose="02070309020205020404" pitchFamily="49" charset="0"/>
+              </a:rPr>
+              <a:t>(</a:t>
+            </a:r>
+          </a:p>
+          <a:p>
+            <a:r>
+              <a:rPr lang="en-US" sz="1600" dirty="0">
+                <a:latin typeface="Courier New" panose="02070309020205020404" pitchFamily="49" charset="0"/>
+                <a:cs typeface="Courier New" panose="02070309020205020404" pitchFamily="49" charset="0"/>
+              </a:rPr>
+              <a:t>    folder + </a:t>
+            </a:r>
+            <a:r>
+              <a:rPr lang="en-US" sz="1600" dirty="0" err="1">
+                <a:latin typeface="Courier New" panose="02070309020205020404" pitchFamily="49" charset="0"/>
+                <a:cs typeface="Courier New" panose="02070309020205020404" pitchFamily="49" charset="0"/>
+              </a:rPr>
+              <a:t>fname</a:t>
+            </a:r>
+            <a:endParaRPr lang="en-US" sz="1600" dirty="0">
+              <a:latin typeface="Courier New" panose="02070309020205020404" pitchFamily="49" charset="0"/>
+              <a:cs typeface="Courier New" panose="02070309020205020404" pitchFamily="49" charset="0"/>
+            </a:endParaRPr>
+          </a:p>
+          <a:p>
+            <a:r>
+              <a:rPr lang="en-US" sz="1600" dirty="0">
+                <a:latin typeface="Courier New" panose="02070309020205020404" pitchFamily="49" charset="0"/>
+                <a:cs typeface="Courier New" panose="02070309020205020404" pitchFamily="49" charset="0"/>
+              </a:rPr>
+              <a:t>  )</a:t>
+            </a:r>
+          </a:p>
+          <a:p>
+            <a:pPr algn="ctr"/>
+            <a:endParaRPr lang="en-NL" dirty="0"/>
+          </a:p>
+        </p:txBody>
+      </p:sp>
+      <p:sp>
+        <p:nvSpPr>
+          <p:cNvPr id="22" name="Arrow: Bent 21">
+            <a:extLst>
+              <a:ext uri="{FF2B5EF4-FFF2-40B4-BE49-F238E27FC236}">
+                <a16:creationId xmlns:a16="http://schemas.microsoft.com/office/drawing/2014/main" id="{A7F79F64-130B-4CE0-BEF2-2C485C4326C9}"/>
+              </a:ext>
+            </a:extLst>
+          </p:cNvPr>
+          <p:cNvSpPr/>
+          <p:nvPr/>
+        </p:nvSpPr>
+        <p:spPr>
+          <a:xfrm flipH="1">
+            <a:off x="10728484" y="4145243"/>
+            <a:ext cx="364221" cy="564098"/>
+          </a:xfrm>
+          <a:prstGeom prst="bentArrow">
+            <a:avLst/>
+          </a:prstGeom>
+        </p:spPr>
+        <p:style>
+          <a:lnRef idx="1">
+            <a:schemeClr val="accent6"/>
+          </a:lnRef>
+          <a:fillRef idx="2">
+            <a:schemeClr val="accent6"/>
+          </a:fillRef>
+          <a:effectRef idx="1">
+            <a:schemeClr val="accent6"/>
           </a:effectRef>
           <a:fontRef idx="minor">
             <a:schemeClr val="dk1"/>
@@ -6436,7 +7386,7 @@
           <p:cNvPr id="2" name="Title 1">
             <a:extLst>
               <a:ext uri="{FF2B5EF4-FFF2-40B4-BE49-F238E27FC236}">
-                <a16:creationId xmlns:a16="http://schemas.microsoft.com/office/drawing/2014/main" id="{D07690AC-E9C0-44D9-8EB9-6E70B6FBA573}"/>
+                <a16:creationId xmlns:a16="http://schemas.microsoft.com/office/drawing/2014/main" id="{11B81A73-6CA2-4E72-8086-A17DAF604345}"/>
               </a:ext>
             </a:extLst>
           </p:cNvPr>
@@ -6449,77 +7399,19 @@
         </p:nvSpPr>
         <p:spPr/>
         <p:txBody>
-          <a:bodyPr>
-            <a:normAutofit/>
-          </a:bodyPr>
-          <a:lstStyle/>
-          <a:p>
-            <a:r>
-              <a:rPr lang="nl-NL" sz="3600" dirty="0"/>
-              <a:t>Functies en </a:t>
-            </a:r>
-            <a:r>
-              <a:rPr lang="nl-NL" sz="3600" dirty="0" err="1"/>
-              <a:t>namespaces</a:t>
-            </a:r>
-            <a:endParaRPr lang="nl-NL" sz="3600" dirty="0"/>
-          </a:p>
-        </p:txBody>
-      </p:sp>
-      <p:sp>
-        <p:nvSpPr>
-          <p:cNvPr id="6" name="Rectangle 5">
-            <a:extLst>
-              <a:ext uri="{FF2B5EF4-FFF2-40B4-BE49-F238E27FC236}">
-                <a16:creationId xmlns:a16="http://schemas.microsoft.com/office/drawing/2014/main" id="{52F82DB0-A067-4E5E-BD2C-54BFFC9D8C11}"/>
-              </a:ext>
-            </a:extLst>
-          </p:cNvPr>
-          <p:cNvSpPr/>
-          <p:nvPr/>
-        </p:nvSpPr>
-        <p:spPr>
-          <a:xfrm>
-            <a:off x="7373923" y="1825625"/>
-            <a:ext cx="4308004" cy="4231226"/>
-          </a:xfrm>
-          <a:prstGeom prst="rect">
-            <a:avLst/>
-          </a:prstGeom>
-        </p:spPr>
-        <p:style>
-          <a:lnRef idx="1">
-            <a:schemeClr val="accent5"/>
-          </a:lnRef>
-          <a:fillRef idx="2">
-            <a:schemeClr val="accent5"/>
-          </a:fillRef>
-          <a:effectRef idx="1">
-            <a:schemeClr val="accent5"/>
-          </a:effectRef>
-          <a:fontRef idx="minor">
-            <a:schemeClr val="dk1"/>
-          </a:fontRef>
-        </p:style>
-        <p:txBody>
-          <a:bodyPr rtlCol="0" anchor="t"/>
-          <a:lstStyle/>
-          <a:p>
-            <a:pPr algn="ctr"/>
-            <a:r>
-              <a:rPr lang="en-US" dirty="0"/>
-              <a:t>__main__</a:t>
-            </a:r>
-            <a:endParaRPr lang="en-NL" dirty="0"/>
-          </a:p>
-        </p:txBody>
-      </p:sp>
-      <p:sp>
-        <p:nvSpPr>
-          <p:cNvPr id="11" name="Content Placeholder 2">
-            <a:extLst>
-              <a:ext uri="{FF2B5EF4-FFF2-40B4-BE49-F238E27FC236}">
-                <a16:creationId xmlns:a16="http://schemas.microsoft.com/office/drawing/2014/main" id="{BC213A8D-864F-4C2E-BC89-FF9BFF91B973}"/>
+          <a:bodyPr/>
+          <a:lstStyle/>
+          <a:p>
+            <a:endParaRPr lang="en-NL"/>
+          </a:p>
+        </p:txBody>
+      </p:sp>
+      <p:sp>
+        <p:nvSpPr>
+          <p:cNvPr id="3" name="Content Placeholder 2">
+            <a:extLst>
+              <a:ext uri="{FF2B5EF4-FFF2-40B4-BE49-F238E27FC236}">
+                <a16:creationId xmlns:a16="http://schemas.microsoft.com/office/drawing/2014/main" id="{15550610-2445-4076-83AE-2E3A0C4F9DF8}"/>
               </a:ext>
             </a:extLst>
           </p:cNvPr>
@@ -6530,490 +7422,19 @@
             <p:ph idx="1"/>
           </p:nvPr>
         </p:nvSpPr>
-        <p:spPr>
-          <a:xfrm>
-            <a:off x="838200" y="1825625"/>
-            <a:ext cx="6091106" cy="4667250"/>
-          </a:xfrm>
-        </p:spPr>
-        <p:txBody>
-          <a:bodyPr>
-            <a:normAutofit/>
-          </a:bodyPr>
-          <a:lstStyle/>
-          <a:p>
-            <a:pPr marL="0" indent="0">
-              <a:buNone/>
-            </a:pPr>
-            <a:r>
-              <a:rPr lang="nl-NL" sz="2400" dirty="0"/>
-              <a:t>Manieren om state mee te geven:</a:t>
-            </a:r>
-          </a:p>
-          <a:p>
-            <a:pPr>
-              <a:buFontTx/>
-              <a:buChar char="-"/>
-            </a:pPr>
-            <a:r>
-              <a:rPr lang="nl-NL" sz="2400" dirty="0"/>
-              <a:t>Impliciet: vanuit omvattende </a:t>
-            </a:r>
-            <a:r>
-              <a:rPr lang="nl-NL" sz="2400" dirty="0" err="1"/>
-              <a:t>namespaces</a:t>
-            </a:r>
-            <a:r>
-              <a:rPr lang="nl-NL" sz="2400" dirty="0"/>
-              <a:t>.</a:t>
-            </a:r>
-          </a:p>
-          <a:p>
-            <a:pPr>
-              <a:buFontTx/>
-              <a:buChar char="-"/>
-            </a:pPr>
-            <a:r>
-              <a:rPr lang="nl-NL" sz="2400" dirty="0"/>
-              <a:t>Expliciet: via functie argumenten.</a:t>
-            </a:r>
-          </a:p>
-          <a:p>
-            <a:pPr marL="0" indent="0">
-              <a:buNone/>
-            </a:pPr>
-            <a:endParaRPr lang="nl-NL" sz="2400" dirty="0"/>
-          </a:p>
-          <a:p>
-            <a:pPr marL="0" indent="0">
-              <a:buNone/>
-            </a:pPr>
-            <a:r>
-              <a:rPr lang="nl-NL" sz="2400" dirty="0"/>
-              <a:t>State teruggeven via een </a:t>
-            </a:r>
-            <a:r>
-              <a:rPr lang="nl-NL" sz="2400" dirty="0">
-                <a:highlight>
-                  <a:srgbClr val="C0C0C0"/>
-                </a:highlight>
-                <a:latin typeface="Courier New" panose="02070309020205020404" pitchFamily="49" charset="0"/>
-                <a:cs typeface="Courier New" panose="02070309020205020404" pitchFamily="49" charset="0"/>
-              </a:rPr>
-              <a:t>return</a:t>
-            </a:r>
-            <a:r>
-              <a:rPr lang="nl-NL" sz="2400" dirty="0"/>
-              <a:t> statement</a:t>
-            </a:r>
-          </a:p>
-          <a:p>
-            <a:pPr marL="0" indent="0">
-              <a:buNone/>
-            </a:pPr>
-            <a:endParaRPr lang="nl-NL" sz="2400" dirty="0"/>
-          </a:p>
-          <a:p>
-            <a:pPr marL="0" indent="0">
-              <a:buNone/>
-            </a:pPr>
-            <a:r>
-              <a:rPr lang="nl-NL" sz="2400" dirty="0"/>
-              <a:t>Functies maken </a:t>
-            </a:r>
-            <a:r>
-              <a:rPr lang="nl-NL" sz="2400" u="sng" dirty="0"/>
-              <a:t>tijdelijke</a:t>
-            </a:r>
-            <a:r>
-              <a:rPr lang="nl-NL" sz="2400" dirty="0"/>
-              <a:t> </a:t>
-            </a:r>
-            <a:r>
-              <a:rPr lang="nl-NL" sz="2400" dirty="0" err="1"/>
-              <a:t>namespace</a:t>
-            </a:r>
-            <a:r>
-              <a:rPr lang="nl-NL" sz="2400" dirty="0"/>
-              <a:t>:</a:t>
-            </a:r>
-          </a:p>
-          <a:p>
-            <a:pPr marL="0" indent="0">
-              <a:buNone/>
-            </a:pPr>
-            <a:r>
-              <a:rPr lang="nl-NL" sz="2400" dirty="0"/>
-              <a:t>State iedere keer opnieuw meegeven…</a:t>
-            </a:r>
-          </a:p>
-          <a:p>
-            <a:pPr marL="0" indent="0">
-              <a:buNone/>
-            </a:pPr>
-            <a:endParaRPr lang="nl-NL" sz="2400" dirty="0"/>
-          </a:p>
-          <a:p>
-            <a:pPr marL="0" indent="0">
-              <a:buNone/>
-            </a:pPr>
-            <a:endParaRPr lang="nl-NL" sz="2400" dirty="0"/>
-          </a:p>
-        </p:txBody>
-      </p:sp>
-      <p:sp>
-        <p:nvSpPr>
-          <p:cNvPr id="16" name="Rectangle 15">
-            <a:extLst>
-              <a:ext uri="{FF2B5EF4-FFF2-40B4-BE49-F238E27FC236}">
-                <a16:creationId xmlns:a16="http://schemas.microsoft.com/office/drawing/2014/main" id="{DA095A46-8AD5-4899-92B0-1CDACCA76BA9}"/>
-              </a:ext>
-            </a:extLst>
-          </p:cNvPr>
-          <p:cNvSpPr/>
-          <p:nvPr/>
-        </p:nvSpPr>
-        <p:spPr>
-          <a:xfrm>
-            <a:off x="7705288" y="2318261"/>
-            <a:ext cx="2026542" cy="419450"/>
-          </a:xfrm>
-          <a:prstGeom prst="rect">
-            <a:avLst/>
-          </a:prstGeom>
-        </p:spPr>
-        <p:style>
-          <a:lnRef idx="1">
-            <a:schemeClr val="accent6"/>
-          </a:lnRef>
-          <a:fillRef idx="2">
-            <a:schemeClr val="accent6"/>
-          </a:fillRef>
-          <a:effectRef idx="1">
-            <a:schemeClr val="accent6"/>
-          </a:effectRef>
-          <a:fontRef idx="minor">
-            <a:schemeClr val="dk1"/>
-          </a:fontRef>
-        </p:style>
-        <p:txBody>
-          <a:bodyPr rtlCol="0" anchor="ctr"/>
-          <a:lstStyle/>
-          <a:p>
-            <a:pPr algn="ctr"/>
-            <a:r>
-              <a:rPr lang="en-US" dirty="0"/>
-              <a:t>values[“A”, “a ”, “c”]</a:t>
-            </a:r>
-            <a:endParaRPr lang="en-NL" dirty="0"/>
-          </a:p>
-        </p:txBody>
-      </p:sp>
-      <p:sp>
-        <p:nvSpPr>
-          <p:cNvPr id="17" name="Rectangle 16">
-            <a:extLst>
-              <a:ext uri="{FF2B5EF4-FFF2-40B4-BE49-F238E27FC236}">
-                <a16:creationId xmlns:a16="http://schemas.microsoft.com/office/drawing/2014/main" id="{5E35D6EC-0C2B-4A09-9512-B6952CC7C51F}"/>
-              </a:ext>
-            </a:extLst>
-          </p:cNvPr>
-          <p:cNvSpPr/>
-          <p:nvPr/>
-        </p:nvSpPr>
-        <p:spPr>
-          <a:xfrm>
-            <a:off x="7705288" y="3477385"/>
-            <a:ext cx="3502018" cy="1137907"/>
-          </a:xfrm>
-          <a:prstGeom prst="rect">
-            <a:avLst/>
-          </a:prstGeom>
-          <a:effectLst>
-            <a:outerShdw blurRad="50800" dist="101600" dir="13200000" algn="r" rotWithShape="0">
-              <a:prstClr val="black">
-                <a:alpha val="50000"/>
-              </a:prstClr>
-            </a:outerShdw>
-          </a:effectLst>
-        </p:spPr>
-        <p:style>
-          <a:lnRef idx="1">
-            <a:schemeClr val="accent4"/>
-          </a:lnRef>
-          <a:fillRef idx="2">
-            <a:schemeClr val="accent4"/>
-          </a:fillRef>
-          <a:effectRef idx="1">
-            <a:schemeClr val="accent4"/>
-          </a:effectRef>
-          <a:fontRef idx="minor">
-            <a:schemeClr val="dk1"/>
-          </a:fontRef>
-        </p:style>
-        <p:txBody>
-          <a:bodyPr rtlCol="0" anchor="t"/>
-          <a:lstStyle/>
-          <a:p>
-            <a:r>
-              <a:rPr lang="en-US" dirty="0" err="1"/>
-              <a:t>count_category</a:t>
-            </a:r>
-            <a:r>
-              <a:rPr lang="en-US" dirty="0"/>
-              <a:t>(values, target)</a:t>
-            </a:r>
-          </a:p>
-          <a:p>
-            <a:r>
-              <a:rPr lang="en-US" dirty="0"/>
-              <a:t>    …</a:t>
-            </a:r>
-          </a:p>
-          <a:p>
-            <a:r>
-              <a:rPr lang="en-US" dirty="0"/>
-              <a:t>    return z</a:t>
-            </a:r>
-          </a:p>
-          <a:p>
-            <a:pPr algn="ctr"/>
-            <a:endParaRPr lang="en-NL" dirty="0"/>
-          </a:p>
-        </p:txBody>
-      </p:sp>
-      <p:sp>
-        <p:nvSpPr>
-          <p:cNvPr id="9" name="Rectangle 8">
-            <a:extLst>
-              <a:ext uri="{FF2B5EF4-FFF2-40B4-BE49-F238E27FC236}">
-                <a16:creationId xmlns:a16="http://schemas.microsoft.com/office/drawing/2014/main" id="{898DAA2D-524E-4234-B583-3CC9A5B47637}"/>
-              </a:ext>
-            </a:extLst>
-          </p:cNvPr>
-          <p:cNvSpPr/>
-          <p:nvPr/>
-        </p:nvSpPr>
-        <p:spPr>
-          <a:xfrm>
-            <a:off x="9941767" y="2318261"/>
-            <a:ext cx="1265538" cy="419450"/>
-          </a:xfrm>
-          <a:prstGeom prst="rect">
-            <a:avLst/>
-          </a:prstGeom>
-        </p:spPr>
-        <p:style>
-          <a:lnRef idx="1">
-            <a:schemeClr val="accent6"/>
-          </a:lnRef>
-          <a:fillRef idx="2">
-            <a:schemeClr val="accent6"/>
-          </a:fillRef>
-          <a:effectRef idx="1">
-            <a:schemeClr val="accent6"/>
-          </a:effectRef>
-          <a:fontRef idx="minor">
-            <a:schemeClr val="dk1"/>
-          </a:fontRef>
-        </p:style>
-        <p:txBody>
-          <a:bodyPr rtlCol="0" anchor="ctr"/>
-          <a:lstStyle/>
-          <a:p>
-            <a:pPr algn="ctr"/>
-            <a:r>
-              <a:rPr lang="en-US" dirty="0"/>
-              <a:t>target = “a”</a:t>
-            </a:r>
-            <a:endParaRPr lang="en-NL" dirty="0"/>
-          </a:p>
-        </p:txBody>
-      </p:sp>
-      <p:sp>
-        <p:nvSpPr>
-          <p:cNvPr id="13" name="Arrow: Down 12">
-            <a:extLst>
-              <a:ext uri="{FF2B5EF4-FFF2-40B4-BE49-F238E27FC236}">
-                <a16:creationId xmlns:a16="http://schemas.microsoft.com/office/drawing/2014/main" id="{BC972F5F-A8FD-4F0D-8C65-6BE07427765D}"/>
-              </a:ext>
-            </a:extLst>
-          </p:cNvPr>
-          <p:cNvSpPr/>
-          <p:nvPr/>
-        </p:nvSpPr>
-        <p:spPr>
-          <a:xfrm>
-            <a:off x="9387882" y="2737710"/>
-            <a:ext cx="343948" cy="835999"/>
-          </a:xfrm>
-          <a:prstGeom prst="downArrow">
-            <a:avLst/>
-          </a:prstGeom>
-        </p:spPr>
-        <p:style>
-          <a:lnRef idx="1">
-            <a:schemeClr val="accent6"/>
-          </a:lnRef>
-          <a:fillRef idx="2">
-            <a:schemeClr val="accent6"/>
-          </a:fillRef>
-          <a:effectRef idx="1">
-            <a:schemeClr val="accent6"/>
-          </a:effectRef>
-          <a:fontRef idx="minor">
-            <a:schemeClr val="dk1"/>
-          </a:fontRef>
-        </p:style>
-        <p:txBody>
-          <a:bodyPr rtlCol="0" anchor="ctr"/>
-          <a:lstStyle/>
-          <a:p>
-            <a:pPr algn="ctr"/>
-            <a:endParaRPr lang="en-NL" dirty="0"/>
-          </a:p>
-        </p:txBody>
-      </p:sp>
-      <p:sp>
-        <p:nvSpPr>
-          <p:cNvPr id="14" name="Arrow: Down 13">
-            <a:extLst>
-              <a:ext uri="{FF2B5EF4-FFF2-40B4-BE49-F238E27FC236}">
-                <a16:creationId xmlns:a16="http://schemas.microsoft.com/office/drawing/2014/main" id="{4BD02454-3442-426F-A187-62485D9B4CFF}"/>
-              </a:ext>
-            </a:extLst>
-          </p:cNvPr>
-          <p:cNvSpPr/>
-          <p:nvPr/>
-        </p:nvSpPr>
-        <p:spPr>
-          <a:xfrm>
-            <a:off x="10063195" y="2737710"/>
-            <a:ext cx="343948" cy="835999"/>
-          </a:xfrm>
-          <a:prstGeom prst="downArrow">
-            <a:avLst/>
-          </a:prstGeom>
-        </p:spPr>
-        <p:style>
-          <a:lnRef idx="1">
-            <a:schemeClr val="accent6"/>
-          </a:lnRef>
-          <a:fillRef idx="2">
-            <a:schemeClr val="accent6"/>
-          </a:fillRef>
-          <a:effectRef idx="1">
-            <a:schemeClr val="accent6"/>
-          </a:effectRef>
-          <a:fontRef idx="minor">
-            <a:schemeClr val="dk1"/>
-          </a:fontRef>
-        </p:style>
-        <p:txBody>
-          <a:bodyPr rtlCol="0" anchor="ctr"/>
-          <a:lstStyle/>
-          <a:p>
-            <a:pPr algn="ctr"/>
-            <a:endParaRPr lang="en-NL" dirty="0"/>
-          </a:p>
-        </p:txBody>
-      </p:sp>
-      <p:sp>
-        <p:nvSpPr>
-          <p:cNvPr id="15" name="Arrow: Down 14">
-            <a:extLst>
-              <a:ext uri="{FF2B5EF4-FFF2-40B4-BE49-F238E27FC236}">
-                <a16:creationId xmlns:a16="http://schemas.microsoft.com/office/drawing/2014/main" id="{88AB0615-F484-461F-8406-10518FD43967}"/>
-              </a:ext>
-            </a:extLst>
-          </p:cNvPr>
-          <p:cNvSpPr/>
-          <p:nvPr/>
-        </p:nvSpPr>
-        <p:spPr>
-          <a:xfrm>
-            <a:off x="9355951" y="4615292"/>
-            <a:ext cx="343948" cy="610177"/>
-          </a:xfrm>
-          <a:prstGeom prst="downArrow">
-            <a:avLst/>
-          </a:prstGeom>
-        </p:spPr>
-        <p:style>
-          <a:lnRef idx="1">
-            <a:schemeClr val="accent4"/>
-          </a:lnRef>
-          <a:fillRef idx="2">
-            <a:schemeClr val="accent4"/>
-          </a:fillRef>
-          <a:effectRef idx="1">
-            <a:schemeClr val="accent4"/>
-          </a:effectRef>
-          <a:fontRef idx="minor">
-            <a:schemeClr val="dk1"/>
-          </a:fontRef>
-        </p:style>
-        <p:txBody>
-          <a:bodyPr rtlCol="0" anchor="ctr"/>
-          <a:lstStyle/>
-          <a:p>
-            <a:pPr algn="ctr"/>
-            <a:endParaRPr lang="en-NL" dirty="0"/>
-          </a:p>
-        </p:txBody>
-      </p:sp>
-      <p:sp>
-        <p:nvSpPr>
-          <p:cNvPr id="22" name="Rectangle 21">
-            <a:extLst>
-              <a:ext uri="{FF2B5EF4-FFF2-40B4-BE49-F238E27FC236}">
-                <a16:creationId xmlns:a16="http://schemas.microsoft.com/office/drawing/2014/main" id="{2745BB0E-81B2-4548-A0EC-448418711C3D}"/>
-              </a:ext>
-            </a:extLst>
-          </p:cNvPr>
-          <p:cNvSpPr/>
-          <p:nvPr/>
-        </p:nvSpPr>
-        <p:spPr>
-          <a:xfrm>
-            <a:off x="8514654" y="5252376"/>
-            <a:ext cx="2026542" cy="419450"/>
-          </a:xfrm>
-          <a:prstGeom prst="rect">
-            <a:avLst/>
-          </a:prstGeom>
-        </p:spPr>
-        <p:style>
-          <a:lnRef idx="1">
-            <a:schemeClr val="accent6"/>
-          </a:lnRef>
-          <a:fillRef idx="2">
-            <a:schemeClr val="accent6"/>
-          </a:fillRef>
-          <a:effectRef idx="1">
-            <a:schemeClr val="accent6"/>
-          </a:effectRef>
-          <a:fontRef idx="minor">
-            <a:schemeClr val="dk1"/>
-          </a:fontRef>
-        </p:style>
-        <p:txBody>
-          <a:bodyPr rtlCol="0" anchor="ctr"/>
-          <a:lstStyle/>
-          <a:p>
-            <a:pPr algn="ctr"/>
-            <a:r>
-              <a:rPr lang="en-US" dirty="0"/>
-              <a:t>result</a:t>
-            </a:r>
-            <a:endParaRPr lang="en-NL" dirty="0"/>
+        <p:spPr/>
+        <p:txBody>
+          <a:bodyPr/>
+          <a:lstStyle/>
+          <a:p>
+            <a:endParaRPr lang="en-NL"/>
           </a:p>
         </p:txBody>
       </p:sp>
     </p:spTree>
     <p:extLst>
       <p:ext uri="{BB962C8B-B14F-4D97-AF65-F5344CB8AC3E}">
-        <p14:creationId xmlns:p14="http://schemas.microsoft.com/office/powerpoint/2010/main" val="2491391399"/>
+        <p14:creationId xmlns:p14="http://schemas.microsoft.com/office/powerpoint/2010/main" val="1953843566"/>
       </p:ext>
     </p:extLst>
   </p:cSld>
@@ -7065,7 +7486,624 @@
           <a:p>
             <a:r>
               <a:rPr lang="nl-NL" sz="3600" dirty="0"/>
-              <a:t>Objecten en </a:t>
+              <a:t>Functies en </a:t>
+            </a:r>
+            <a:r>
+              <a:rPr lang="nl-NL" sz="3600" dirty="0" err="1"/>
+              <a:t>namespaces</a:t>
+            </a:r>
+            <a:endParaRPr lang="nl-NL" sz="3600" dirty="0"/>
+          </a:p>
+        </p:txBody>
+      </p:sp>
+      <p:sp>
+        <p:nvSpPr>
+          <p:cNvPr id="6" name="Rectangle 5">
+            <a:extLst>
+              <a:ext uri="{FF2B5EF4-FFF2-40B4-BE49-F238E27FC236}">
+                <a16:creationId xmlns:a16="http://schemas.microsoft.com/office/drawing/2014/main" id="{52F82DB0-A067-4E5E-BD2C-54BFFC9D8C11}"/>
+              </a:ext>
+            </a:extLst>
+          </p:cNvPr>
+          <p:cNvSpPr/>
+          <p:nvPr/>
+        </p:nvSpPr>
+        <p:spPr>
+          <a:xfrm>
+            <a:off x="7373923" y="1825625"/>
+            <a:ext cx="4308004" cy="4231226"/>
+          </a:xfrm>
+          <a:prstGeom prst="rect">
+            <a:avLst/>
+          </a:prstGeom>
+        </p:spPr>
+        <p:style>
+          <a:lnRef idx="1">
+            <a:schemeClr val="accent5"/>
+          </a:lnRef>
+          <a:fillRef idx="2">
+            <a:schemeClr val="accent5"/>
+          </a:fillRef>
+          <a:effectRef idx="1">
+            <a:schemeClr val="accent5"/>
+          </a:effectRef>
+          <a:fontRef idx="minor">
+            <a:schemeClr val="dk1"/>
+          </a:fontRef>
+        </p:style>
+        <p:txBody>
+          <a:bodyPr rtlCol="0" anchor="t"/>
+          <a:lstStyle/>
+          <a:p>
+            <a:pPr algn="ctr"/>
+            <a:r>
+              <a:rPr lang="en-US" dirty="0"/>
+              <a:t>__main__</a:t>
+            </a:r>
+            <a:endParaRPr lang="en-NL" dirty="0"/>
+          </a:p>
+        </p:txBody>
+      </p:sp>
+      <p:sp>
+        <p:nvSpPr>
+          <p:cNvPr id="11" name="Content Placeholder 2">
+            <a:extLst>
+              <a:ext uri="{FF2B5EF4-FFF2-40B4-BE49-F238E27FC236}">
+                <a16:creationId xmlns:a16="http://schemas.microsoft.com/office/drawing/2014/main" id="{BC213A8D-864F-4C2E-BC89-FF9BFF91B973}"/>
+              </a:ext>
+            </a:extLst>
+          </p:cNvPr>
+          <p:cNvSpPr>
+            <a:spLocks noGrp="1"/>
+          </p:cNvSpPr>
+          <p:nvPr>
+            <p:ph idx="1"/>
+          </p:nvPr>
+        </p:nvSpPr>
+        <p:spPr>
+          <a:xfrm>
+            <a:off x="838200" y="1825625"/>
+            <a:ext cx="6091106" cy="4667250"/>
+          </a:xfrm>
+        </p:spPr>
+        <p:txBody>
+          <a:bodyPr>
+            <a:normAutofit/>
+          </a:bodyPr>
+          <a:lstStyle/>
+          <a:p>
+            <a:pPr marL="0" indent="0">
+              <a:buNone/>
+            </a:pPr>
+            <a:r>
+              <a:rPr lang="nl-NL" sz="2000" dirty="0"/>
+              <a:t>Manieren om state mee te geven:</a:t>
+            </a:r>
+          </a:p>
+          <a:p>
+            <a:pPr marL="0" indent="0">
+              <a:buNone/>
+            </a:pPr>
+            <a:endParaRPr lang="nl-NL" sz="2000" dirty="0"/>
+          </a:p>
+          <a:p>
+            <a:pPr>
+              <a:buFontTx/>
+              <a:buChar char="-"/>
+            </a:pPr>
+            <a:r>
+              <a:rPr lang="nl-NL" sz="2000" dirty="0"/>
+              <a:t>Impliciet:	uit omvattende </a:t>
+            </a:r>
+            <a:r>
+              <a:rPr lang="nl-NL" sz="2000" dirty="0" err="1"/>
+              <a:t>namespaces</a:t>
+            </a:r>
+            <a:r>
+              <a:rPr lang="nl-NL" sz="2000" dirty="0"/>
+              <a:t>.</a:t>
+            </a:r>
+          </a:p>
+          <a:p>
+            <a:pPr>
+              <a:buFontTx/>
+              <a:buChar char="-"/>
+            </a:pPr>
+            <a:r>
+              <a:rPr lang="nl-NL" sz="2000" dirty="0"/>
+              <a:t>Expliciet:	via argumenten.</a:t>
+            </a:r>
+          </a:p>
+          <a:p>
+            <a:pPr marL="0" indent="0">
+              <a:buNone/>
+            </a:pPr>
+            <a:endParaRPr lang="nl-NL" sz="2000" dirty="0"/>
+          </a:p>
+          <a:p>
+            <a:pPr marL="0" indent="0">
+              <a:buNone/>
+            </a:pPr>
+            <a:r>
+              <a:rPr lang="nl-NL" sz="2000" dirty="0"/>
+              <a:t>State teruggeven via een </a:t>
+            </a:r>
+            <a:r>
+              <a:rPr lang="nl-NL" sz="1600" dirty="0">
+                <a:latin typeface="Courier New" panose="02070309020205020404" pitchFamily="49" charset="0"/>
+                <a:cs typeface="Courier New" panose="02070309020205020404" pitchFamily="49" charset="0"/>
+              </a:rPr>
+              <a:t>return</a:t>
+            </a:r>
+            <a:r>
+              <a:rPr lang="nl-NL" sz="2000" dirty="0"/>
+              <a:t> statement</a:t>
+            </a:r>
+          </a:p>
+          <a:p>
+            <a:pPr marL="0" indent="0">
+              <a:buNone/>
+            </a:pPr>
+            <a:endParaRPr lang="nl-NL" sz="2000" dirty="0"/>
+          </a:p>
+          <a:p>
+            <a:pPr marL="0" indent="0">
+              <a:buNone/>
+            </a:pPr>
+            <a:r>
+              <a:rPr lang="nl-NL" sz="2000" dirty="0"/>
+              <a:t>Kan redelijk omslachtig zijn:</a:t>
+            </a:r>
+          </a:p>
+          <a:p>
+            <a:pPr>
+              <a:buFontTx/>
+              <a:buChar char="-"/>
+            </a:pPr>
+            <a:r>
+              <a:rPr lang="nl-NL" sz="2000" dirty="0"/>
+              <a:t>Iedere keer opnieuw meegeven.</a:t>
+            </a:r>
+          </a:p>
+          <a:p>
+            <a:pPr>
+              <a:buFontTx/>
+              <a:buChar char="-"/>
+            </a:pPr>
+            <a:r>
+              <a:rPr lang="nl-NL" sz="2000" dirty="0"/>
+              <a:t>Veel argumenten bij complexere functies.</a:t>
+            </a:r>
+          </a:p>
+          <a:p>
+            <a:pPr>
+              <a:buFontTx/>
+              <a:buChar char="-"/>
+            </a:pPr>
+            <a:r>
+              <a:rPr lang="nl-NL" sz="2000" dirty="0"/>
+              <a:t>Niet alle argumenten even vaak nodig.</a:t>
+            </a:r>
+          </a:p>
+          <a:p>
+            <a:pPr marL="0" indent="0">
+              <a:buNone/>
+            </a:pPr>
+            <a:endParaRPr lang="nl-NL" sz="2000" dirty="0"/>
+          </a:p>
+          <a:p>
+            <a:pPr marL="0" indent="0">
+              <a:buNone/>
+            </a:pPr>
+            <a:endParaRPr lang="nl-NL" sz="2000" dirty="0"/>
+          </a:p>
+        </p:txBody>
+      </p:sp>
+      <p:sp>
+        <p:nvSpPr>
+          <p:cNvPr id="16" name="Rectangle 15">
+            <a:extLst>
+              <a:ext uri="{FF2B5EF4-FFF2-40B4-BE49-F238E27FC236}">
+                <a16:creationId xmlns:a16="http://schemas.microsoft.com/office/drawing/2014/main" id="{DA095A46-8AD5-4899-92B0-1CDACCA76BA9}"/>
+              </a:ext>
+            </a:extLst>
+          </p:cNvPr>
+          <p:cNvSpPr/>
+          <p:nvPr/>
+        </p:nvSpPr>
+        <p:spPr>
+          <a:xfrm>
+            <a:off x="7705288" y="2601892"/>
+            <a:ext cx="1168125" cy="419450"/>
+          </a:xfrm>
+          <a:prstGeom prst="rect">
+            <a:avLst/>
+          </a:prstGeom>
+        </p:spPr>
+        <p:style>
+          <a:lnRef idx="1">
+            <a:schemeClr val="accent6"/>
+          </a:lnRef>
+          <a:fillRef idx="2">
+            <a:schemeClr val="accent6"/>
+          </a:fillRef>
+          <a:effectRef idx="1">
+            <a:schemeClr val="accent6"/>
+          </a:effectRef>
+          <a:fontRef idx="minor">
+            <a:schemeClr val="dk1"/>
+          </a:fontRef>
+        </p:style>
+        <p:txBody>
+          <a:bodyPr rtlCol="0" anchor="ctr"/>
+          <a:lstStyle/>
+          <a:p>
+            <a:pPr algn="ctr"/>
+            <a:r>
+              <a:rPr lang="en-US" dirty="0"/>
+              <a:t>df</a:t>
+            </a:r>
+            <a:endParaRPr lang="en-NL" dirty="0"/>
+          </a:p>
+        </p:txBody>
+      </p:sp>
+      <p:sp>
+        <p:nvSpPr>
+          <p:cNvPr id="17" name="Rectangle 16">
+            <a:extLst>
+              <a:ext uri="{FF2B5EF4-FFF2-40B4-BE49-F238E27FC236}">
+                <a16:creationId xmlns:a16="http://schemas.microsoft.com/office/drawing/2014/main" id="{5E35D6EC-0C2B-4A09-9512-B6952CC7C51F}"/>
+              </a:ext>
+            </a:extLst>
+          </p:cNvPr>
+          <p:cNvSpPr/>
+          <p:nvPr/>
+        </p:nvSpPr>
+        <p:spPr>
+          <a:xfrm>
+            <a:off x="7705288" y="3477385"/>
+            <a:ext cx="3502018" cy="1137907"/>
+          </a:xfrm>
+          <a:prstGeom prst="rect">
+            <a:avLst/>
+          </a:prstGeom>
+          <a:effectLst>
+            <a:outerShdw blurRad="50800" dist="63500" dir="13200000" algn="r" rotWithShape="0">
+              <a:prstClr val="black">
+                <a:alpha val="50000"/>
+              </a:prstClr>
+            </a:outerShdw>
+          </a:effectLst>
+        </p:spPr>
+        <p:style>
+          <a:lnRef idx="1">
+            <a:schemeClr val="accent4"/>
+          </a:lnRef>
+          <a:fillRef idx="2">
+            <a:schemeClr val="accent4"/>
+          </a:fillRef>
+          <a:effectRef idx="1">
+            <a:schemeClr val="accent4"/>
+          </a:effectRef>
+          <a:fontRef idx="minor">
+            <a:schemeClr val="dk1"/>
+          </a:fontRef>
+        </p:style>
+        <p:txBody>
+          <a:bodyPr rtlCol="0" anchor="t"/>
+          <a:lstStyle/>
+          <a:p>
+            <a:r>
+              <a:rPr lang="en-US" dirty="0" err="1"/>
+              <a:t>plot_hist</a:t>
+            </a:r>
+            <a:r>
+              <a:rPr lang="en-US" dirty="0"/>
+              <a:t>(df, bins, groups, colors, …)</a:t>
+            </a:r>
+          </a:p>
+          <a:p>
+            <a:r>
+              <a:rPr lang="en-US" dirty="0"/>
+              <a:t>    …</a:t>
+            </a:r>
+          </a:p>
+          <a:p>
+            <a:r>
+              <a:rPr lang="en-US" dirty="0"/>
+              <a:t>    return plot</a:t>
+            </a:r>
+          </a:p>
+          <a:p>
+            <a:pPr algn="ctr"/>
+            <a:endParaRPr lang="en-NL" dirty="0"/>
+          </a:p>
+        </p:txBody>
+      </p:sp>
+      <p:sp>
+        <p:nvSpPr>
+          <p:cNvPr id="9" name="Rectangle 8">
+            <a:extLst>
+              <a:ext uri="{FF2B5EF4-FFF2-40B4-BE49-F238E27FC236}">
+                <a16:creationId xmlns:a16="http://schemas.microsoft.com/office/drawing/2014/main" id="{898DAA2D-524E-4234-B583-3CC9A5B47637}"/>
+              </a:ext>
+            </a:extLst>
+          </p:cNvPr>
+          <p:cNvSpPr/>
+          <p:nvPr/>
+        </p:nvSpPr>
+        <p:spPr>
+          <a:xfrm>
+            <a:off x="9067130" y="2601892"/>
+            <a:ext cx="1265538" cy="419450"/>
+          </a:xfrm>
+          <a:prstGeom prst="rect">
+            <a:avLst/>
+          </a:prstGeom>
+        </p:spPr>
+        <p:style>
+          <a:lnRef idx="1">
+            <a:schemeClr val="accent6"/>
+          </a:lnRef>
+          <a:fillRef idx="2">
+            <a:schemeClr val="accent6"/>
+          </a:fillRef>
+          <a:effectRef idx="1">
+            <a:schemeClr val="accent6"/>
+          </a:effectRef>
+          <a:fontRef idx="minor">
+            <a:schemeClr val="dk1"/>
+          </a:fontRef>
+        </p:style>
+        <p:txBody>
+          <a:bodyPr rtlCol="0" anchor="ctr"/>
+          <a:lstStyle/>
+          <a:p>
+            <a:pPr algn="ctr"/>
+            <a:r>
+              <a:rPr lang="en-US" dirty="0"/>
+              <a:t>bins = 20</a:t>
+            </a:r>
+            <a:endParaRPr lang="en-NL" dirty="0"/>
+          </a:p>
+        </p:txBody>
+      </p:sp>
+      <p:sp>
+        <p:nvSpPr>
+          <p:cNvPr id="13" name="Arrow: Down 12">
+            <a:extLst>
+              <a:ext uri="{FF2B5EF4-FFF2-40B4-BE49-F238E27FC236}">
+                <a16:creationId xmlns:a16="http://schemas.microsoft.com/office/drawing/2014/main" id="{BC972F5F-A8FD-4F0D-8C65-6BE07427765D}"/>
+              </a:ext>
+            </a:extLst>
+          </p:cNvPr>
+          <p:cNvSpPr/>
+          <p:nvPr/>
+        </p:nvSpPr>
+        <p:spPr>
+          <a:xfrm>
+            <a:off x="8616437" y="3021341"/>
+            <a:ext cx="343948" cy="552367"/>
+          </a:xfrm>
+          <a:prstGeom prst="downArrow">
+            <a:avLst/>
+          </a:prstGeom>
+        </p:spPr>
+        <p:style>
+          <a:lnRef idx="1">
+            <a:schemeClr val="accent6"/>
+          </a:lnRef>
+          <a:fillRef idx="2">
+            <a:schemeClr val="accent6"/>
+          </a:fillRef>
+          <a:effectRef idx="1">
+            <a:schemeClr val="accent6"/>
+          </a:effectRef>
+          <a:fontRef idx="minor">
+            <a:schemeClr val="dk1"/>
+          </a:fontRef>
+        </p:style>
+        <p:txBody>
+          <a:bodyPr rtlCol="0" anchor="ctr"/>
+          <a:lstStyle/>
+          <a:p>
+            <a:pPr algn="ctr"/>
+            <a:endParaRPr lang="en-NL" dirty="0"/>
+          </a:p>
+        </p:txBody>
+      </p:sp>
+      <p:sp>
+        <p:nvSpPr>
+          <p:cNvPr id="14" name="Arrow: Down 13">
+            <a:extLst>
+              <a:ext uri="{FF2B5EF4-FFF2-40B4-BE49-F238E27FC236}">
+                <a16:creationId xmlns:a16="http://schemas.microsoft.com/office/drawing/2014/main" id="{4BD02454-3442-426F-A187-62485D9B4CFF}"/>
+              </a:ext>
+            </a:extLst>
+          </p:cNvPr>
+          <p:cNvSpPr/>
+          <p:nvPr/>
+        </p:nvSpPr>
+        <p:spPr>
+          <a:xfrm>
+            <a:off x="8988397" y="3021341"/>
+            <a:ext cx="343948" cy="552367"/>
+          </a:xfrm>
+          <a:prstGeom prst="downArrow">
+            <a:avLst/>
+          </a:prstGeom>
+        </p:spPr>
+        <p:style>
+          <a:lnRef idx="1">
+            <a:schemeClr val="accent6"/>
+          </a:lnRef>
+          <a:fillRef idx="2">
+            <a:schemeClr val="accent6"/>
+          </a:fillRef>
+          <a:effectRef idx="1">
+            <a:schemeClr val="accent6"/>
+          </a:effectRef>
+          <a:fontRef idx="minor">
+            <a:schemeClr val="dk1"/>
+          </a:fontRef>
+        </p:style>
+        <p:txBody>
+          <a:bodyPr rtlCol="0" anchor="ctr"/>
+          <a:lstStyle/>
+          <a:p>
+            <a:pPr algn="ctr"/>
+            <a:endParaRPr lang="en-NL" dirty="0"/>
+          </a:p>
+        </p:txBody>
+      </p:sp>
+      <p:sp>
+        <p:nvSpPr>
+          <p:cNvPr id="15" name="Arrow: Down 14">
+            <a:extLst>
+              <a:ext uri="{FF2B5EF4-FFF2-40B4-BE49-F238E27FC236}">
+                <a16:creationId xmlns:a16="http://schemas.microsoft.com/office/drawing/2014/main" id="{88AB0615-F484-461F-8406-10518FD43967}"/>
+              </a:ext>
+            </a:extLst>
+          </p:cNvPr>
+          <p:cNvSpPr/>
+          <p:nvPr/>
+        </p:nvSpPr>
+        <p:spPr>
+          <a:xfrm>
+            <a:off x="9355951" y="4615292"/>
+            <a:ext cx="343948" cy="456043"/>
+          </a:xfrm>
+          <a:prstGeom prst="downArrow">
+            <a:avLst/>
+          </a:prstGeom>
+        </p:spPr>
+        <p:style>
+          <a:lnRef idx="1">
+            <a:schemeClr val="accent4"/>
+          </a:lnRef>
+          <a:fillRef idx="2">
+            <a:schemeClr val="accent4"/>
+          </a:fillRef>
+          <a:effectRef idx="1">
+            <a:schemeClr val="accent4"/>
+          </a:effectRef>
+          <a:fontRef idx="minor">
+            <a:schemeClr val="dk1"/>
+          </a:fontRef>
+        </p:style>
+        <p:txBody>
+          <a:bodyPr rtlCol="0" anchor="ctr"/>
+          <a:lstStyle/>
+          <a:p>
+            <a:pPr algn="ctr"/>
+            <a:endParaRPr lang="en-NL" dirty="0"/>
+          </a:p>
+        </p:txBody>
+      </p:sp>
+      <p:sp>
+        <p:nvSpPr>
+          <p:cNvPr id="22" name="Rectangle 21">
+            <a:extLst>
+              <a:ext uri="{FF2B5EF4-FFF2-40B4-BE49-F238E27FC236}">
+                <a16:creationId xmlns:a16="http://schemas.microsoft.com/office/drawing/2014/main" id="{2745BB0E-81B2-4548-A0EC-448418711C3D}"/>
+              </a:ext>
+            </a:extLst>
+          </p:cNvPr>
+          <p:cNvSpPr/>
+          <p:nvPr/>
+        </p:nvSpPr>
+        <p:spPr>
+          <a:xfrm>
+            <a:off x="8616437" y="5071335"/>
+            <a:ext cx="2026542" cy="419450"/>
+          </a:xfrm>
+          <a:prstGeom prst="rect">
+            <a:avLst/>
+          </a:prstGeom>
+        </p:spPr>
+        <p:style>
+          <a:lnRef idx="1">
+            <a:schemeClr val="accent6"/>
+          </a:lnRef>
+          <a:fillRef idx="2">
+            <a:schemeClr val="accent6"/>
+          </a:fillRef>
+          <a:effectRef idx="1">
+            <a:schemeClr val="accent6"/>
+          </a:effectRef>
+          <a:fontRef idx="minor">
+            <a:schemeClr val="dk1"/>
+          </a:fontRef>
+        </p:style>
+        <p:txBody>
+          <a:bodyPr rtlCol="0" anchor="ctr"/>
+          <a:lstStyle/>
+          <a:p>
+            <a:pPr algn="ctr"/>
+            <a:r>
+              <a:rPr lang="en-US" dirty="0"/>
+              <a:t>plot</a:t>
+            </a:r>
+            <a:endParaRPr lang="en-NL" dirty="0"/>
+          </a:p>
+        </p:txBody>
+      </p:sp>
+    </p:spTree>
+    <p:extLst>
+      <p:ext uri="{BB962C8B-B14F-4D97-AF65-F5344CB8AC3E}">
+        <p14:creationId xmlns:p14="http://schemas.microsoft.com/office/powerpoint/2010/main" val="2491391399"/>
+      </p:ext>
+    </p:extLst>
+  </p:cSld>
+  <p:clrMapOvr>
+    <a:masterClrMapping/>
+  </p:clrMapOvr>
+</p:sld>
+</file>
+
+<file path=ppt/slides/slide9.xml><?xml version="1.0" encoding="utf-8"?>
+<p:sld xmlns:a="http://schemas.openxmlformats.org/drawingml/2006/main" xmlns:r="http://schemas.openxmlformats.org/officeDocument/2006/relationships" xmlns:p="http://schemas.openxmlformats.org/presentationml/2006/main">
+  <p:cSld>
+    <p:spTree>
+      <p:nvGrpSpPr>
+        <p:cNvPr id="1" name=""/>
+        <p:cNvGrpSpPr/>
+        <p:nvPr/>
+      </p:nvGrpSpPr>
+      <p:grpSpPr>
+        <a:xfrm>
+          <a:off x="0" y="0"/>
+          <a:ext cx="0" cy="0"/>
+          <a:chOff x="0" y="0"/>
+          <a:chExt cx="0" cy="0"/>
+        </a:xfrm>
+      </p:grpSpPr>
+      <p:sp>
+        <p:nvSpPr>
+          <p:cNvPr id="2" name="Title 1">
+            <a:extLst>
+              <a:ext uri="{FF2B5EF4-FFF2-40B4-BE49-F238E27FC236}">
+                <a16:creationId xmlns:a16="http://schemas.microsoft.com/office/drawing/2014/main" id="{D07690AC-E9C0-44D9-8EB9-6E70B6FBA573}"/>
+              </a:ext>
+            </a:extLst>
+          </p:cNvPr>
+          <p:cNvSpPr>
+            <a:spLocks noGrp="1"/>
+          </p:cNvSpPr>
+          <p:nvPr>
+            <p:ph type="title"/>
+          </p:nvPr>
+        </p:nvSpPr>
+        <p:spPr/>
+        <p:txBody>
+          <a:bodyPr>
+            <a:normAutofit/>
+          </a:bodyPr>
+          <a:lstStyle/>
+          <a:p>
+            <a:r>
+              <a:rPr lang="nl-NL" sz="3600" dirty="0"/>
+              <a:t>Classes en </a:t>
             </a:r>
             <a:r>
               <a:rPr lang="nl-NL" sz="3600" dirty="0" err="1"/>
@@ -7156,15 +8194,7 @@
             </a:pPr>
             <a:r>
               <a:rPr lang="nl-NL" sz="2400" dirty="0"/>
-              <a:t>Objecten maken eigen </a:t>
-            </a:r>
-            <a:r>
-              <a:rPr lang="nl-NL" sz="2400" dirty="0" err="1"/>
-              <a:t>namespace</a:t>
-            </a:r>
-            <a:r>
-              <a:rPr lang="nl-NL" sz="2400" dirty="0"/>
-              <a:t>.</a:t>
+              <a:t>Voordelen van classes:</a:t>
             </a:r>
           </a:p>
           <a:p>
@@ -7180,15 +8210,15 @@
             </a:pPr>
             <a:r>
               <a:rPr lang="nl-NL" sz="2400" dirty="0"/>
-              <a:t>Meestal aangeduid met “</a:t>
+              <a:t>Bundelen van state en </a:t>
             </a:r>
             <a:r>
               <a:rPr lang="nl-NL" sz="2400" dirty="0" err="1"/>
-              <a:t>self</a:t>
+              <a:t>behavior</a:t>
             </a:r>
             <a:r>
               <a:rPr lang="nl-NL" sz="2400" dirty="0"/>
-              <a:t>”.</a:t>
+              <a:t>.</a:t>
             </a:r>
           </a:p>
           <a:p>
@@ -7204,15 +8234,23 @@
             </a:pPr>
             <a:r>
               <a:rPr lang="nl-NL" sz="2400" dirty="0"/>
-              <a:t>Bundelen van “state” en “</a:t>
+              <a:t>Eigen </a:t>
             </a:r>
             <a:r>
               <a:rPr lang="nl-NL" sz="2400" dirty="0" err="1"/>
-              <a:t>behavior</a:t>
+              <a:t>namespace</a:t>
             </a:r>
             <a:r>
               <a:rPr lang="nl-NL" sz="2400" dirty="0"/>
-              <a:t>”.</a:t>
+              <a:t>; aangeduid met </a:t>
+            </a:r>
+            <a:r>
+              <a:rPr lang="nl-NL" sz="2400" dirty="0" err="1"/>
+              <a:t>self</a:t>
+            </a:r>
+            <a:r>
+              <a:rPr lang="nl-NL" sz="2400" dirty="0"/>
+              <a:t>.</a:t>
             </a:r>
           </a:p>
           <a:p>
@@ -7229,22 +8267,25 @@
             </a:pPr>
             <a:r>
               <a:rPr lang="nl-NL" sz="2400" dirty="0"/>
-              <a:t>Kan meerdere “</a:t>
-            </a:r>
-            <a:r>
-              <a:rPr lang="nl-NL" sz="2400" dirty="0" err="1"/>
-              <a:t>behaviors</a:t>
-            </a:r>
+              <a:t>Meerdere functies / methodes hebben toegang tot dezelfde state.</a:t>
+            </a:r>
+          </a:p>
+          <a:p>
+            <a:pPr>
+              <a:buFontTx/>
+              <a:buChar char="-"/>
+            </a:pPr>
+            <a:endParaRPr lang="nl-NL" sz="2400" dirty="0"/>
+          </a:p>
+          <a:p>
+            <a:pPr>
+              <a:buFontTx/>
+              <a:buChar char="-"/>
+            </a:pPr>
             <a:r>
               <a:rPr lang="nl-NL" sz="2400" dirty="0"/>
-              <a:t>” omvatten.</a:t>
-            </a:r>
-          </a:p>
-          <a:p>
-            <a:pPr marL="0" indent="0">
-              <a:buNone/>
-            </a:pPr>
-            <a:endParaRPr lang="nl-NL" sz="2400" dirty="0"/>
+              <a:t>Houdt interactie overzichtelijk.</a:t>
+            </a:r>
           </a:p>
         </p:txBody>
       </p:sp>
@@ -7269,7 +8310,7 @@
             <a:avLst/>
           </a:prstGeom>
           <a:effectLst>
-            <a:outerShdw blurRad="50800" dist="101600" dir="13200000" algn="r" rotWithShape="0">
+            <a:outerShdw blurRad="50800" dist="63500" dir="13200000" algn="r" rotWithShape="0">
               <a:prstClr val="black">
                 <a:alpha val="50000"/>
               </a:prstClr>
@@ -7296,9 +8337,10 @@
           <a:p>
             <a:pPr algn="ctr"/>
             <a:r>
-              <a:rPr lang="en-US" dirty="0"/>
-              <a:t>Person</a:t>
-            </a:r>
+              <a:rPr lang="en-US" dirty="0" err="1"/>
+              <a:t>HistPlotter</a:t>
+            </a:r>
+            <a:endParaRPr lang="en-US" dirty="0"/>
           </a:p>
           <a:p>
             <a:pPr algn="ctr"/>
@@ -7352,7 +8394,7 @@
             <a:pPr algn="ctr"/>
             <a:r>
               <a:rPr lang="en-US" dirty="0"/>
-              <a:t>_name</a:t>
+              <a:t>bins = 20</a:t>
             </a:r>
             <a:endParaRPr lang="en-NL" dirty="0"/>
           </a:p>
@@ -7400,7 +8442,7 @@
             <a:pPr algn="ctr"/>
             <a:r>
               <a:rPr lang="en-US" dirty="0"/>
-              <a:t>_age</a:t>
+              <a:t>colors = […]</a:t>
             </a:r>
             <a:endParaRPr lang="en-NL" dirty="0"/>
           </a:p>
@@ -7447,12 +8489,8 @@
           <a:p>
             <a:pPr algn="ctr"/>
             <a:r>
-              <a:rPr lang="en-US" dirty="0" err="1"/>
-              <a:t>say_hi</a:t>
-            </a:r>
-            <a:r>
               <a:rPr lang="en-US" dirty="0"/>
-              <a:t>(self)</a:t>
+              <a:t>plot()</a:t>
             </a:r>
             <a:endParaRPr lang="en-NL" dirty="0"/>
           </a:p>
@@ -7500,11 +8538,11 @@
             <a:pPr algn="ctr"/>
             <a:r>
               <a:rPr lang="en-US" dirty="0" err="1"/>
-              <a:t>is_adult</a:t>
+              <a:t>set_colors</a:t>
             </a:r>
             <a:r>
               <a:rPr lang="en-US" dirty="0"/>
-              <a:t>(self)</a:t>
+              <a:t>(…)</a:t>
             </a:r>
             <a:endParaRPr lang="en-NL" dirty="0"/>
           </a:p>

--- a/objects/python_objects.pptx
+++ b/objects/python_objects.pptx
@@ -3464,56 +3464,6 @@
           <a:chExt cx="0" cy="0"/>
         </a:xfrm>
       </p:grpSpPr>
-      <p:sp>
-        <p:nvSpPr>
-          <p:cNvPr id="2" name="Title 1">
-            <a:extLst>
-              <a:ext uri="{FF2B5EF4-FFF2-40B4-BE49-F238E27FC236}">
-                <a16:creationId xmlns:a16="http://schemas.microsoft.com/office/drawing/2014/main" id="{11B81A73-6CA2-4E72-8086-A17DAF604345}"/>
-              </a:ext>
-            </a:extLst>
-          </p:cNvPr>
-          <p:cNvSpPr>
-            <a:spLocks noGrp="1"/>
-          </p:cNvSpPr>
-          <p:nvPr>
-            <p:ph type="title"/>
-          </p:nvPr>
-        </p:nvSpPr>
-        <p:spPr/>
-        <p:txBody>
-          <a:bodyPr/>
-          <a:lstStyle/>
-          <a:p>
-            <a:endParaRPr lang="en-NL"/>
-          </a:p>
-        </p:txBody>
-      </p:sp>
-      <p:sp>
-        <p:nvSpPr>
-          <p:cNvPr id="3" name="Content Placeholder 2">
-            <a:extLst>
-              <a:ext uri="{FF2B5EF4-FFF2-40B4-BE49-F238E27FC236}">
-                <a16:creationId xmlns:a16="http://schemas.microsoft.com/office/drawing/2014/main" id="{15550610-2445-4076-83AE-2E3A0C4F9DF8}"/>
-              </a:ext>
-            </a:extLst>
-          </p:cNvPr>
-          <p:cNvSpPr>
-            <a:spLocks noGrp="1"/>
-          </p:cNvSpPr>
-          <p:nvPr>
-            <p:ph idx="1"/>
-          </p:nvPr>
-        </p:nvSpPr>
-        <p:spPr/>
-        <p:txBody>
-          <a:bodyPr/>
-          <a:lstStyle/>
-          <a:p>
-            <a:endParaRPr lang="en-NL"/>
-          </a:p>
-        </p:txBody>
-      </p:sp>
     </p:spTree>
     <p:extLst>
       <p:ext uri="{BB962C8B-B14F-4D97-AF65-F5344CB8AC3E}">
@@ -4660,7 +4610,7 @@
         <p:spPr/>
         <p:txBody>
           <a:bodyPr>
-            <a:normAutofit fontScale="85000" lnSpcReduction="20000"/>
+            <a:noAutofit/>
           </a:bodyPr>
           <a:lstStyle/>
           <a:p>
@@ -4669,8 +4619,8 @@
               <a:buChar char="-"/>
             </a:pPr>
             <a:r>
-              <a:rPr lang="en-US" dirty="0"/>
-              <a:t>Benefits of objects (cf. functions)</a:t>
+              <a:rPr lang="nl-NL" sz="2000" dirty="0"/>
+              <a:t>Introductie: concepten</a:t>
             </a:r>
           </a:p>
           <a:p>
@@ -4679,8 +4629,24 @@
               <a:buChar char="-"/>
             </a:pPr>
             <a:r>
-              <a:rPr lang="en-US" dirty="0"/>
-              <a:t>State vs Behavior </a:t>
+              <a:rPr lang="nl-NL" sz="1600" dirty="0"/>
+              <a:t>State </a:t>
+            </a:r>
+            <a:r>
+              <a:rPr lang="nl-NL" sz="1600" dirty="0" err="1"/>
+              <a:t>vs</a:t>
+            </a:r>
+            <a:r>
+              <a:rPr lang="nl-NL" sz="1600" dirty="0"/>
+              <a:t> </a:t>
+            </a:r>
+            <a:r>
+              <a:rPr lang="nl-NL" sz="1600" dirty="0" err="1"/>
+              <a:t>Behavior</a:t>
+            </a:r>
+            <a:r>
+              <a:rPr lang="nl-NL" sz="1600" dirty="0"/>
+              <a:t> </a:t>
             </a:r>
           </a:p>
           <a:p>
@@ -4689,15 +4655,16 @@
               <a:buChar char="-"/>
             </a:pPr>
             <a:r>
-              <a:rPr lang="en-US" dirty="0"/>
+              <a:rPr lang="nl-NL" sz="1600" dirty="0" err="1"/>
               <a:t>Namespaces</a:t>
             </a:r>
+            <a:endParaRPr lang="nl-NL" sz="1600" dirty="0"/>
           </a:p>
           <a:p>
             <a:pPr marL="457200" lvl="1" indent="0">
               <a:buNone/>
             </a:pPr>
-            <a:endParaRPr lang="en-US" dirty="0"/>
+            <a:endParaRPr lang="nl-NL" sz="2000" dirty="0"/>
           </a:p>
           <a:p>
             <a:pPr>
@@ -4705,8 +4672,8 @@
               <a:buChar char="-"/>
             </a:pPr>
             <a:r>
-              <a:rPr lang="en-US" dirty="0"/>
-              <a:t>Objects and protocols</a:t>
+              <a:rPr lang="nl-NL" sz="2000" dirty="0"/>
+              <a:t>Objecten en data model</a:t>
             </a:r>
           </a:p>
           <a:p>
@@ -4715,8 +4682,8 @@
               <a:buChar char="-"/>
             </a:pPr>
             <a:r>
-              <a:rPr lang="en-US" dirty="0"/>
-              <a:t>Python’s data model</a:t>
+              <a:rPr lang="nl-NL" sz="1600" dirty="0"/>
+              <a:t>Objecten, attributen, methodes</a:t>
             </a:r>
           </a:p>
           <a:p>
@@ -4725,19 +4692,15 @@
               <a:buChar char="-"/>
             </a:pPr>
             <a:r>
-              <a:rPr lang="en-US" dirty="0" err="1"/>
-              <a:t>Dunder</a:t>
-            </a:r>
-            <a:r>
-              <a:rPr lang="en-US" dirty="0"/>
-              <a:t> methods</a:t>
+              <a:rPr lang="nl-NL" sz="1600" dirty="0"/>
+              <a:t>“Magische” methodes</a:t>
             </a:r>
           </a:p>
           <a:p>
             <a:pPr marL="0" indent="0">
               <a:buNone/>
             </a:pPr>
-            <a:endParaRPr lang="en-US" dirty="0"/>
+            <a:endParaRPr lang="nl-NL" sz="2000" dirty="0"/>
           </a:p>
           <a:p>
             <a:pPr>
@@ -4745,8 +4708,8 @@
               <a:buChar char="-"/>
             </a:pPr>
             <a:r>
-              <a:rPr lang="en-US" dirty="0"/>
-              <a:t>Methods and method types</a:t>
+              <a:rPr lang="nl-NL" sz="2000" dirty="0"/>
+              <a:t>Attributen afschermen en types methoden</a:t>
             </a:r>
           </a:p>
           <a:p>
@@ -4755,8 +4718,8 @@
               <a:buChar char="-"/>
             </a:pPr>
             <a:r>
-              <a:rPr lang="en-US" dirty="0"/>
-              <a:t>Private / protected methods</a:t>
+              <a:rPr lang="nl-NL" sz="1600" dirty="0"/>
+              <a:t>Publieke, private en beschermde attributen</a:t>
             </a:r>
           </a:p>
           <a:p>
@@ -4765,15 +4728,16 @@
               <a:buChar char="-"/>
             </a:pPr>
             <a:r>
-              <a:rPr lang="en-US" dirty="0"/>
-              <a:t>Static methods and class methods</a:t>
-            </a:r>
-          </a:p>
-          <a:p>
-            <a:pPr marL="0" indent="0">
-              <a:buNone/>
-            </a:pPr>
-            <a:endParaRPr lang="en-US" dirty="0"/>
+              <a:rPr lang="nl-NL" sz="1600" dirty="0"/>
+              <a:t>Statische en klasse methodes</a:t>
+            </a:r>
+          </a:p>
+          <a:p>
+            <a:pPr lvl="1">
+              <a:buFontTx/>
+              <a:buChar char="-"/>
+            </a:pPr>
+            <a:endParaRPr lang="nl-NL" sz="2000" dirty="0"/>
           </a:p>
           <a:p>
             <a:pPr>
@@ -4781,16 +4745,9 @@
               <a:buChar char="-"/>
             </a:pPr>
             <a:r>
-              <a:rPr lang="en-US" dirty="0"/>
-              <a:t>Class inheritance</a:t>
-            </a:r>
-          </a:p>
-          <a:p>
-            <a:pPr lvl="1">
-              <a:buFontTx/>
-              <a:buChar char="-"/>
-            </a:pPr>
-            <a:endParaRPr lang="en-US" dirty="0"/>
+              <a:rPr lang="nl-NL" sz="2000" dirty="0"/>
+              <a:t>Afgeleide objecten en overerving</a:t>
+            </a:r>
           </a:p>
         </p:txBody>
       </p:sp>
@@ -4859,228 +4816,6 @@
       </p:sp>
       <p:sp>
         <p:nvSpPr>
-          <p:cNvPr id="3" name="Content Placeholder 2">
-            <a:extLst>
-              <a:ext uri="{FF2B5EF4-FFF2-40B4-BE49-F238E27FC236}">
-                <a16:creationId xmlns:a16="http://schemas.microsoft.com/office/drawing/2014/main" id="{1B2B2B7D-DF33-4531-87B4-A54029F3FD2E}"/>
-              </a:ext>
-            </a:extLst>
-          </p:cNvPr>
-          <p:cNvSpPr>
-            <a:spLocks noGrp="1"/>
-          </p:cNvSpPr>
-          <p:nvPr>
-            <p:ph idx="1"/>
-          </p:nvPr>
-        </p:nvSpPr>
-        <p:spPr>
-          <a:xfrm>
-            <a:off x="877503" y="1674419"/>
-            <a:ext cx="4530754" cy="4818456"/>
-          </a:xfrm>
-        </p:spPr>
-        <p:txBody>
-          <a:bodyPr>
-            <a:normAutofit/>
-          </a:bodyPr>
-          <a:lstStyle/>
-          <a:p>
-            <a:pPr marL="0" indent="0">
-              <a:spcBef>
-                <a:spcPts val="0"/>
-              </a:spcBef>
-              <a:buNone/>
-            </a:pPr>
-            <a:r>
-              <a:rPr lang="nl-NL" sz="2000" b="1" dirty="0"/>
-              <a:t>State</a:t>
-            </a:r>
-          </a:p>
-          <a:p>
-            <a:pPr marL="0" indent="0">
-              <a:spcBef>
-                <a:spcPts val="0"/>
-              </a:spcBef>
-              <a:buNone/>
-            </a:pPr>
-            <a:endParaRPr lang="nl-NL" sz="2000" dirty="0"/>
-          </a:p>
-          <a:p>
-            <a:pPr marL="0" indent="0">
-              <a:spcBef>
-                <a:spcPts val="0"/>
-              </a:spcBef>
-              <a:buNone/>
-            </a:pPr>
-            <a:r>
-              <a:rPr lang="nl-NL" sz="2000" dirty="0"/>
-              <a:t>Opslaan van status / conditie / setting:</a:t>
-            </a:r>
-          </a:p>
-          <a:p>
-            <a:pPr marL="0" indent="0">
-              <a:spcBef>
-                <a:spcPts val="0"/>
-              </a:spcBef>
-              <a:buNone/>
-            </a:pPr>
-            <a:endParaRPr lang="nl-NL" sz="2000" dirty="0"/>
-          </a:p>
-          <a:p>
-            <a:pPr>
-              <a:spcBef>
-                <a:spcPts val="0"/>
-              </a:spcBef>
-              <a:buFontTx/>
-              <a:buChar char="-"/>
-            </a:pPr>
-            <a:r>
-              <a:rPr lang="nl-NL" sz="2000" dirty="0"/>
-              <a:t>Constanten</a:t>
-            </a:r>
-          </a:p>
-          <a:p>
-            <a:pPr>
-              <a:spcBef>
-                <a:spcPts val="0"/>
-              </a:spcBef>
-              <a:buFontTx/>
-              <a:buChar char="-"/>
-            </a:pPr>
-            <a:r>
-              <a:rPr lang="nl-NL" sz="2000" dirty="0"/>
-              <a:t>Variabelen</a:t>
-            </a:r>
-          </a:p>
-          <a:p>
-            <a:pPr>
-              <a:spcBef>
-                <a:spcPts val="0"/>
-              </a:spcBef>
-              <a:buFontTx/>
-              <a:buChar char="-"/>
-            </a:pPr>
-            <a:r>
-              <a:rPr lang="nl-NL" sz="2000" dirty="0"/>
-              <a:t>Getallen</a:t>
-            </a:r>
-          </a:p>
-          <a:p>
-            <a:pPr marL="0" indent="0">
-              <a:spcBef>
-                <a:spcPts val="0"/>
-              </a:spcBef>
-              <a:buNone/>
-            </a:pPr>
-            <a:endParaRPr lang="nl-NL" sz="2000" dirty="0"/>
-          </a:p>
-          <a:p>
-            <a:pPr marL="0" indent="0">
-              <a:spcBef>
-                <a:spcPts val="0"/>
-              </a:spcBef>
-              <a:buNone/>
-            </a:pPr>
-            <a:endParaRPr lang="nl-NL" sz="2000" dirty="0"/>
-          </a:p>
-          <a:p>
-            <a:pPr marL="0" indent="0">
-              <a:spcBef>
-                <a:spcPts val="0"/>
-              </a:spcBef>
-              <a:buNone/>
-            </a:pPr>
-            <a:endParaRPr lang="nl-NL" sz="2000" dirty="0"/>
-          </a:p>
-          <a:p>
-            <a:pPr marL="0" indent="0">
-              <a:spcBef>
-                <a:spcPts val="0"/>
-              </a:spcBef>
-              <a:buNone/>
-            </a:pPr>
-            <a:r>
-              <a:rPr lang="nl-NL" sz="2000" dirty="0" err="1">
-                <a:latin typeface="Courier New" panose="02070309020205020404" pitchFamily="49" charset="0"/>
-                <a:cs typeface="Courier New" panose="02070309020205020404" pitchFamily="49" charset="0"/>
-              </a:rPr>
-              <a:t>math.pi</a:t>
-            </a:r>
-            <a:endParaRPr lang="nl-NL" sz="2000" dirty="0">
-              <a:latin typeface="Courier New" panose="02070309020205020404" pitchFamily="49" charset="0"/>
-              <a:cs typeface="Courier New" panose="02070309020205020404" pitchFamily="49" charset="0"/>
-            </a:endParaRPr>
-          </a:p>
-          <a:p>
-            <a:pPr marL="0" indent="0">
-              <a:spcBef>
-                <a:spcPts val="0"/>
-              </a:spcBef>
-              <a:buNone/>
-            </a:pPr>
-            <a:endParaRPr lang="nl-NL" sz="2000" dirty="0">
-              <a:latin typeface="Courier New" panose="02070309020205020404" pitchFamily="49" charset="0"/>
-              <a:cs typeface="Courier New" panose="02070309020205020404" pitchFamily="49" charset="0"/>
-            </a:endParaRPr>
-          </a:p>
-          <a:p>
-            <a:pPr marL="0" indent="0">
-              <a:spcBef>
-                <a:spcPts val="0"/>
-              </a:spcBef>
-              <a:buNone/>
-            </a:pPr>
-            <a:r>
-              <a:rPr lang="nl-NL" sz="2000" dirty="0">
-                <a:latin typeface="Courier New" panose="02070309020205020404" pitchFamily="49" charset="0"/>
-                <a:cs typeface="Courier New" panose="02070309020205020404" pitchFamily="49" charset="0"/>
-              </a:rPr>
-              <a:t>x = 1</a:t>
-            </a:r>
-          </a:p>
-          <a:p>
-            <a:pPr marL="0" indent="0">
-              <a:spcBef>
-                <a:spcPts val="0"/>
-              </a:spcBef>
-              <a:buNone/>
-            </a:pPr>
-            <a:endParaRPr lang="nl-NL" sz="2000" dirty="0">
-              <a:latin typeface="Courier New" panose="02070309020205020404" pitchFamily="49" charset="0"/>
-              <a:cs typeface="Courier New" panose="02070309020205020404" pitchFamily="49" charset="0"/>
-            </a:endParaRPr>
-          </a:p>
-          <a:p>
-            <a:pPr marL="0" indent="0">
-              <a:spcBef>
-                <a:spcPts val="0"/>
-              </a:spcBef>
-              <a:buNone/>
-            </a:pPr>
-            <a:r>
-              <a:rPr lang="nl-NL" sz="2000" dirty="0">
-                <a:latin typeface="Courier New" panose="02070309020205020404" pitchFamily="49" charset="0"/>
-                <a:cs typeface="Courier New" panose="02070309020205020404" pitchFamily="49" charset="0"/>
-              </a:rPr>
-              <a:t>[1, 2, 3, 4]</a:t>
-            </a:r>
-          </a:p>
-          <a:p>
-            <a:pPr marL="0" indent="0">
-              <a:spcBef>
-                <a:spcPts val="0"/>
-              </a:spcBef>
-              <a:buNone/>
-            </a:pPr>
-            <a:endParaRPr lang="nl-NL" sz="2000" dirty="0">
-              <a:latin typeface="Courier New" panose="02070309020205020404" pitchFamily="49" charset="0"/>
-              <a:cs typeface="Courier New" panose="02070309020205020404" pitchFamily="49" charset="0"/>
-            </a:endParaRPr>
-          </a:p>
-        </p:txBody>
-      </p:sp>
-      <p:sp>
-        <p:nvSpPr>
           <p:cNvPr id="4" name="Content Placeholder 2">
             <a:extLst>
               <a:ext uri="{FF2B5EF4-FFF2-40B4-BE49-F238E27FC236}">
@@ -5095,7 +4830,7 @@
         </p:nvSpPr>
         <p:spPr>
           <a:xfrm>
-            <a:off x="6497855" y="1674419"/>
+            <a:off x="6096000" y="6162444"/>
             <a:ext cx="4530754" cy="4818456"/>
           </a:xfrm>
           <a:prstGeom prst="rect">
@@ -5278,12 +5013,318 @@
               <a:buFont typeface="Arial" panose="020B0604020202020204" pitchFamily="34" charset="0"/>
               <a:buNone/>
             </a:pPr>
-            <a:r>
-              <a:rPr lang="nl-NL" sz="2000" b="1" dirty="0" err="1"/>
-              <a:t>Behavior</a:t>
-            </a:r>
-            <a:endParaRPr lang="nl-NL" sz="2000" b="1" dirty="0"/>
-          </a:p>
+            <a:endParaRPr lang="nl-NL" sz="2000" dirty="0">
+              <a:latin typeface="Courier New" panose="02070309020205020404" pitchFamily="49" charset="0"/>
+              <a:cs typeface="Courier New" panose="02070309020205020404" pitchFamily="49" charset="0"/>
+            </a:endParaRPr>
+          </a:p>
+        </p:txBody>
+      </p:sp>
+      <p:sp>
+        <p:nvSpPr>
+          <p:cNvPr id="12" name="Rectangle 11">
+            <a:extLst>
+              <a:ext uri="{FF2B5EF4-FFF2-40B4-BE49-F238E27FC236}">
+                <a16:creationId xmlns:a16="http://schemas.microsoft.com/office/drawing/2014/main" id="{33D6E2A2-6679-4082-B7A0-AF1105D184BC}"/>
+              </a:ext>
+            </a:extLst>
+          </p:cNvPr>
+          <p:cNvSpPr/>
+          <p:nvPr/>
+        </p:nvSpPr>
+        <p:spPr>
+          <a:xfrm>
+            <a:off x="838199" y="1518203"/>
+            <a:ext cx="4598151" cy="4974672"/>
+          </a:xfrm>
+          <a:prstGeom prst="rect">
+            <a:avLst/>
+          </a:prstGeom>
+        </p:spPr>
+        <p:style>
+          <a:lnRef idx="1">
+            <a:schemeClr val="accent4"/>
+          </a:lnRef>
+          <a:fillRef idx="2">
+            <a:schemeClr val="accent4"/>
+          </a:fillRef>
+          <a:effectRef idx="1">
+            <a:schemeClr val="accent4"/>
+          </a:effectRef>
+          <a:fontRef idx="minor">
+            <a:schemeClr val="dk1"/>
+          </a:fontRef>
+        </p:style>
+        <p:txBody>
+          <a:bodyPr lIns="274320" tIns="274320" rIns="274320" rtlCol="0" anchor="t"/>
+          <a:lstStyle/>
+          <a:p>
+            <a:pPr marL="0" indent="0">
+              <a:spcBef>
+                <a:spcPts val="0"/>
+              </a:spcBef>
+              <a:buNone/>
+            </a:pPr>
+            <a:r>
+              <a:rPr lang="nl-NL" sz="1800" b="1" dirty="0"/>
+              <a:t>State</a:t>
+            </a:r>
+          </a:p>
+          <a:p>
+            <a:pPr marL="0" indent="0">
+              <a:spcBef>
+                <a:spcPts val="0"/>
+              </a:spcBef>
+              <a:buNone/>
+            </a:pPr>
+            <a:endParaRPr lang="nl-NL" sz="1800" dirty="0"/>
+          </a:p>
+          <a:p>
+            <a:pPr marL="0" indent="0">
+              <a:spcBef>
+                <a:spcPts val="0"/>
+              </a:spcBef>
+              <a:buNone/>
+            </a:pPr>
+            <a:r>
+              <a:rPr lang="nl-NL" sz="1800" dirty="0"/>
+              <a:t>Opslaan van status / conditie / setting:</a:t>
+            </a:r>
+          </a:p>
+          <a:p>
+            <a:pPr marL="0" indent="0">
+              <a:spcBef>
+                <a:spcPts val="0"/>
+              </a:spcBef>
+              <a:buNone/>
+            </a:pPr>
+            <a:endParaRPr lang="nl-NL" sz="1800" dirty="0"/>
+          </a:p>
+          <a:p>
+            <a:pPr marL="285750" indent="-285750">
+              <a:spcBef>
+                <a:spcPts val="0"/>
+              </a:spcBef>
+              <a:buFont typeface="Arial" panose="020B0604020202020204" pitchFamily="34" charset="0"/>
+              <a:buChar char="•"/>
+            </a:pPr>
+            <a:r>
+              <a:rPr lang="nl-NL" sz="1800" dirty="0"/>
+              <a:t>Constanten</a:t>
+            </a:r>
+          </a:p>
+          <a:p>
+            <a:pPr marL="285750" indent="-285750">
+              <a:spcBef>
+                <a:spcPts val="0"/>
+              </a:spcBef>
+              <a:buFont typeface="Arial" panose="020B0604020202020204" pitchFamily="34" charset="0"/>
+              <a:buChar char="•"/>
+            </a:pPr>
+            <a:r>
+              <a:rPr lang="nl-NL" sz="1800" dirty="0"/>
+              <a:t>Variabelen</a:t>
+            </a:r>
+          </a:p>
+          <a:p>
+            <a:pPr marL="285750" indent="-285750">
+              <a:spcBef>
+                <a:spcPts val="0"/>
+              </a:spcBef>
+              <a:buFont typeface="Arial" panose="020B0604020202020204" pitchFamily="34" charset="0"/>
+              <a:buChar char="•"/>
+            </a:pPr>
+            <a:r>
+              <a:rPr lang="nl-NL" sz="1800" dirty="0"/>
+              <a:t>Getallen</a:t>
+            </a:r>
+          </a:p>
+        </p:txBody>
+      </p:sp>
+      <p:sp>
+        <p:nvSpPr>
+          <p:cNvPr id="13" name="Rectangle 12">
+            <a:extLst>
+              <a:ext uri="{FF2B5EF4-FFF2-40B4-BE49-F238E27FC236}">
+                <a16:creationId xmlns:a16="http://schemas.microsoft.com/office/drawing/2014/main" id="{5477139D-E55B-47DA-87D2-710848DD98D5}"/>
+              </a:ext>
+            </a:extLst>
+          </p:cNvPr>
+          <p:cNvSpPr/>
+          <p:nvPr/>
+        </p:nvSpPr>
+        <p:spPr>
+          <a:xfrm>
+            <a:off x="1006679" y="4083647"/>
+            <a:ext cx="4213969" cy="2258430"/>
+          </a:xfrm>
+          <a:prstGeom prst="rect">
+            <a:avLst/>
+          </a:prstGeom>
+          <a:solidFill>
+            <a:schemeClr val="bg1">
+              <a:lumMod val="95000"/>
+            </a:schemeClr>
+          </a:solidFill>
+        </p:spPr>
+        <p:style>
+          <a:lnRef idx="1">
+            <a:schemeClr val="accent3"/>
+          </a:lnRef>
+          <a:fillRef idx="2">
+            <a:schemeClr val="accent3"/>
+          </a:fillRef>
+          <a:effectRef idx="1">
+            <a:schemeClr val="accent3"/>
+          </a:effectRef>
+          <a:fontRef idx="minor">
+            <a:schemeClr val="dk1"/>
+          </a:fontRef>
+        </p:style>
+        <p:txBody>
+          <a:bodyPr rtlCol="0" anchor="t"/>
+          <a:lstStyle/>
+          <a:p>
+            <a:pPr marL="0" indent="0">
+              <a:spcBef>
+                <a:spcPts val="0"/>
+              </a:spcBef>
+              <a:buNone/>
+            </a:pPr>
+            <a:endParaRPr lang="nl-NL" dirty="0">
+              <a:latin typeface="Courier New" panose="02070309020205020404" pitchFamily="49" charset="0"/>
+              <a:cs typeface="Courier New" panose="02070309020205020404" pitchFamily="49" charset="0"/>
+            </a:endParaRPr>
+          </a:p>
+          <a:p>
+            <a:pPr marL="0" indent="0">
+              <a:spcBef>
+                <a:spcPts val="0"/>
+              </a:spcBef>
+              <a:buNone/>
+            </a:pPr>
+            <a:r>
+              <a:rPr lang="nl-NL" sz="1800" dirty="0" err="1">
+                <a:latin typeface="Courier New" panose="02070309020205020404" pitchFamily="49" charset="0"/>
+                <a:cs typeface="Courier New" panose="02070309020205020404" pitchFamily="49" charset="0"/>
+              </a:rPr>
+              <a:t>math.pi</a:t>
+            </a:r>
+            <a:endParaRPr lang="nl-NL" sz="1800" dirty="0">
+              <a:latin typeface="Courier New" panose="02070309020205020404" pitchFamily="49" charset="0"/>
+              <a:cs typeface="Courier New" panose="02070309020205020404" pitchFamily="49" charset="0"/>
+            </a:endParaRPr>
+          </a:p>
+          <a:p>
+            <a:pPr marL="0" indent="0">
+              <a:spcBef>
+                <a:spcPts val="0"/>
+              </a:spcBef>
+              <a:buNone/>
+            </a:pPr>
+            <a:endParaRPr lang="nl-NL" sz="1800" dirty="0">
+              <a:latin typeface="Courier New" panose="02070309020205020404" pitchFamily="49" charset="0"/>
+              <a:cs typeface="Courier New" panose="02070309020205020404" pitchFamily="49" charset="0"/>
+            </a:endParaRPr>
+          </a:p>
+          <a:p>
+            <a:pPr marL="0" indent="0">
+              <a:spcBef>
+                <a:spcPts val="0"/>
+              </a:spcBef>
+              <a:buNone/>
+            </a:pPr>
+            <a:r>
+              <a:rPr lang="nl-NL" sz="1800" dirty="0">
+                <a:latin typeface="Courier New" panose="02070309020205020404" pitchFamily="49" charset="0"/>
+                <a:cs typeface="Courier New" panose="02070309020205020404" pitchFamily="49" charset="0"/>
+              </a:rPr>
+              <a:t>x = 1</a:t>
+            </a:r>
+          </a:p>
+          <a:p>
+            <a:pPr marL="0" indent="0">
+              <a:spcBef>
+                <a:spcPts val="0"/>
+              </a:spcBef>
+              <a:buNone/>
+            </a:pPr>
+            <a:endParaRPr lang="nl-NL" sz="1800" dirty="0">
+              <a:latin typeface="Courier New" panose="02070309020205020404" pitchFamily="49" charset="0"/>
+              <a:cs typeface="Courier New" panose="02070309020205020404" pitchFamily="49" charset="0"/>
+            </a:endParaRPr>
+          </a:p>
+          <a:p>
+            <a:pPr marL="0" indent="0">
+              <a:spcBef>
+                <a:spcPts val="0"/>
+              </a:spcBef>
+              <a:buNone/>
+            </a:pPr>
+            <a:r>
+              <a:rPr lang="nl-NL" sz="1800" dirty="0">
+                <a:latin typeface="Courier New" panose="02070309020205020404" pitchFamily="49" charset="0"/>
+                <a:cs typeface="Courier New" panose="02070309020205020404" pitchFamily="49" charset="0"/>
+              </a:rPr>
+              <a:t>[1, 2, 3, 4]</a:t>
+            </a:r>
+          </a:p>
+          <a:p>
+            <a:pPr marL="0" indent="0">
+              <a:spcBef>
+                <a:spcPts val="0"/>
+              </a:spcBef>
+              <a:buNone/>
+            </a:pPr>
+            <a:endParaRPr lang="nl-NL" sz="1800" dirty="0">
+              <a:latin typeface="Courier New" panose="02070309020205020404" pitchFamily="49" charset="0"/>
+              <a:cs typeface="Courier New" panose="02070309020205020404" pitchFamily="49" charset="0"/>
+            </a:endParaRPr>
+          </a:p>
+          <a:p>
+            <a:pPr algn="ctr"/>
+            <a:endParaRPr lang="en-NL" dirty="0"/>
+          </a:p>
+        </p:txBody>
+      </p:sp>
+      <p:sp>
+        <p:nvSpPr>
+          <p:cNvPr id="16" name="Rectangle 15">
+            <a:extLst>
+              <a:ext uri="{FF2B5EF4-FFF2-40B4-BE49-F238E27FC236}">
+                <a16:creationId xmlns:a16="http://schemas.microsoft.com/office/drawing/2014/main" id="{484B713B-357C-4EFE-983F-4C4808072DAD}"/>
+              </a:ext>
+            </a:extLst>
+          </p:cNvPr>
+          <p:cNvSpPr/>
+          <p:nvPr/>
+        </p:nvSpPr>
+        <p:spPr>
+          <a:xfrm>
+            <a:off x="6587170" y="1518203"/>
+            <a:ext cx="4598151" cy="4974672"/>
+          </a:xfrm>
+          <a:prstGeom prst="rect">
+            <a:avLst/>
+          </a:prstGeom>
+        </p:spPr>
+        <p:style>
+          <a:lnRef idx="1">
+            <a:schemeClr val="accent5"/>
+          </a:lnRef>
+          <a:fillRef idx="2">
+            <a:schemeClr val="accent5"/>
+          </a:fillRef>
+          <a:effectRef idx="1">
+            <a:schemeClr val="accent5"/>
+          </a:effectRef>
+          <a:fontRef idx="minor">
+            <a:schemeClr val="dk1"/>
+          </a:fontRef>
+        </p:style>
+        <p:txBody>
+          <a:bodyPr lIns="274320" tIns="274320" rIns="274320" rtlCol="0" anchor="t"/>
+          <a:lstStyle/>
           <a:p>
             <a:pPr marL="0" indent="0">
               <a:spcBef>
@@ -5292,7 +5333,11 @@
               <a:buFont typeface="Arial" panose="020B0604020202020204" pitchFamily="34" charset="0"/>
               <a:buNone/>
             </a:pPr>
-            <a:endParaRPr lang="nl-NL" sz="2000" dirty="0"/>
+            <a:r>
+              <a:rPr lang="nl-NL" sz="1800" b="1" dirty="0" err="1"/>
+              <a:t>Behavior</a:t>
+            </a:r>
+            <a:endParaRPr lang="nl-NL" sz="1800" b="1" dirty="0"/>
           </a:p>
           <a:p>
             <a:pPr marL="0" indent="0">
@@ -5302,10 +5347,7 @@
               <a:buFont typeface="Arial" panose="020B0604020202020204" pitchFamily="34" charset="0"/>
               <a:buNone/>
             </a:pPr>
-            <a:r>
-              <a:rPr lang="nl-NL" sz="2000" dirty="0"/>
-              <a:t>Uitvoeren van een actie:</a:t>
-            </a:r>
+            <a:endParaRPr lang="nl-NL" sz="1800" dirty="0"/>
           </a:p>
           <a:p>
             <a:pPr marL="0" indent="0">
@@ -5315,32 +5357,9 @@
               <a:buFont typeface="Arial" panose="020B0604020202020204" pitchFamily="34" charset="0"/>
               <a:buNone/>
             </a:pPr>
-            <a:endParaRPr lang="nl-NL" sz="2000" dirty="0"/>
-          </a:p>
-          <a:p>
-            <a:pPr>
-              <a:spcBef>
-                <a:spcPts val="0"/>
-              </a:spcBef>
-              <a:buFontTx/>
-              <a:buChar char="-"/>
-            </a:pPr>
-            <a:r>
-              <a:rPr lang="nl-NL" sz="2000" dirty="0"/>
-              <a:t>Functies</a:t>
-            </a:r>
-          </a:p>
-          <a:p>
-            <a:pPr>
-              <a:spcBef>
-                <a:spcPts val="0"/>
-              </a:spcBef>
-              <a:buFontTx/>
-              <a:buChar char="-"/>
-            </a:pPr>
-            <a:r>
-              <a:rPr lang="nl-NL" sz="2000" dirty="0"/>
-              <a:t>Methodes van objecten</a:t>
+            <a:r>
+              <a:rPr lang="nl-NL" sz="1800" dirty="0"/>
+              <a:t>Uitvoeren van een actie:</a:t>
             </a:r>
           </a:p>
           <a:p>
@@ -5351,8 +5370,79 @@
               <a:buFont typeface="Arial" panose="020B0604020202020204" pitchFamily="34" charset="0"/>
               <a:buNone/>
             </a:pPr>
-            <a:endParaRPr lang="nl-NL" sz="2000" dirty="0"/>
-          </a:p>
+            <a:endParaRPr lang="nl-NL" sz="1800" dirty="0"/>
+          </a:p>
+          <a:p>
+            <a:pPr marL="285750" indent="-285750">
+              <a:spcBef>
+                <a:spcPts val="0"/>
+              </a:spcBef>
+              <a:buFont typeface="Arial" panose="020B0604020202020204" pitchFamily="34" charset="0"/>
+              <a:buChar char="•"/>
+            </a:pPr>
+            <a:r>
+              <a:rPr lang="nl-NL" sz="1800" dirty="0"/>
+              <a:t>Functies</a:t>
+            </a:r>
+          </a:p>
+          <a:p>
+            <a:pPr marL="285750" indent="-285750">
+              <a:spcBef>
+                <a:spcPts val="0"/>
+              </a:spcBef>
+              <a:buFont typeface="Arial" panose="020B0604020202020204" pitchFamily="34" charset="0"/>
+              <a:buChar char="•"/>
+            </a:pPr>
+            <a:r>
+              <a:rPr lang="nl-NL" sz="1800" dirty="0"/>
+              <a:t>Methodes</a:t>
+            </a:r>
+          </a:p>
+        </p:txBody>
+      </p:sp>
+      <p:sp>
+        <p:nvSpPr>
+          <p:cNvPr id="17" name="Rectangle 16">
+            <a:extLst>
+              <a:ext uri="{FF2B5EF4-FFF2-40B4-BE49-F238E27FC236}">
+                <a16:creationId xmlns:a16="http://schemas.microsoft.com/office/drawing/2014/main" id="{954B793C-3795-4AED-BB9D-78A73DC40EE8}"/>
+              </a:ext>
+            </a:extLst>
+          </p:cNvPr>
+          <p:cNvSpPr/>
+          <p:nvPr/>
+        </p:nvSpPr>
+        <p:spPr>
+          <a:xfrm>
+            <a:off x="6755650" y="4083647"/>
+            <a:ext cx="4213969" cy="2258430"/>
+          </a:xfrm>
+          <a:prstGeom prst="rect">
+            <a:avLst/>
+          </a:prstGeom>
+          <a:solidFill>
+            <a:schemeClr val="bg1">
+              <a:lumMod val="95000"/>
+            </a:schemeClr>
+          </a:solidFill>
+        </p:spPr>
+        <p:style>
+          <a:lnRef idx="1">
+            <a:schemeClr val="accent3"/>
+          </a:lnRef>
+          <a:fillRef idx="2">
+            <a:schemeClr val="accent3"/>
+          </a:fillRef>
+          <a:effectRef idx="1">
+            <a:schemeClr val="accent3"/>
+          </a:effectRef>
+          <a:fontRef idx="minor">
+            <a:schemeClr val="dk1"/>
+          </a:fontRef>
+        </p:style>
+        <p:txBody>
+          <a:bodyPr rtlCol="0" anchor="t"/>
+          <a:lstStyle/>
           <a:p>
             <a:pPr marL="0" indent="0">
               <a:spcBef>
@@ -5361,7 +5451,10 @@
               <a:buFont typeface="Arial" panose="020B0604020202020204" pitchFamily="34" charset="0"/>
               <a:buNone/>
             </a:pPr>
-            <a:endParaRPr lang="nl-NL" sz="2000" dirty="0"/>
+            <a:endParaRPr lang="nl-NL" sz="1800" dirty="0">
+              <a:latin typeface="Courier New" panose="02070309020205020404" pitchFamily="49" charset="0"/>
+              <a:cs typeface="Courier New" panose="02070309020205020404" pitchFamily="49" charset="0"/>
+            </a:endParaRPr>
           </a:p>
           <a:p>
             <a:pPr marL="0" indent="0">
@@ -5371,7 +5464,13 @@
               <a:buFont typeface="Arial" panose="020B0604020202020204" pitchFamily="34" charset="0"/>
               <a:buNone/>
             </a:pPr>
-            <a:endParaRPr lang="nl-NL" sz="2000" dirty="0"/>
+            <a:r>
+              <a:rPr lang="nl-NL" sz="1800" dirty="0">
+                <a:latin typeface="Courier New" panose="02070309020205020404" pitchFamily="49" charset="0"/>
+                <a:cs typeface="Courier New" panose="02070309020205020404" pitchFamily="49" charset="0"/>
+              </a:rPr>
+              <a:t>print(…)</a:t>
+            </a:r>
           </a:p>
           <a:p>
             <a:pPr marL="0" indent="0">
@@ -5381,7 +5480,10 @@
               <a:buFont typeface="Arial" panose="020B0604020202020204" pitchFamily="34" charset="0"/>
               <a:buNone/>
             </a:pPr>
-            <a:endParaRPr lang="nl-NL" sz="2000" dirty="0"/>
+            <a:endParaRPr lang="nl-NL" sz="1800" dirty="0">
+              <a:latin typeface="Courier New" panose="02070309020205020404" pitchFamily="49" charset="0"/>
+              <a:cs typeface="Courier New" panose="02070309020205020404" pitchFamily="49" charset="0"/>
+            </a:endParaRPr>
           </a:p>
           <a:p>
             <a:pPr marL="0" indent="0">
@@ -5392,11 +5494,18 @@
               <a:buNone/>
             </a:pPr>
             <a:r>
-              <a:rPr lang="nl-NL" sz="2000" dirty="0">
+              <a:rPr lang="nl-NL" sz="1800" dirty="0" err="1">
                 <a:latin typeface="Courier New" panose="02070309020205020404" pitchFamily="49" charset="0"/>
                 <a:cs typeface="Courier New" panose="02070309020205020404" pitchFamily="49" charset="0"/>
               </a:rPr>
-              <a:t>print(…)</a:t>
+              <a:t>df.sort_values</a:t>
+            </a:r>
+            <a:r>
+              <a:rPr lang="nl-NL" sz="1800" dirty="0">
+                <a:latin typeface="Courier New" panose="02070309020205020404" pitchFamily="49" charset="0"/>
+                <a:cs typeface="Courier New" panose="02070309020205020404" pitchFamily="49" charset="0"/>
+              </a:rPr>
+              <a:t>(…)</a:t>
             </a:r>
           </a:p>
           <a:p>
@@ -5404,36 +5513,16 @@
               <a:spcBef>
                 <a:spcPts val="0"/>
               </a:spcBef>
-              <a:buFont typeface="Arial" panose="020B0604020202020204" pitchFamily="34" charset="0"/>
-              <a:buNone/>
-            </a:pPr>
-            <a:endParaRPr lang="nl-NL" sz="2000" dirty="0">
+              <a:buNone/>
+            </a:pPr>
+            <a:endParaRPr lang="nl-NL" sz="1800" dirty="0">
               <a:latin typeface="Courier New" panose="02070309020205020404" pitchFamily="49" charset="0"/>
               <a:cs typeface="Courier New" panose="02070309020205020404" pitchFamily="49" charset="0"/>
             </a:endParaRPr>
           </a:p>
           <a:p>
-            <a:pPr marL="0" indent="0">
-              <a:spcBef>
-                <a:spcPts val="0"/>
-              </a:spcBef>
-              <a:buFont typeface="Arial" panose="020B0604020202020204" pitchFamily="34" charset="0"/>
-              <a:buNone/>
-            </a:pPr>
-            <a:r>
-              <a:rPr lang="nl-NL" sz="2000" dirty="0" err="1">
-                <a:latin typeface="Courier New" panose="02070309020205020404" pitchFamily="49" charset="0"/>
-                <a:cs typeface="Courier New" panose="02070309020205020404" pitchFamily="49" charset="0"/>
-              </a:rPr>
-              <a:t>df.sort_values</a:t>
-            </a:r>
-            <a:r>
-              <a:rPr lang="nl-NL" sz="2000" dirty="0">
-                <a:latin typeface="Courier New" panose="02070309020205020404" pitchFamily="49" charset="0"/>
-                <a:cs typeface="Courier New" panose="02070309020205020404" pitchFamily="49" charset="0"/>
-              </a:rPr>
-              <a:t>(…)</a:t>
-            </a:r>
+            <a:pPr algn="ctr"/>
+            <a:endParaRPr lang="en-NL" dirty="0"/>
           </a:p>
         </p:txBody>
       </p:sp>
@@ -7381,56 +7470,6 @@
           <a:chExt cx="0" cy="0"/>
         </a:xfrm>
       </p:grpSpPr>
-      <p:sp>
-        <p:nvSpPr>
-          <p:cNvPr id="2" name="Title 1">
-            <a:extLst>
-              <a:ext uri="{FF2B5EF4-FFF2-40B4-BE49-F238E27FC236}">
-                <a16:creationId xmlns:a16="http://schemas.microsoft.com/office/drawing/2014/main" id="{11B81A73-6CA2-4E72-8086-A17DAF604345}"/>
-              </a:ext>
-            </a:extLst>
-          </p:cNvPr>
-          <p:cNvSpPr>
-            <a:spLocks noGrp="1"/>
-          </p:cNvSpPr>
-          <p:nvPr>
-            <p:ph type="title"/>
-          </p:nvPr>
-        </p:nvSpPr>
-        <p:spPr/>
-        <p:txBody>
-          <a:bodyPr/>
-          <a:lstStyle/>
-          <a:p>
-            <a:endParaRPr lang="en-NL"/>
-          </a:p>
-        </p:txBody>
-      </p:sp>
-      <p:sp>
-        <p:nvSpPr>
-          <p:cNvPr id="3" name="Content Placeholder 2">
-            <a:extLst>
-              <a:ext uri="{FF2B5EF4-FFF2-40B4-BE49-F238E27FC236}">
-                <a16:creationId xmlns:a16="http://schemas.microsoft.com/office/drawing/2014/main" id="{15550610-2445-4076-83AE-2E3A0C4F9DF8}"/>
-              </a:ext>
-            </a:extLst>
-          </p:cNvPr>
-          <p:cNvSpPr>
-            <a:spLocks noGrp="1"/>
-          </p:cNvSpPr>
-          <p:nvPr>
-            <p:ph idx="1"/>
-          </p:nvPr>
-        </p:nvSpPr>
-        <p:spPr/>
-        <p:txBody>
-          <a:bodyPr/>
-          <a:lstStyle/>
-          <a:p>
-            <a:endParaRPr lang="en-NL"/>
-          </a:p>
-        </p:txBody>
-      </p:sp>
     </p:spTree>
     <p:extLst>
       <p:ext uri="{BB962C8B-B14F-4D97-AF65-F5344CB8AC3E}">
